--- a/slides/slides.pptx
+++ b/slides/slides.pptx
@@ -3460,7 +3460,7 @@
         </p:spPr>
         <p:txBody>
           <a:bodyPr>
-            <a:normAutofit/>
+            <a:normAutofit lnSpcReduction="10000"/>
           </a:bodyPr>
           <a:lstStyle/>
           <a:p>
@@ -3485,8 +3485,22 @@
           <a:p>
             <a:pPr algn="l"/>
             <a:r>
+              <a:rPr lang="en-US" sz="3000" dirty="0"/>
+              <a:t>Demos &amp; Slides: https://github.com/DustinEwers/shiny-angular-demos</a:t>
+            </a:r>
+          </a:p>
+          <a:p>
+            <a:pPr algn="l"/>
+            <a:r>
               <a:rPr lang="en-US" sz="2800" dirty="0"/>
-              <a:t>Website: www.dustinewers.comTwitter: @</a:t>
+              <a:t>Website: www.dustinewers.com</a:t>
+            </a:r>
+          </a:p>
+          <a:p>
+            <a:pPr algn="l"/>
+            <a:r>
+              <a:rPr lang="en-US" sz="2800" dirty="0"/>
+              <a:t>Twitter: @</a:t>
             </a:r>
             <a:r>
               <a:rPr lang="en-US" sz="2800" dirty="0" err="1"/>
@@ -3496,17 +3510,40 @@
           </a:p>
           <a:p>
             <a:pPr algn="l"/>
-            <a:r>
-              <a:rPr lang="en-US" sz="2800" dirty="0"/>
-              <a:t>Demos &amp; Slides: https://github.com/DustinEwers/shiny-angular-demos</a:t>
-            </a:r>
-          </a:p>
-          <a:p>
-            <a:pPr algn="l"/>
             <a:endParaRPr lang="en-US" dirty="0"/>
           </a:p>
         </p:txBody>
       </p:sp>
+      <p:pic>
+        <p:nvPicPr>
+          <p:cNvPr id="4" name="Picture 3"/>
+          <p:cNvPicPr>
+            <a:picLocks noChangeAspect="1"/>
+          </p:cNvPicPr>
+          <p:nvPr/>
+        </p:nvPicPr>
+        <p:blipFill>
+          <a:blip r:embed="rId3" cstate="hqprint">
+            <a:extLst>
+              <a:ext uri="{28A0092B-C50C-407E-A947-70E740481C1C}">
+                <a14:useLocalDpi xmlns:a14="http://schemas.microsoft.com/office/drawing/2010/main" val="0"/>
+              </a:ext>
+            </a:extLst>
+          </a:blip>
+          <a:stretch>
+            <a:fillRect/>
+          </a:stretch>
+        </p:blipFill>
+        <p:spPr>
+          <a:xfrm>
+            <a:off x="7584047" y="5687957"/>
+            <a:ext cx="4452442" cy="936126"/>
+          </a:xfrm>
+          <a:prstGeom prst="rect">
+            <a:avLst/>
+          </a:prstGeom>
+        </p:spPr>
+      </p:pic>
     </p:spTree>
     <p:extLst>
       <p:ext uri="{BB962C8B-B14F-4D97-AF65-F5344CB8AC3E}">

--- a/slides/slides.pptx
+++ b/slides/slides.pptx
@@ -5,13 +5,32 @@
     <p:sldMasterId id="2147483648" r:id="rId1"/>
   </p:sldMasterIdLst>
   <p:notesMasterIdLst>
-    <p:notesMasterId r:id="rId6"/>
+    <p:notesMasterId r:id="rId25"/>
   </p:notesMasterIdLst>
   <p:sldIdLst>
     <p:sldId id="256" r:id="rId2"/>
     <p:sldId id="276" r:id="rId3"/>
-    <p:sldId id="280" r:id="rId4"/>
-    <p:sldId id="281" r:id="rId5"/>
+    <p:sldId id="282" r:id="rId4"/>
+    <p:sldId id="285" r:id="rId5"/>
+    <p:sldId id="286" r:id="rId6"/>
+    <p:sldId id="287" r:id="rId7"/>
+    <p:sldId id="283" r:id="rId8"/>
+    <p:sldId id="289" r:id="rId9"/>
+    <p:sldId id="290" r:id="rId10"/>
+    <p:sldId id="288" r:id="rId11"/>
+    <p:sldId id="291" r:id="rId12"/>
+    <p:sldId id="284" r:id="rId13"/>
+    <p:sldId id="294" r:id="rId14"/>
+    <p:sldId id="293" r:id="rId15"/>
+    <p:sldId id="299" r:id="rId16"/>
+    <p:sldId id="300" r:id="rId17"/>
+    <p:sldId id="292" r:id="rId18"/>
+    <p:sldId id="295" r:id="rId19"/>
+    <p:sldId id="296" r:id="rId20"/>
+    <p:sldId id="297" r:id="rId21"/>
+    <p:sldId id="298" r:id="rId22"/>
+    <p:sldId id="280" r:id="rId23"/>
+    <p:sldId id="281" r:id="rId24"/>
   </p:sldIdLst>
   <p:sldSz cx="12192000" cy="6858000"/>
   <p:notesSz cx="6858000" cy="9144000"/>
@@ -116,6 +135,5340 @@
     </p:ext>
   </p:extLst>
 </p:presentation>
+</file>
+
+<file path=ppt/charts/chart1.xml><?xml version="1.0" encoding="utf-8"?>
+<c:chartSpace xmlns:c="http://schemas.openxmlformats.org/drawingml/2006/chart" xmlns:a="http://schemas.openxmlformats.org/drawingml/2006/main" xmlns:r="http://schemas.openxmlformats.org/officeDocument/2006/relationships" xmlns:c16r2="http://schemas.microsoft.com/office/drawing/2015/06/chart">
+  <c:date1904 val="0"/>
+  <c:lang val="en-US"/>
+  <c:roundedCorners val="0"/>
+  <mc:AlternateContent xmlns:mc="http://schemas.openxmlformats.org/markup-compatibility/2006">
+    <mc:Choice xmlns:c14="http://schemas.microsoft.com/office/drawing/2007/8/2/chart" Requires="c14">
+      <c14:style val="102"/>
+    </mc:Choice>
+    <mc:Fallback>
+      <c:style val="2"/>
+    </mc:Fallback>
+  </mc:AlternateContent>
+  <c:chart>
+    <c:title>
+      <c:overlay val="0"/>
+      <c:spPr>
+        <a:noFill/>
+        <a:ln>
+          <a:noFill/>
+        </a:ln>
+        <a:effectLst/>
+      </c:spPr>
+      <c:txPr>
+        <a:bodyPr rot="0" spcFirstLastPara="1" vertOverflow="ellipsis" vert="horz" wrap="square" anchor="ctr" anchorCtr="1"/>
+        <a:lstStyle/>
+        <a:p>
+          <a:pPr>
+            <a:defRPr sz="2200" b="1" i="0" u="none" strike="noStrike" kern="1200" cap="all" spc="50" baseline="0">
+              <a:solidFill>
+                <a:schemeClr val="tx1">
+                  <a:lumMod val="65000"/>
+                  <a:lumOff val="35000"/>
+                </a:schemeClr>
+              </a:solidFill>
+              <a:latin typeface="+mn-lt"/>
+              <a:ea typeface="+mn-ea"/>
+              <a:cs typeface="+mn-cs"/>
+            </a:defRPr>
+          </a:pPr>
+          <a:endParaRPr lang="en-US"/>
+        </a:p>
+      </c:txPr>
+    </c:title>
+    <c:autoTitleDeleted val="0"/>
+    <c:view3D>
+      <c:rotX val="15"/>
+      <c:rotY val="20"/>
+      <c:depthPercent val="100"/>
+      <c:rAngAx val="1"/>
+    </c:view3D>
+    <c:floor>
+      <c:thickness val="0"/>
+      <c:spPr>
+        <a:noFill/>
+        <a:ln>
+          <a:noFill/>
+        </a:ln>
+        <a:effectLst/>
+        <a:sp3d/>
+      </c:spPr>
+    </c:floor>
+    <c:sideWall>
+      <c:thickness val="0"/>
+      <c:spPr>
+        <a:noFill/>
+        <a:ln>
+          <a:noFill/>
+        </a:ln>
+        <a:effectLst/>
+        <a:sp3d/>
+      </c:spPr>
+    </c:sideWall>
+    <c:backWall>
+      <c:thickness val="0"/>
+      <c:spPr>
+        <a:noFill/>
+        <a:ln>
+          <a:noFill/>
+        </a:ln>
+        <a:effectLst/>
+        <a:sp3d/>
+      </c:spPr>
+    </c:backWall>
+    <c:plotArea>
+      <c:layout/>
+      <c:bar3DChart>
+        <c:barDir val="bar"/>
+        <c:grouping val="clustered"/>
+        <c:varyColors val="0"/>
+        <c:ser>
+          <c:idx val="0"/>
+          <c:order val="0"/>
+          <c:tx>
+            <c:strRef>
+              <c:f>Sheet1!$B$1</c:f>
+              <c:strCache>
+                <c:ptCount val="1"/>
+                <c:pt idx="0">
+                  <c:v>Series 1</c:v>
+                </c:pt>
+              </c:strCache>
+            </c:strRef>
+          </c:tx>
+          <c:spPr>
+            <a:gradFill flip="none" rotWithShape="1">
+              <a:gsLst>
+                <a:gs pos="100000">
+                  <a:schemeClr val="accent1">
+                    <a:alpha val="0"/>
+                  </a:schemeClr>
+                </a:gs>
+                <a:gs pos="50000">
+                  <a:schemeClr val="accent1"/>
+                </a:gs>
+              </a:gsLst>
+              <a:lin ang="10800000" scaled="1"/>
+            </a:gradFill>
+            <a:ln>
+              <a:noFill/>
+            </a:ln>
+            <a:effectLst/>
+            <a:sp3d/>
+          </c:spPr>
+          <c:invertIfNegative val="0"/>
+          <c:dLbls>
+            <c:spPr>
+              <a:noFill/>
+              <a:ln>
+                <a:noFill/>
+              </a:ln>
+              <a:effectLst/>
+            </c:spPr>
+            <c:txPr>
+              <a:bodyPr rot="0" spcFirstLastPara="1" vertOverflow="ellipsis" vert="horz" wrap="square" lIns="38100" tIns="19050" rIns="38100" bIns="19050" anchor="ctr" anchorCtr="1">
+                <a:spAutoFit/>
+              </a:bodyPr>
+              <a:lstStyle/>
+              <a:p>
+                <a:pPr>
+                  <a:defRPr sz="1197" b="0" i="0" u="none" strike="noStrike" kern="1200" baseline="0">
+                    <a:solidFill>
+                      <a:schemeClr val="tx1">
+                        <a:lumMod val="75000"/>
+                        <a:lumOff val="25000"/>
+                      </a:schemeClr>
+                    </a:solidFill>
+                    <a:latin typeface="+mn-lt"/>
+                    <a:ea typeface="+mn-ea"/>
+                    <a:cs typeface="+mn-cs"/>
+                  </a:defRPr>
+                </a:pPr>
+                <a:endParaRPr lang="en-US"/>
+              </a:p>
+            </c:txPr>
+            <c:showLegendKey val="0"/>
+            <c:showVal val="1"/>
+            <c:showCatName val="0"/>
+            <c:showSerName val="0"/>
+            <c:showPercent val="0"/>
+            <c:showBubbleSize val="0"/>
+            <c:showLeaderLines val="0"/>
+            <c:extLst>
+              <c:ext xmlns:c15="http://schemas.microsoft.com/office/drawing/2012/chart" uri="{CE6537A1-D6FC-4f65-9D91-7224C49458BB}">
+                <c15:showLeaderLines val="1"/>
+                <c15:leaderLines>
+                  <c:spPr>
+                    <a:ln w="9525">
+                      <a:solidFill>
+                        <a:schemeClr val="tx1">
+                          <a:lumMod val="35000"/>
+                          <a:lumOff val="65000"/>
+                        </a:schemeClr>
+                      </a:solidFill>
+                    </a:ln>
+                    <a:effectLst/>
+                  </c:spPr>
+                </c15:leaderLines>
+              </c:ext>
+            </c:extLst>
+          </c:dLbls>
+          <c:cat>
+            <c:strRef>
+              <c:f>Sheet1!$A$2:$A$5</c:f>
+              <c:strCache>
+                <c:ptCount val="4"/>
+                <c:pt idx="0">
+                  <c:v>Category 1</c:v>
+                </c:pt>
+                <c:pt idx="1">
+                  <c:v>Category 2</c:v>
+                </c:pt>
+                <c:pt idx="2">
+                  <c:v>Category 3</c:v>
+                </c:pt>
+                <c:pt idx="3">
+                  <c:v>Category 4</c:v>
+                </c:pt>
+              </c:strCache>
+            </c:strRef>
+          </c:cat>
+          <c:val>
+            <c:numRef>
+              <c:f>Sheet1!$B$2:$B$5</c:f>
+              <c:numCache>
+                <c:formatCode>General</c:formatCode>
+                <c:ptCount val="4"/>
+                <c:pt idx="0">
+                  <c:v>4.3</c:v>
+                </c:pt>
+                <c:pt idx="1">
+                  <c:v>2.5</c:v>
+                </c:pt>
+                <c:pt idx="2">
+                  <c:v>3.5</c:v>
+                </c:pt>
+                <c:pt idx="3">
+                  <c:v>4.5</c:v>
+                </c:pt>
+              </c:numCache>
+            </c:numRef>
+          </c:val>
+          <c:extLst>
+            <c:ext xmlns:c16="http://schemas.microsoft.com/office/drawing/2014/chart" uri="{C3380CC4-5D6E-409C-BE32-E72D297353CC}">
+              <c16:uniqueId val="{00000000-B590-4C21-9ED8-A186C0B94A63}"/>
+            </c:ext>
+          </c:extLst>
+        </c:ser>
+        <c:ser>
+          <c:idx val="1"/>
+          <c:order val="1"/>
+          <c:tx>
+            <c:strRef>
+              <c:f>Sheet1!$C$1</c:f>
+              <c:strCache>
+                <c:ptCount val="1"/>
+                <c:pt idx="0">
+                  <c:v>Series 2</c:v>
+                </c:pt>
+              </c:strCache>
+            </c:strRef>
+          </c:tx>
+          <c:spPr>
+            <a:gradFill flip="none" rotWithShape="1">
+              <a:gsLst>
+                <a:gs pos="100000">
+                  <a:schemeClr val="accent2">
+                    <a:alpha val="0"/>
+                  </a:schemeClr>
+                </a:gs>
+                <a:gs pos="50000">
+                  <a:schemeClr val="accent2"/>
+                </a:gs>
+              </a:gsLst>
+              <a:lin ang="10800000" scaled="1"/>
+            </a:gradFill>
+            <a:ln>
+              <a:noFill/>
+            </a:ln>
+            <a:effectLst/>
+            <a:sp3d/>
+          </c:spPr>
+          <c:invertIfNegative val="0"/>
+          <c:dLbls>
+            <c:spPr>
+              <a:noFill/>
+              <a:ln>
+                <a:noFill/>
+              </a:ln>
+              <a:effectLst/>
+            </c:spPr>
+            <c:txPr>
+              <a:bodyPr rot="0" spcFirstLastPara="1" vertOverflow="ellipsis" vert="horz" wrap="square" lIns="38100" tIns="19050" rIns="38100" bIns="19050" anchor="ctr" anchorCtr="1">
+                <a:spAutoFit/>
+              </a:bodyPr>
+              <a:lstStyle/>
+              <a:p>
+                <a:pPr>
+                  <a:defRPr sz="1197" b="0" i="0" u="none" strike="noStrike" kern="1200" baseline="0">
+                    <a:solidFill>
+                      <a:schemeClr val="tx1">
+                        <a:lumMod val="75000"/>
+                        <a:lumOff val="25000"/>
+                      </a:schemeClr>
+                    </a:solidFill>
+                    <a:latin typeface="+mn-lt"/>
+                    <a:ea typeface="+mn-ea"/>
+                    <a:cs typeface="+mn-cs"/>
+                  </a:defRPr>
+                </a:pPr>
+                <a:endParaRPr lang="en-US"/>
+              </a:p>
+            </c:txPr>
+            <c:showLegendKey val="0"/>
+            <c:showVal val="1"/>
+            <c:showCatName val="0"/>
+            <c:showSerName val="0"/>
+            <c:showPercent val="0"/>
+            <c:showBubbleSize val="0"/>
+            <c:showLeaderLines val="0"/>
+            <c:extLst>
+              <c:ext xmlns:c15="http://schemas.microsoft.com/office/drawing/2012/chart" uri="{CE6537A1-D6FC-4f65-9D91-7224C49458BB}">
+                <c15:showLeaderLines val="1"/>
+                <c15:leaderLines>
+                  <c:spPr>
+                    <a:ln w="9525">
+                      <a:solidFill>
+                        <a:schemeClr val="tx1">
+                          <a:lumMod val="35000"/>
+                          <a:lumOff val="65000"/>
+                        </a:schemeClr>
+                      </a:solidFill>
+                    </a:ln>
+                    <a:effectLst/>
+                  </c:spPr>
+                </c15:leaderLines>
+              </c:ext>
+            </c:extLst>
+          </c:dLbls>
+          <c:cat>
+            <c:strRef>
+              <c:f>Sheet1!$A$2:$A$5</c:f>
+              <c:strCache>
+                <c:ptCount val="4"/>
+                <c:pt idx="0">
+                  <c:v>Category 1</c:v>
+                </c:pt>
+                <c:pt idx="1">
+                  <c:v>Category 2</c:v>
+                </c:pt>
+                <c:pt idx="2">
+                  <c:v>Category 3</c:v>
+                </c:pt>
+                <c:pt idx="3">
+                  <c:v>Category 4</c:v>
+                </c:pt>
+              </c:strCache>
+            </c:strRef>
+          </c:cat>
+          <c:val>
+            <c:numRef>
+              <c:f>Sheet1!$C$2:$C$5</c:f>
+              <c:numCache>
+                <c:formatCode>General</c:formatCode>
+                <c:ptCount val="4"/>
+                <c:pt idx="0">
+                  <c:v>2.4</c:v>
+                </c:pt>
+                <c:pt idx="1">
+                  <c:v>4.4000000000000004</c:v>
+                </c:pt>
+                <c:pt idx="2">
+                  <c:v>1.8</c:v>
+                </c:pt>
+                <c:pt idx="3">
+                  <c:v>2.8</c:v>
+                </c:pt>
+              </c:numCache>
+            </c:numRef>
+          </c:val>
+          <c:extLst>
+            <c:ext xmlns:c16="http://schemas.microsoft.com/office/drawing/2014/chart" uri="{C3380CC4-5D6E-409C-BE32-E72D297353CC}">
+              <c16:uniqueId val="{00000001-B590-4C21-9ED8-A186C0B94A63}"/>
+            </c:ext>
+          </c:extLst>
+        </c:ser>
+        <c:ser>
+          <c:idx val="2"/>
+          <c:order val="2"/>
+          <c:tx>
+            <c:strRef>
+              <c:f>Sheet1!$D$1</c:f>
+              <c:strCache>
+                <c:ptCount val="1"/>
+                <c:pt idx="0">
+                  <c:v>Series 3</c:v>
+                </c:pt>
+              </c:strCache>
+            </c:strRef>
+          </c:tx>
+          <c:spPr>
+            <a:gradFill flip="none" rotWithShape="1">
+              <a:gsLst>
+                <a:gs pos="100000">
+                  <a:schemeClr val="accent3">
+                    <a:alpha val="0"/>
+                  </a:schemeClr>
+                </a:gs>
+                <a:gs pos="50000">
+                  <a:schemeClr val="accent3"/>
+                </a:gs>
+              </a:gsLst>
+              <a:lin ang="10800000" scaled="1"/>
+            </a:gradFill>
+            <a:ln>
+              <a:noFill/>
+            </a:ln>
+            <a:effectLst/>
+            <a:sp3d/>
+          </c:spPr>
+          <c:invertIfNegative val="0"/>
+          <c:dLbls>
+            <c:spPr>
+              <a:noFill/>
+              <a:ln>
+                <a:noFill/>
+              </a:ln>
+              <a:effectLst/>
+            </c:spPr>
+            <c:txPr>
+              <a:bodyPr rot="0" spcFirstLastPara="1" vertOverflow="ellipsis" vert="horz" wrap="square" lIns="38100" tIns="19050" rIns="38100" bIns="19050" anchor="ctr" anchorCtr="1">
+                <a:spAutoFit/>
+              </a:bodyPr>
+              <a:lstStyle/>
+              <a:p>
+                <a:pPr>
+                  <a:defRPr sz="1197" b="0" i="0" u="none" strike="noStrike" kern="1200" baseline="0">
+                    <a:solidFill>
+                      <a:schemeClr val="tx1">
+                        <a:lumMod val="75000"/>
+                        <a:lumOff val="25000"/>
+                      </a:schemeClr>
+                    </a:solidFill>
+                    <a:latin typeface="+mn-lt"/>
+                    <a:ea typeface="+mn-ea"/>
+                    <a:cs typeface="+mn-cs"/>
+                  </a:defRPr>
+                </a:pPr>
+                <a:endParaRPr lang="en-US"/>
+              </a:p>
+            </c:txPr>
+            <c:showLegendKey val="0"/>
+            <c:showVal val="1"/>
+            <c:showCatName val="0"/>
+            <c:showSerName val="0"/>
+            <c:showPercent val="0"/>
+            <c:showBubbleSize val="0"/>
+            <c:showLeaderLines val="0"/>
+            <c:extLst>
+              <c:ext xmlns:c15="http://schemas.microsoft.com/office/drawing/2012/chart" uri="{CE6537A1-D6FC-4f65-9D91-7224C49458BB}">
+                <c15:showLeaderLines val="1"/>
+                <c15:leaderLines>
+                  <c:spPr>
+                    <a:ln w="9525">
+                      <a:solidFill>
+                        <a:schemeClr val="tx1">
+                          <a:lumMod val="35000"/>
+                          <a:lumOff val="65000"/>
+                        </a:schemeClr>
+                      </a:solidFill>
+                    </a:ln>
+                    <a:effectLst/>
+                  </c:spPr>
+                </c15:leaderLines>
+              </c:ext>
+            </c:extLst>
+          </c:dLbls>
+          <c:cat>
+            <c:strRef>
+              <c:f>Sheet1!$A$2:$A$5</c:f>
+              <c:strCache>
+                <c:ptCount val="4"/>
+                <c:pt idx="0">
+                  <c:v>Category 1</c:v>
+                </c:pt>
+                <c:pt idx="1">
+                  <c:v>Category 2</c:v>
+                </c:pt>
+                <c:pt idx="2">
+                  <c:v>Category 3</c:v>
+                </c:pt>
+                <c:pt idx="3">
+                  <c:v>Category 4</c:v>
+                </c:pt>
+              </c:strCache>
+            </c:strRef>
+          </c:cat>
+          <c:val>
+            <c:numRef>
+              <c:f>Sheet1!$D$2:$D$5</c:f>
+              <c:numCache>
+                <c:formatCode>General</c:formatCode>
+                <c:ptCount val="4"/>
+                <c:pt idx="0">
+                  <c:v>2</c:v>
+                </c:pt>
+                <c:pt idx="1">
+                  <c:v>2</c:v>
+                </c:pt>
+                <c:pt idx="2">
+                  <c:v>3</c:v>
+                </c:pt>
+                <c:pt idx="3">
+                  <c:v>5</c:v>
+                </c:pt>
+              </c:numCache>
+            </c:numRef>
+          </c:val>
+          <c:extLst>
+            <c:ext xmlns:c16="http://schemas.microsoft.com/office/drawing/2014/chart" uri="{C3380CC4-5D6E-409C-BE32-E72D297353CC}">
+              <c16:uniqueId val="{00000002-B590-4C21-9ED8-A186C0B94A63}"/>
+            </c:ext>
+          </c:extLst>
+        </c:ser>
+        <c:dLbls>
+          <c:showLegendKey val="0"/>
+          <c:showVal val="1"/>
+          <c:showCatName val="0"/>
+          <c:showSerName val="0"/>
+          <c:showPercent val="0"/>
+          <c:showBubbleSize val="0"/>
+        </c:dLbls>
+        <c:gapWidth val="150"/>
+        <c:gapDepth val="0"/>
+        <c:shape val="box"/>
+        <c:axId val="322693352"/>
+        <c:axId val="322691056"/>
+        <c:axId val="0"/>
+      </c:bar3DChart>
+      <c:catAx>
+        <c:axId val="322693352"/>
+        <c:scaling>
+          <c:orientation val="minMax"/>
+        </c:scaling>
+        <c:delete val="0"/>
+        <c:axPos val="l"/>
+        <c:title>
+          <c:overlay val="0"/>
+          <c:spPr>
+            <a:noFill/>
+            <a:ln>
+              <a:noFill/>
+            </a:ln>
+            <a:effectLst/>
+          </c:spPr>
+          <c:txPr>
+            <a:bodyPr rot="-5400000" spcFirstLastPara="1" vertOverflow="ellipsis" vert="horz" wrap="square" anchor="ctr" anchorCtr="1"/>
+            <a:lstStyle/>
+            <a:p>
+              <a:pPr>
+                <a:defRPr sz="1197" b="0" i="0" u="none" strike="noStrike" kern="1200" cap="all" baseline="0">
+                  <a:solidFill>
+                    <a:schemeClr val="tx1">
+                      <a:lumMod val="65000"/>
+                      <a:lumOff val="35000"/>
+                    </a:schemeClr>
+                  </a:solidFill>
+                  <a:latin typeface="+mn-lt"/>
+                  <a:ea typeface="+mn-ea"/>
+                  <a:cs typeface="+mn-cs"/>
+                </a:defRPr>
+              </a:pPr>
+              <a:endParaRPr lang="en-US"/>
+            </a:p>
+          </c:txPr>
+        </c:title>
+        <c:numFmt formatCode="General" sourceLinked="1"/>
+        <c:majorTickMark val="none"/>
+        <c:minorTickMark val="none"/>
+        <c:tickLblPos val="nextTo"/>
+        <c:spPr>
+          <a:noFill/>
+          <a:ln>
+            <a:noFill/>
+          </a:ln>
+          <a:effectLst/>
+        </c:spPr>
+        <c:txPr>
+          <a:bodyPr rot="-60000000" spcFirstLastPara="1" vertOverflow="ellipsis" vert="horz" wrap="square" anchor="ctr" anchorCtr="1"/>
+          <a:lstStyle/>
+          <a:p>
+            <a:pPr>
+              <a:defRPr sz="1197" b="0" i="0" u="none" strike="noStrike" kern="1200" baseline="0">
+                <a:solidFill>
+                  <a:schemeClr val="tx1">
+                    <a:lumMod val="65000"/>
+                    <a:lumOff val="35000"/>
+                  </a:schemeClr>
+                </a:solidFill>
+                <a:latin typeface="+mn-lt"/>
+                <a:ea typeface="+mn-ea"/>
+                <a:cs typeface="+mn-cs"/>
+              </a:defRPr>
+            </a:pPr>
+            <a:endParaRPr lang="en-US"/>
+          </a:p>
+        </c:txPr>
+        <c:crossAx val="322691056"/>
+        <c:crosses val="autoZero"/>
+        <c:auto val="1"/>
+        <c:lblAlgn val="ctr"/>
+        <c:lblOffset val="100"/>
+        <c:noMultiLvlLbl val="0"/>
+      </c:catAx>
+      <c:valAx>
+        <c:axId val="322691056"/>
+        <c:scaling>
+          <c:orientation val="minMax"/>
+        </c:scaling>
+        <c:delete val="0"/>
+        <c:axPos val="b"/>
+        <c:majorGridlines>
+          <c:spPr>
+            <a:ln w="9525" cap="flat" cmpd="sng" algn="ctr">
+              <a:solidFill>
+                <a:schemeClr val="tx1">
+                  <a:lumMod val="5000"/>
+                  <a:lumOff val="95000"/>
+                </a:schemeClr>
+              </a:solidFill>
+              <a:round/>
+            </a:ln>
+            <a:effectLst/>
+          </c:spPr>
+        </c:majorGridlines>
+        <c:title>
+          <c:overlay val="0"/>
+          <c:spPr>
+            <a:noFill/>
+            <a:ln>
+              <a:noFill/>
+            </a:ln>
+            <a:effectLst/>
+          </c:spPr>
+          <c:txPr>
+            <a:bodyPr rot="0" spcFirstLastPara="1" vertOverflow="ellipsis" vert="horz" wrap="square" anchor="ctr" anchorCtr="1"/>
+            <a:lstStyle/>
+            <a:p>
+              <a:pPr>
+                <a:defRPr sz="1197" b="0" i="0" u="none" strike="noStrike" kern="1200" cap="all" baseline="0">
+                  <a:solidFill>
+                    <a:schemeClr val="tx1">
+                      <a:lumMod val="65000"/>
+                      <a:lumOff val="35000"/>
+                    </a:schemeClr>
+                  </a:solidFill>
+                  <a:latin typeface="+mn-lt"/>
+                  <a:ea typeface="+mn-ea"/>
+                  <a:cs typeface="+mn-cs"/>
+                </a:defRPr>
+              </a:pPr>
+              <a:endParaRPr lang="en-US"/>
+            </a:p>
+          </c:txPr>
+        </c:title>
+        <c:numFmt formatCode="General" sourceLinked="1"/>
+        <c:majorTickMark val="none"/>
+        <c:minorTickMark val="none"/>
+        <c:tickLblPos val="nextTo"/>
+        <c:spPr>
+          <a:noFill/>
+          <a:ln>
+            <a:noFill/>
+          </a:ln>
+          <a:effectLst/>
+        </c:spPr>
+        <c:txPr>
+          <a:bodyPr rot="-60000000" spcFirstLastPara="1" vertOverflow="ellipsis" vert="horz" wrap="square" anchor="ctr" anchorCtr="1"/>
+          <a:lstStyle/>
+          <a:p>
+            <a:pPr>
+              <a:defRPr sz="1197" b="0" i="0" u="none" strike="noStrike" kern="1200" baseline="0">
+                <a:solidFill>
+                  <a:schemeClr val="tx1">
+                    <a:lumMod val="65000"/>
+                    <a:lumOff val="35000"/>
+                  </a:schemeClr>
+                </a:solidFill>
+                <a:latin typeface="+mn-lt"/>
+                <a:ea typeface="+mn-ea"/>
+                <a:cs typeface="+mn-cs"/>
+              </a:defRPr>
+            </a:pPr>
+            <a:endParaRPr lang="en-US"/>
+          </a:p>
+        </c:txPr>
+        <c:crossAx val="322693352"/>
+        <c:crosses val="autoZero"/>
+        <c:crossBetween val="between"/>
+      </c:valAx>
+      <c:dTable>
+        <c:showHorzBorder val="1"/>
+        <c:showVertBorder val="1"/>
+        <c:showOutline val="1"/>
+        <c:showKeys val="1"/>
+        <c:spPr>
+          <a:noFill/>
+          <a:ln w="9525">
+            <a:solidFill>
+              <a:schemeClr val="tx1">
+                <a:lumMod val="15000"/>
+                <a:lumOff val="85000"/>
+              </a:schemeClr>
+            </a:solidFill>
+          </a:ln>
+          <a:effectLst/>
+        </c:spPr>
+        <c:txPr>
+          <a:bodyPr rot="0" spcFirstLastPara="1" vertOverflow="ellipsis" vert="horz" wrap="square" anchor="ctr" anchorCtr="1"/>
+          <a:lstStyle/>
+          <a:p>
+            <a:pPr rtl="0">
+              <a:defRPr sz="1197" b="0" i="0" u="none" strike="noStrike" kern="1200" baseline="0">
+                <a:solidFill>
+                  <a:schemeClr val="tx1">
+                    <a:lumMod val="65000"/>
+                    <a:lumOff val="35000"/>
+                  </a:schemeClr>
+                </a:solidFill>
+                <a:latin typeface="+mn-lt"/>
+                <a:ea typeface="+mn-ea"/>
+                <a:cs typeface="+mn-cs"/>
+              </a:defRPr>
+            </a:pPr>
+            <a:endParaRPr lang="en-US"/>
+          </a:p>
+        </c:txPr>
+      </c:dTable>
+      <c:spPr>
+        <a:noFill/>
+        <a:ln>
+          <a:noFill/>
+        </a:ln>
+        <a:effectLst/>
+      </c:spPr>
+    </c:plotArea>
+    <c:legend>
+      <c:legendPos val="b"/>
+      <c:overlay val="0"/>
+      <c:spPr>
+        <a:noFill/>
+        <a:ln>
+          <a:noFill/>
+        </a:ln>
+        <a:effectLst/>
+      </c:spPr>
+      <c:txPr>
+        <a:bodyPr rot="0" spcFirstLastPara="1" vertOverflow="ellipsis" vert="horz" wrap="square" anchor="ctr" anchorCtr="1"/>
+        <a:lstStyle/>
+        <a:p>
+          <a:pPr>
+            <a:defRPr sz="1197" b="0" i="0" u="none" strike="noStrike" kern="1200" baseline="0">
+              <a:solidFill>
+                <a:schemeClr val="tx1">
+                  <a:lumMod val="65000"/>
+                  <a:lumOff val="35000"/>
+                </a:schemeClr>
+              </a:solidFill>
+              <a:latin typeface="+mn-lt"/>
+              <a:ea typeface="+mn-ea"/>
+              <a:cs typeface="+mn-cs"/>
+            </a:defRPr>
+          </a:pPr>
+          <a:endParaRPr lang="en-US"/>
+        </a:p>
+      </c:txPr>
+    </c:legend>
+    <c:plotVisOnly val="1"/>
+    <c:dispBlanksAs val="gap"/>
+    <c:showDLblsOverMax val="0"/>
+  </c:chart>
+  <c:spPr>
+    <a:solidFill>
+      <a:schemeClr val="bg1"/>
+    </a:solidFill>
+    <a:ln>
+      <a:noFill/>
+    </a:ln>
+    <a:effectLst/>
+  </c:spPr>
+  <c:txPr>
+    <a:bodyPr/>
+    <a:lstStyle/>
+    <a:p>
+      <a:pPr>
+        <a:defRPr/>
+      </a:pPr>
+      <a:endParaRPr lang="en-US"/>
+    </a:p>
+  </c:txPr>
+  <c:externalData r:id="rId3">
+    <c:autoUpdate val="0"/>
+  </c:externalData>
+</c:chartSpace>
+</file>
+
+<file path=ppt/charts/chart2.xml><?xml version="1.0" encoding="utf-8"?>
+<c:chartSpace xmlns:c="http://schemas.openxmlformats.org/drawingml/2006/chart" xmlns:a="http://schemas.openxmlformats.org/drawingml/2006/main" xmlns:r="http://schemas.openxmlformats.org/officeDocument/2006/relationships" xmlns:c16r2="http://schemas.microsoft.com/office/drawing/2015/06/chart">
+  <c:date1904 val="0"/>
+  <c:lang val="en-US"/>
+  <c:roundedCorners val="0"/>
+  <mc:AlternateContent xmlns:mc="http://schemas.openxmlformats.org/markup-compatibility/2006">
+    <mc:Choice xmlns:c14="http://schemas.microsoft.com/office/drawing/2007/8/2/chart" Requires="c14">
+      <c14:style val="102"/>
+    </mc:Choice>
+    <mc:Fallback>
+      <c:style val="2"/>
+    </mc:Fallback>
+  </mc:AlternateContent>
+  <c:chart>
+    <c:title>
+      <c:overlay val="0"/>
+      <c:spPr>
+        <a:noFill/>
+        <a:ln>
+          <a:noFill/>
+        </a:ln>
+        <a:effectLst/>
+      </c:spPr>
+      <c:txPr>
+        <a:bodyPr rot="0" spcFirstLastPara="1" vertOverflow="ellipsis" vert="horz" wrap="square" anchor="ctr" anchorCtr="1"/>
+        <a:lstStyle/>
+        <a:p>
+          <a:pPr>
+            <a:defRPr sz="1862" b="0" i="0" u="none" strike="noStrike" kern="1200" spc="0" baseline="0">
+              <a:solidFill>
+                <a:schemeClr val="tx1">
+                  <a:lumMod val="65000"/>
+                  <a:lumOff val="35000"/>
+                </a:schemeClr>
+              </a:solidFill>
+              <a:latin typeface="+mn-lt"/>
+              <a:ea typeface="+mn-ea"/>
+              <a:cs typeface="+mn-cs"/>
+            </a:defRPr>
+          </a:pPr>
+          <a:endParaRPr lang="en-US"/>
+        </a:p>
+      </c:txPr>
+    </c:title>
+    <c:autoTitleDeleted val="0"/>
+    <c:plotArea>
+      <c:layout/>
+      <c:lineChart>
+        <c:grouping val="standard"/>
+        <c:varyColors val="0"/>
+        <c:ser>
+          <c:idx val="0"/>
+          <c:order val="0"/>
+          <c:tx>
+            <c:strRef>
+              <c:f>Sheet1!$B$1</c:f>
+              <c:strCache>
+                <c:ptCount val="1"/>
+                <c:pt idx="0">
+                  <c:v>Series 1</c:v>
+                </c:pt>
+              </c:strCache>
+            </c:strRef>
+          </c:tx>
+          <c:spPr>
+            <a:ln w="28575" cap="rnd">
+              <a:solidFill>
+                <a:schemeClr val="accent1"/>
+              </a:solidFill>
+              <a:round/>
+            </a:ln>
+            <a:effectLst/>
+          </c:spPr>
+          <c:marker>
+            <c:symbol val="none"/>
+          </c:marker>
+          <c:cat>
+            <c:strRef>
+              <c:f>Sheet1!$A$2:$A$5</c:f>
+              <c:strCache>
+                <c:ptCount val="4"/>
+                <c:pt idx="0">
+                  <c:v>Category 1</c:v>
+                </c:pt>
+                <c:pt idx="1">
+                  <c:v>Category 2</c:v>
+                </c:pt>
+                <c:pt idx="2">
+                  <c:v>Category 3</c:v>
+                </c:pt>
+                <c:pt idx="3">
+                  <c:v>Category 4</c:v>
+                </c:pt>
+              </c:strCache>
+            </c:strRef>
+          </c:cat>
+          <c:val>
+            <c:numRef>
+              <c:f>Sheet1!$B$2:$B$5</c:f>
+              <c:numCache>
+                <c:formatCode>General</c:formatCode>
+                <c:ptCount val="4"/>
+                <c:pt idx="0">
+                  <c:v>4.3</c:v>
+                </c:pt>
+                <c:pt idx="1">
+                  <c:v>2.5</c:v>
+                </c:pt>
+                <c:pt idx="2">
+                  <c:v>3.5</c:v>
+                </c:pt>
+                <c:pt idx="3">
+                  <c:v>4.5</c:v>
+                </c:pt>
+              </c:numCache>
+            </c:numRef>
+          </c:val>
+          <c:smooth val="0"/>
+          <c:extLst>
+            <c:ext xmlns:c16="http://schemas.microsoft.com/office/drawing/2014/chart" uri="{C3380CC4-5D6E-409C-BE32-E72D297353CC}">
+              <c16:uniqueId val="{00000000-09C8-48C6-BDA5-DD5887521A57}"/>
+            </c:ext>
+          </c:extLst>
+        </c:ser>
+        <c:ser>
+          <c:idx val="1"/>
+          <c:order val="1"/>
+          <c:tx>
+            <c:strRef>
+              <c:f>Sheet1!$C$1</c:f>
+              <c:strCache>
+                <c:ptCount val="1"/>
+                <c:pt idx="0">
+                  <c:v>Series 2</c:v>
+                </c:pt>
+              </c:strCache>
+            </c:strRef>
+          </c:tx>
+          <c:spPr>
+            <a:ln w="28575" cap="rnd">
+              <a:solidFill>
+                <a:schemeClr val="accent2"/>
+              </a:solidFill>
+              <a:round/>
+            </a:ln>
+            <a:effectLst/>
+          </c:spPr>
+          <c:marker>
+            <c:symbol val="none"/>
+          </c:marker>
+          <c:cat>
+            <c:strRef>
+              <c:f>Sheet1!$A$2:$A$5</c:f>
+              <c:strCache>
+                <c:ptCount val="4"/>
+                <c:pt idx="0">
+                  <c:v>Category 1</c:v>
+                </c:pt>
+                <c:pt idx="1">
+                  <c:v>Category 2</c:v>
+                </c:pt>
+                <c:pt idx="2">
+                  <c:v>Category 3</c:v>
+                </c:pt>
+                <c:pt idx="3">
+                  <c:v>Category 4</c:v>
+                </c:pt>
+              </c:strCache>
+            </c:strRef>
+          </c:cat>
+          <c:val>
+            <c:numRef>
+              <c:f>Sheet1!$C$2:$C$5</c:f>
+              <c:numCache>
+                <c:formatCode>General</c:formatCode>
+                <c:ptCount val="4"/>
+                <c:pt idx="0">
+                  <c:v>2.4</c:v>
+                </c:pt>
+                <c:pt idx="1">
+                  <c:v>4.4000000000000004</c:v>
+                </c:pt>
+                <c:pt idx="2">
+                  <c:v>1.8</c:v>
+                </c:pt>
+                <c:pt idx="3">
+                  <c:v>2.8</c:v>
+                </c:pt>
+              </c:numCache>
+            </c:numRef>
+          </c:val>
+          <c:smooth val="0"/>
+          <c:extLst>
+            <c:ext xmlns:c16="http://schemas.microsoft.com/office/drawing/2014/chart" uri="{C3380CC4-5D6E-409C-BE32-E72D297353CC}">
+              <c16:uniqueId val="{00000001-09C8-48C6-BDA5-DD5887521A57}"/>
+            </c:ext>
+          </c:extLst>
+        </c:ser>
+        <c:ser>
+          <c:idx val="2"/>
+          <c:order val="2"/>
+          <c:tx>
+            <c:strRef>
+              <c:f>Sheet1!$D$1</c:f>
+              <c:strCache>
+                <c:ptCount val="1"/>
+                <c:pt idx="0">
+                  <c:v>Series 3</c:v>
+                </c:pt>
+              </c:strCache>
+            </c:strRef>
+          </c:tx>
+          <c:spPr>
+            <a:ln w="28575" cap="rnd">
+              <a:solidFill>
+                <a:schemeClr val="accent3"/>
+              </a:solidFill>
+              <a:round/>
+            </a:ln>
+            <a:effectLst/>
+          </c:spPr>
+          <c:marker>
+            <c:symbol val="none"/>
+          </c:marker>
+          <c:cat>
+            <c:strRef>
+              <c:f>Sheet1!$A$2:$A$5</c:f>
+              <c:strCache>
+                <c:ptCount val="4"/>
+                <c:pt idx="0">
+                  <c:v>Category 1</c:v>
+                </c:pt>
+                <c:pt idx="1">
+                  <c:v>Category 2</c:v>
+                </c:pt>
+                <c:pt idx="2">
+                  <c:v>Category 3</c:v>
+                </c:pt>
+                <c:pt idx="3">
+                  <c:v>Category 4</c:v>
+                </c:pt>
+              </c:strCache>
+            </c:strRef>
+          </c:cat>
+          <c:val>
+            <c:numRef>
+              <c:f>Sheet1!$D$2:$D$5</c:f>
+              <c:numCache>
+                <c:formatCode>General</c:formatCode>
+                <c:ptCount val="4"/>
+                <c:pt idx="0">
+                  <c:v>2</c:v>
+                </c:pt>
+                <c:pt idx="1">
+                  <c:v>2</c:v>
+                </c:pt>
+                <c:pt idx="2">
+                  <c:v>3</c:v>
+                </c:pt>
+                <c:pt idx="3">
+                  <c:v>5</c:v>
+                </c:pt>
+              </c:numCache>
+            </c:numRef>
+          </c:val>
+          <c:smooth val="0"/>
+          <c:extLst>
+            <c:ext xmlns:c16="http://schemas.microsoft.com/office/drawing/2014/chart" uri="{C3380CC4-5D6E-409C-BE32-E72D297353CC}">
+              <c16:uniqueId val="{00000002-09C8-48C6-BDA5-DD5887521A57}"/>
+            </c:ext>
+          </c:extLst>
+        </c:ser>
+        <c:dLbls>
+          <c:showLegendKey val="0"/>
+          <c:showVal val="0"/>
+          <c:showCatName val="0"/>
+          <c:showSerName val="0"/>
+          <c:showPercent val="0"/>
+          <c:showBubbleSize val="0"/>
+        </c:dLbls>
+        <c:smooth val="0"/>
+        <c:axId val="600044000"/>
+        <c:axId val="600045312"/>
+      </c:lineChart>
+      <c:catAx>
+        <c:axId val="600044000"/>
+        <c:scaling>
+          <c:orientation val="minMax"/>
+        </c:scaling>
+        <c:delete val="1"/>
+        <c:axPos val="b"/>
+        <c:numFmt formatCode="General" sourceLinked="1"/>
+        <c:majorTickMark val="none"/>
+        <c:minorTickMark val="none"/>
+        <c:tickLblPos val="nextTo"/>
+        <c:crossAx val="600045312"/>
+        <c:crosses val="autoZero"/>
+        <c:auto val="1"/>
+        <c:lblAlgn val="ctr"/>
+        <c:lblOffset val="100"/>
+        <c:noMultiLvlLbl val="0"/>
+      </c:catAx>
+      <c:valAx>
+        <c:axId val="600045312"/>
+        <c:scaling>
+          <c:orientation val="minMax"/>
+        </c:scaling>
+        <c:delete val="1"/>
+        <c:axPos val="l"/>
+        <c:majorGridlines>
+          <c:spPr>
+            <a:ln w="9525" cap="flat" cmpd="sng" algn="ctr">
+              <a:solidFill>
+                <a:schemeClr val="tx1">
+                  <a:lumMod val="15000"/>
+                  <a:lumOff val="85000"/>
+                </a:schemeClr>
+              </a:solidFill>
+              <a:round/>
+            </a:ln>
+            <a:effectLst/>
+          </c:spPr>
+        </c:majorGridlines>
+        <c:numFmt formatCode="General" sourceLinked="1"/>
+        <c:majorTickMark val="none"/>
+        <c:minorTickMark val="none"/>
+        <c:tickLblPos val="nextTo"/>
+        <c:crossAx val="600044000"/>
+        <c:crosses val="autoZero"/>
+        <c:crossBetween val="between"/>
+      </c:valAx>
+      <c:spPr>
+        <a:noFill/>
+        <a:ln>
+          <a:noFill/>
+        </a:ln>
+        <a:effectLst/>
+      </c:spPr>
+    </c:plotArea>
+    <c:plotVisOnly val="1"/>
+    <c:dispBlanksAs val="gap"/>
+    <c:showDLblsOverMax val="0"/>
+  </c:chart>
+  <c:spPr>
+    <a:solidFill>
+      <a:schemeClr val="bg1"/>
+    </a:solidFill>
+    <a:ln>
+      <a:noFill/>
+    </a:ln>
+    <a:effectLst/>
+  </c:spPr>
+  <c:txPr>
+    <a:bodyPr/>
+    <a:lstStyle/>
+    <a:p>
+      <a:pPr>
+        <a:defRPr/>
+      </a:pPr>
+      <a:endParaRPr lang="en-US"/>
+    </a:p>
+  </c:txPr>
+  <c:externalData r:id="rId3">
+    <c:autoUpdate val="0"/>
+  </c:externalData>
+</c:chartSpace>
+</file>
+
+<file path=ppt/charts/chart3.xml><?xml version="1.0" encoding="utf-8"?>
+<c:chartSpace xmlns:c="http://schemas.openxmlformats.org/drawingml/2006/chart" xmlns:a="http://schemas.openxmlformats.org/drawingml/2006/main" xmlns:r="http://schemas.openxmlformats.org/officeDocument/2006/relationships" xmlns:c16r2="http://schemas.microsoft.com/office/drawing/2015/06/chart">
+  <c:date1904 val="0"/>
+  <c:lang val="en-US"/>
+  <c:roundedCorners val="0"/>
+  <mc:AlternateContent xmlns:mc="http://schemas.openxmlformats.org/markup-compatibility/2006">
+    <mc:Choice xmlns:c14="http://schemas.microsoft.com/office/drawing/2007/8/2/chart" Requires="c14">
+      <c14:style val="102"/>
+    </mc:Choice>
+    <mc:Fallback>
+      <c:style val="2"/>
+    </mc:Fallback>
+  </mc:AlternateContent>
+  <c:chart>
+    <c:title>
+      <c:overlay val="0"/>
+      <c:spPr>
+        <a:noFill/>
+        <a:ln>
+          <a:noFill/>
+        </a:ln>
+        <a:effectLst/>
+      </c:spPr>
+      <c:txPr>
+        <a:bodyPr rot="0" spcFirstLastPara="1" vertOverflow="ellipsis" vert="horz" wrap="square" anchor="ctr" anchorCtr="1"/>
+        <a:lstStyle/>
+        <a:p>
+          <a:pPr>
+            <a:defRPr sz="1862" b="0" i="0" u="none" strike="noStrike" kern="1200" spc="0" baseline="0">
+              <a:solidFill>
+                <a:schemeClr val="tx1">
+                  <a:lumMod val="65000"/>
+                  <a:lumOff val="35000"/>
+                </a:schemeClr>
+              </a:solidFill>
+              <a:latin typeface="+mn-lt"/>
+              <a:ea typeface="+mn-ea"/>
+              <a:cs typeface="+mn-cs"/>
+            </a:defRPr>
+          </a:pPr>
+          <a:endParaRPr lang="en-US"/>
+        </a:p>
+      </c:txPr>
+    </c:title>
+    <c:autoTitleDeleted val="0"/>
+    <c:plotArea>
+      <c:layout/>
+      <c:barChart>
+        <c:barDir val="bar"/>
+        <c:grouping val="clustered"/>
+        <c:varyColors val="0"/>
+        <c:ser>
+          <c:idx val="0"/>
+          <c:order val="0"/>
+          <c:tx>
+            <c:strRef>
+              <c:f>Sheet1!$B$1</c:f>
+              <c:strCache>
+                <c:ptCount val="1"/>
+                <c:pt idx="0">
+                  <c:v>Series 1</c:v>
+                </c:pt>
+              </c:strCache>
+            </c:strRef>
+          </c:tx>
+          <c:spPr>
+            <a:solidFill>
+              <a:schemeClr val="accent1"/>
+            </a:solidFill>
+            <a:ln>
+              <a:noFill/>
+            </a:ln>
+            <a:effectLst/>
+          </c:spPr>
+          <c:invertIfNegative val="0"/>
+          <c:dLbls>
+            <c:spPr>
+              <a:noFill/>
+              <a:ln>
+                <a:noFill/>
+              </a:ln>
+              <a:effectLst/>
+            </c:spPr>
+            <c:txPr>
+              <a:bodyPr rot="0" spcFirstLastPara="1" vertOverflow="ellipsis" vert="horz" wrap="square" lIns="38100" tIns="19050" rIns="38100" bIns="19050" anchor="ctr" anchorCtr="1">
+                <a:spAutoFit/>
+              </a:bodyPr>
+              <a:lstStyle/>
+              <a:p>
+                <a:pPr>
+                  <a:defRPr sz="1197" b="0" i="0" u="none" strike="noStrike" kern="1200" baseline="0">
+                    <a:solidFill>
+                      <a:schemeClr val="tx1">
+                        <a:lumMod val="75000"/>
+                        <a:lumOff val="25000"/>
+                      </a:schemeClr>
+                    </a:solidFill>
+                    <a:latin typeface="+mn-lt"/>
+                    <a:ea typeface="+mn-ea"/>
+                    <a:cs typeface="+mn-cs"/>
+                  </a:defRPr>
+                </a:pPr>
+                <a:endParaRPr lang="en-US"/>
+              </a:p>
+            </c:txPr>
+            <c:dLblPos val="inEnd"/>
+            <c:showLegendKey val="0"/>
+            <c:showVal val="1"/>
+            <c:showCatName val="0"/>
+            <c:showSerName val="0"/>
+            <c:showPercent val="0"/>
+            <c:showBubbleSize val="0"/>
+            <c:showLeaderLines val="0"/>
+            <c:extLst>
+              <c:ext xmlns:c15="http://schemas.microsoft.com/office/drawing/2012/chart" uri="{CE6537A1-D6FC-4f65-9D91-7224C49458BB}">
+                <c15:showLeaderLines val="1"/>
+                <c15:leaderLines>
+                  <c:spPr>
+                    <a:ln w="9525" cap="flat" cmpd="sng" algn="ctr">
+                      <a:solidFill>
+                        <a:schemeClr val="tx1">
+                          <a:lumMod val="35000"/>
+                          <a:lumOff val="65000"/>
+                        </a:schemeClr>
+                      </a:solidFill>
+                      <a:round/>
+                    </a:ln>
+                    <a:effectLst/>
+                  </c:spPr>
+                </c15:leaderLines>
+              </c:ext>
+            </c:extLst>
+          </c:dLbls>
+          <c:cat>
+            <c:strRef>
+              <c:f>Sheet1!$A$2:$A$5</c:f>
+              <c:strCache>
+                <c:ptCount val="4"/>
+                <c:pt idx="0">
+                  <c:v>Category 1</c:v>
+                </c:pt>
+                <c:pt idx="1">
+                  <c:v>Category 2</c:v>
+                </c:pt>
+                <c:pt idx="2">
+                  <c:v>Category 3</c:v>
+                </c:pt>
+                <c:pt idx="3">
+                  <c:v>Category 4</c:v>
+                </c:pt>
+              </c:strCache>
+            </c:strRef>
+          </c:cat>
+          <c:val>
+            <c:numRef>
+              <c:f>Sheet1!$B$2:$B$5</c:f>
+              <c:numCache>
+                <c:formatCode>General</c:formatCode>
+                <c:ptCount val="4"/>
+                <c:pt idx="0">
+                  <c:v>4.3</c:v>
+                </c:pt>
+                <c:pt idx="1">
+                  <c:v>2.5</c:v>
+                </c:pt>
+                <c:pt idx="2">
+                  <c:v>3.5</c:v>
+                </c:pt>
+                <c:pt idx="3">
+                  <c:v>4.5</c:v>
+                </c:pt>
+              </c:numCache>
+            </c:numRef>
+          </c:val>
+          <c:extLst>
+            <c:ext xmlns:c16="http://schemas.microsoft.com/office/drawing/2014/chart" uri="{C3380CC4-5D6E-409C-BE32-E72D297353CC}">
+              <c16:uniqueId val="{00000000-0268-4B4C-A748-53AF25B1E30F}"/>
+            </c:ext>
+          </c:extLst>
+        </c:ser>
+        <c:ser>
+          <c:idx val="1"/>
+          <c:order val="1"/>
+          <c:tx>
+            <c:strRef>
+              <c:f>Sheet1!$C$1</c:f>
+              <c:strCache>
+                <c:ptCount val="1"/>
+                <c:pt idx="0">
+                  <c:v>Series 2</c:v>
+                </c:pt>
+              </c:strCache>
+            </c:strRef>
+          </c:tx>
+          <c:spPr>
+            <a:solidFill>
+              <a:schemeClr val="accent2"/>
+            </a:solidFill>
+            <a:ln>
+              <a:noFill/>
+            </a:ln>
+            <a:effectLst/>
+          </c:spPr>
+          <c:invertIfNegative val="0"/>
+          <c:dLbls>
+            <c:spPr>
+              <a:noFill/>
+              <a:ln>
+                <a:noFill/>
+              </a:ln>
+              <a:effectLst/>
+            </c:spPr>
+            <c:txPr>
+              <a:bodyPr rot="0" spcFirstLastPara="1" vertOverflow="ellipsis" vert="horz" wrap="square" lIns="38100" tIns="19050" rIns="38100" bIns="19050" anchor="ctr" anchorCtr="1">
+                <a:spAutoFit/>
+              </a:bodyPr>
+              <a:lstStyle/>
+              <a:p>
+                <a:pPr>
+                  <a:defRPr sz="1197" b="0" i="0" u="none" strike="noStrike" kern="1200" baseline="0">
+                    <a:solidFill>
+                      <a:schemeClr val="tx1">
+                        <a:lumMod val="75000"/>
+                        <a:lumOff val="25000"/>
+                      </a:schemeClr>
+                    </a:solidFill>
+                    <a:latin typeface="+mn-lt"/>
+                    <a:ea typeface="+mn-ea"/>
+                    <a:cs typeface="+mn-cs"/>
+                  </a:defRPr>
+                </a:pPr>
+                <a:endParaRPr lang="en-US"/>
+              </a:p>
+            </c:txPr>
+            <c:dLblPos val="inEnd"/>
+            <c:showLegendKey val="0"/>
+            <c:showVal val="1"/>
+            <c:showCatName val="0"/>
+            <c:showSerName val="0"/>
+            <c:showPercent val="0"/>
+            <c:showBubbleSize val="0"/>
+            <c:showLeaderLines val="0"/>
+            <c:extLst>
+              <c:ext xmlns:c15="http://schemas.microsoft.com/office/drawing/2012/chart" uri="{CE6537A1-D6FC-4f65-9D91-7224C49458BB}">
+                <c15:showLeaderLines val="1"/>
+                <c15:leaderLines>
+                  <c:spPr>
+                    <a:ln w="9525" cap="flat" cmpd="sng" algn="ctr">
+                      <a:solidFill>
+                        <a:schemeClr val="tx1">
+                          <a:lumMod val="35000"/>
+                          <a:lumOff val="65000"/>
+                        </a:schemeClr>
+                      </a:solidFill>
+                      <a:round/>
+                    </a:ln>
+                    <a:effectLst/>
+                  </c:spPr>
+                </c15:leaderLines>
+              </c:ext>
+            </c:extLst>
+          </c:dLbls>
+          <c:cat>
+            <c:strRef>
+              <c:f>Sheet1!$A$2:$A$5</c:f>
+              <c:strCache>
+                <c:ptCount val="4"/>
+                <c:pt idx="0">
+                  <c:v>Category 1</c:v>
+                </c:pt>
+                <c:pt idx="1">
+                  <c:v>Category 2</c:v>
+                </c:pt>
+                <c:pt idx="2">
+                  <c:v>Category 3</c:v>
+                </c:pt>
+                <c:pt idx="3">
+                  <c:v>Category 4</c:v>
+                </c:pt>
+              </c:strCache>
+            </c:strRef>
+          </c:cat>
+          <c:val>
+            <c:numRef>
+              <c:f>Sheet1!$C$2:$C$5</c:f>
+              <c:numCache>
+                <c:formatCode>General</c:formatCode>
+                <c:ptCount val="4"/>
+                <c:pt idx="0">
+                  <c:v>2.4</c:v>
+                </c:pt>
+                <c:pt idx="1">
+                  <c:v>4.4000000000000004</c:v>
+                </c:pt>
+                <c:pt idx="2">
+                  <c:v>1.8</c:v>
+                </c:pt>
+                <c:pt idx="3">
+                  <c:v>2.8</c:v>
+                </c:pt>
+              </c:numCache>
+            </c:numRef>
+          </c:val>
+          <c:extLst>
+            <c:ext xmlns:c16="http://schemas.microsoft.com/office/drawing/2014/chart" uri="{C3380CC4-5D6E-409C-BE32-E72D297353CC}">
+              <c16:uniqueId val="{00000001-0268-4B4C-A748-53AF25B1E30F}"/>
+            </c:ext>
+          </c:extLst>
+        </c:ser>
+        <c:ser>
+          <c:idx val="2"/>
+          <c:order val="2"/>
+          <c:tx>
+            <c:strRef>
+              <c:f>Sheet1!$D$1</c:f>
+              <c:strCache>
+                <c:ptCount val="1"/>
+                <c:pt idx="0">
+                  <c:v>Series 3</c:v>
+                </c:pt>
+              </c:strCache>
+            </c:strRef>
+          </c:tx>
+          <c:spPr>
+            <a:solidFill>
+              <a:schemeClr val="accent3"/>
+            </a:solidFill>
+            <a:ln>
+              <a:noFill/>
+            </a:ln>
+            <a:effectLst/>
+          </c:spPr>
+          <c:invertIfNegative val="0"/>
+          <c:dLbls>
+            <c:spPr>
+              <a:noFill/>
+              <a:ln>
+                <a:noFill/>
+              </a:ln>
+              <a:effectLst/>
+            </c:spPr>
+            <c:txPr>
+              <a:bodyPr rot="0" spcFirstLastPara="1" vertOverflow="ellipsis" vert="horz" wrap="square" lIns="38100" tIns="19050" rIns="38100" bIns="19050" anchor="ctr" anchorCtr="1">
+                <a:spAutoFit/>
+              </a:bodyPr>
+              <a:lstStyle/>
+              <a:p>
+                <a:pPr>
+                  <a:defRPr sz="1197" b="0" i="0" u="none" strike="noStrike" kern="1200" baseline="0">
+                    <a:solidFill>
+                      <a:schemeClr val="tx1">
+                        <a:lumMod val="75000"/>
+                        <a:lumOff val="25000"/>
+                      </a:schemeClr>
+                    </a:solidFill>
+                    <a:latin typeface="+mn-lt"/>
+                    <a:ea typeface="+mn-ea"/>
+                    <a:cs typeface="+mn-cs"/>
+                  </a:defRPr>
+                </a:pPr>
+                <a:endParaRPr lang="en-US"/>
+              </a:p>
+            </c:txPr>
+            <c:dLblPos val="inEnd"/>
+            <c:showLegendKey val="0"/>
+            <c:showVal val="1"/>
+            <c:showCatName val="0"/>
+            <c:showSerName val="0"/>
+            <c:showPercent val="0"/>
+            <c:showBubbleSize val="0"/>
+            <c:showLeaderLines val="0"/>
+            <c:extLst>
+              <c:ext xmlns:c15="http://schemas.microsoft.com/office/drawing/2012/chart" uri="{CE6537A1-D6FC-4f65-9D91-7224C49458BB}">
+                <c15:showLeaderLines val="1"/>
+                <c15:leaderLines>
+                  <c:spPr>
+                    <a:ln w="9525" cap="flat" cmpd="sng" algn="ctr">
+                      <a:solidFill>
+                        <a:schemeClr val="tx1">
+                          <a:lumMod val="35000"/>
+                          <a:lumOff val="65000"/>
+                        </a:schemeClr>
+                      </a:solidFill>
+                      <a:round/>
+                    </a:ln>
+                    <a:effectLst/>
+                  </c:spPr>
+                </c15:leaderLines>
+              </c:ext>
+            </c:extLst>
+          </c:dLbls>
+          <c:cat>
+            <c:strRef>
+              <c:f>Sheet1!$A$2:$A$5</c:f>
+              <c:strCache>
+                <c:ptCount val="4"/>
+                <c:pt idx="0">
+                  <c:v>Category 1</c:v>
+                </c:pt>
+                <c:pt idx="1">
+                  <c:v>Category 2</c:v>
+                </c:pt>
+                <c:pt idx="2">
+                  <c:v>Category 3</c:v>
+                </c:pt>
+                <c:pt idx="3">
+                  <c:v>Category 4</c:v>
+                </c:pt>
+              </c:strCache>
+            </c:strRef>
+          </c:cat>
+          <c:val>
+            <c:numRef>
+              <c:f>Sheet1!$D$2:$D$5</c:f>
+              <c:numCache>
+                <c:formatCode>General</c:formatCode>
+                <c:ptCount val="4"/>
+                <c:pt idx="0">
+                  <c:v>2</c:v>
+                </c:pt>
+                <c:pt idx="1">
+                  <c:v>2</c:v>
+                </c:pt>
+                <c:pt idx="2">
+                  <c:v>3</c:v>
+                </c:pt>
+                <c:pt idx="3">
+                  <c:v>5</c:v>
+                </c:pt>
+              </c:numCache>
+            </c:numRef>
+          </c:val>
+          <c:extLst>
+            <c:ext xmlns:c16="http://schemas.microsoft.com/office/drawing/2014/chart" uri="{C3380CC4-5D6E-409C-BE32-E72D297353CC}">
+              <c16:uniqueId val="{00000002-0268-4B4C-A748-53AF25B1E30F}"/>
+            </c:ext>
+          </c:extLst>
+        </c:ser>
+        <c:dLbls>
+          <c:dLblPos val="inEnd"/>
+          <c:showLegendKey val="0"/>
+          <c:showVal val="1"/>
+          <c:showCatName val="0"/>
+          <c:showSerName val="0"/>
+          <c:showPercent val="0"/>
+          <c:showBubbleSize val="0"/>
+        </c:dLbls>
+        <c:gapWidth val="182"/>
+        <c:axId val="526896688"/>
+        <c:axId val="526893080"/>
+      </c:barChart>
+      <c:catAx>
+        <c:axId val="526896688"/>
+        <c:scaling>
+          <c:orientation val="minMax"/>
+        </c:scaling>
+        <c:delete val="0"/>
+        <c:axPos val="l"/>
+        <c:numFmt formatCode="General" sourceLinked="1"/>
+        <c:majorTickMark val="none"/>
+        <c:minorTickMark val="none"/>
+        <c:tickLblPos val="nextTo"/>
+        <c:spPr>
+          <a:noFill/>
+          <a:ln w="9525" cap="flat" cmpd="sng" algn="ctr">
+            <a:solidFill>
+              <a:schemeClr val="tx1">
+                <a:lumMod val="15000"/>
+                <a:lumOff val="85000"/>
+              </a:schemeClr>
+            </a:solidFill>
+            <a:round/>
+          </a:ln>
+          <a:effectLst/>
+        </c:spPr>
+        <c:txPr>
+          <a:bodyPr rot="-60000000" spcFirstLastPara="1" vertOverflow="ellipsis" vert="horz" wrap="square" anchor="ctr" anchorCtr="1"/>
+          <a:lstStyle/>
+          <a:p>
+            <a:pPr>
+              <a:defRPr sz="1197" b="0" i="0" u="none" strike="noStrike" kern="1200" baseline="0">
+                <a:solidFill>
+                  <a:schemeClr val="tx1">
+                    <a:lumMod val="65000"/>
+                    <a:lumOff val="35000"/>
+                  </a:schemeClr>
+                </a:solidFill>
+                <a:latin typeface="+mn-lt"/>
+                <a:ea typeface="+mn-ea"/>
+                <a:cs typeface="+mn-cs"/>
+              </a:defRPr>
+            </a:pPr>
+            <a:endParaRPr lang="en-US"/>
+          </a:p>
+        </c:txPr>
+        <c:crossAx val="526893080"/>
+        <c:crosses val="autoZero"/>
+        <c:auto val="1"/>
+        <c:lblAlgn val="ctr"/>
+        <c:lblOffset val="100"/>
+        <c:noMultiLvlLbl val="0"/>
+      </c:catAx>
+      <c:valAx>
+        <c:axId val="526893080"/>
+        <c:scaling>
+          <c:orientation val="minMax"/>
+        </c:scaling>
+        <c:delete val="0"/>
+        <c:axPos val="b"/>
+        <c:majorGridlines>
+          <c:spPr>
+            <a:ln w="9525" cap="flat" cmpd="sng" algn="ctr">
+              <a:solidFill>
+                <a:schemeClr val="tx1">
+                  <a:lumMod val="15000"/>
+                  <a:lumOff val="85000"/>
+                </a:schemeClr>
+              </a:solidFill>
+              <a:round/>
+            </a:ln>
+            <a:effectLst/>
+          </c:spPr>
+        </c:majorGridlines>
+        <c:numFmt formatCode="General" sourceLinked="1"/>
+        <c:majorTickMark val="none"/>
+        <c:minorTickMark val="none"/>
+        <c:tickLblPos val="nextTo"/>
+        <c:spPr>
+          <a:noFill/>
+          <a:ln>
+            <a:noFill/>
+          </a:ln>
+          <a:effectLst/>
+        </c:spPr>
+        <c:txPr>
+          <a:bodyPr rot="-60000000" spcFirstLastPara="1" vertOverflow="ellipsis" vert="horz" wrap="square" anchor="ctr" anchorCtr="1"/>
+          <a:lstStyle/>
+          <a:p>
+            <a:pPr>
+              <a:defRPr sz="1197" b="0" i="0" u="none" strike="noStrike" kern="1200" baseline="0">
+                <a:solidFill>
+                  <a:schemeClr val="tx1">
+                    <a:lumMod val="65000"/>
+                    <a:lumOff val="35000"/>
+                  </a:schemeClr>
+                </a:solidFill>
+                <a:latin typeface="+mn-lt"/>
+                <a:ea typeface="+mn-ea"/>
+                <a:cs typeface="+mn-cs"/>
+              </a:defRPr>
+            </a:pPr>
+            <a:endParaRPr lang="en-US"/>
+          </a:p>
+        </c:txPr>
+        <c:crossAx val="526896688"/>
+        <c:crosses val="autoZero"/>
+        <c:crossBetween val="between"/>
+      </c:valAx>
+      <c:spPr>
+        <a:noFill/>
+        <a:ln>
+          <a:noFill/>
+        </a:ln>
+        <a:effectLst/>
+      </c:spPr>
+    </c:plotArea>
+    <c:legend>
+      <c:legendPos val="b"/>
+      <c:overlay val="0"/>
+      <c:spPr>
+        <a:noFill/>
+        <a:ln>
+          <a:noFill/>
+        </a:ln>
+        <a:effectLst/>
+      </c:spPr>
+      <c:txPr>
+        <a:bodyPr rot="0" spcFirstLastPara="1" vertOverflow="ellipsis" vert="horz" wrap="square" anchor="ctr" anchorCtr="1"/>
+        <a:lstStyle/>
+        <a:p>
+          <a:pPr>
+            <a:defRPr sz="1197" b="0" i="0" u="none" strike="noStrike" kern="1200" baseline="0">
+              <a:solidFill>
+                <a:schemeClr val="tx1">
+                  <a:lumMod val="65000"/>
+                  <a:lumOff val="35000"/>
+                </a:schemeClr>
+              </a:solidFill>
+              <a:latin typeface="+mn-lt"/>
+              <a:ea typeface="+mn-ea"/>
+              <a:cs typeface="+mn-cs"/>
+            </a:defRPr>
+          </a:pPr>
+          <a:endParaRPr lang="en-US"/>
+        </a:p>
+      </c:txPr>
+    </c:legend>
+    <c:plotVisOnly val="1"/>
+    <c:dispBlanksAs val="gap"/>
+    <c:showDLblsOverMax val="0"/>
+  </c:chart>
+  <c:spPr>
+    <a:solidFill>
+      <a:schemeClr val="bg1"/>
+    </a:solidFill>
+    <a:ln>
+      <a:noFill/>
+    </a:ln>
+    <a:effectLst/>
+  </c:spPr>
+  <c:txPr>
+    <a:bodyPr/>
+    <a:lstStyle/>
+    <a:p>
+      <a:pPr>
+        <a:defRPr/>
+      </a:pPr>
+      <a:endParaRPr lang="en-US"/>
+    </a:p>
+  </c:txPr>
+  <c:externalData r:id="rId3">
+    <c:autoUpdate val="0"/>
+  </c:externalData>
+</c:chartSpace>
+</file>
+
+<file path=ppt/charts/chart4.xml><?xml version="1.0" encoding="utf-8"?>
+<c:chartSpace xmlns:c="http://schemas.openxmlformats.org/drawingml/2006/chart" xmlns:a="http://schemas.openxmlformats.org/drawingml/2006/main" xmlns:r="http://schemas.openxmlformats.org/officeDocument/2006/relationships" xmlns:c16r2="http://schemas.microsoft.com/office/drawing/2015/06/chart">
+  <c:date1904 val="0"/>
+  <c:lang val="en-US"/>
+  <c:roundedCorners val="0"/>
+  <mc:AlternateContent xmlns:mc="http://schemas.openxmlformats.org/markup-compatibility/2006">
+    <mc:Choice xmlns:c14="http://schemas.microsoft.com/office/drawing/2007/8/2/chart" Requires="c14">
+      <c14:style val="102"/>
+    </mc:Choice>
+    <mc:Fallback>
+      <c:style val="2"/>
+    </mc:Fallback>
+  </mc:AlternateContent>
+  <c:chart>
+    <c:title>
+      <c:tx>
+        <c:rich>
+          <a:bodyPr rot="0" spcFirstLastPara="1" vertOverflow="ellipsis" vert="horz" wrap="square" anchor="ctr" anchorCtr="1"/>
+          <a:lstStyle/>
+          <a:p>
+            <a:pPr>
+              <a:defRPr sz="1862" b="0" i="0" u="none" strike="noStrike" kern="1200" spc="0" baseline="0">
+                <a:solidFill>
+                  <a:schemeClr val="tx1">
+                    <a:lumMod val="65000"/>
+                    <a:lumOff val="35000"/>
+                  </a:schemeClr>
+                </a:solidFill>
+                <a:latin typeface="+mn-lt"/>
+                <a:ea typeface="+mn-ea"/>
+                <a:cs typeface="+mn-cs"/>
+              </a:defRPr>
+            </a:pPr>
+            <a:r>
+              <a:rPr lang="en-US" dirty="0"/>
+              <a:t>Bad</a:t>
+            </a:r>
+            <a:r>
+              <a:rPr lang="en-US" baseline="0" dirty="0"/>
+              <a:t> Scale</a:t>
+            </a:r>
+            <a:endParaRPr lang="en-US" dirty="0"/>
+          </a:p>
+        </c:rich>
+      </c:tx>
+      <c:overlay val="0"/>
+      <c:spPr>
+        <a:noFill/>
+        <a:ln>
+          <a:noFill/>
+        </a:ln>
+        <a:effectLst/>
+      </c:spPr>
+      <c:txPr>
+        <a:bodyPr rot="0" spcFirstLastPara="1" vertOverflow="ellipsis" vert="horz" wrap="square" anchor="ctr" anchorCtr="1"/>
+        <a:lstStyle/>
+        <a:p>
+          <a:pPr>
+            <a:defRPr sz="1862" b="0" i="0" u="none" strike="noStrike" kern="1200" spc="0" baseline="0">
+              <a:solidFill>
+                <a:schemeClr val="tx1">
+                  <a:lumMod val="65000"/>
+                  <a:lumOff val="35000"/>
+                </a:schemeClr>
+              </a:solidFill>
+              <a:latin typeface="+mn-lt"/>
+              <a:ea typeface="+mn-ea"/>
+              <a:cs typeface="+mn-cs"/>
+            </a:defRPr>
+          </a:pPr>
+          <a:endParaRPr lang="en-US"/>
+        </a:p>
+      </c:txPr>
+    </c:title>
+    <c:autoTitleDeleted val="0"/>
+    <c:plotArea>
+      <c:layout/>
+      <c:barChart>
+        <c:barDir val="col"/>
+        <c:grouping val="clustered"/>
+        <c:varyColors val="0"/>
+        <c:ser>
+          <c:idx val="0"/>
+          <c:order val="0"/>
+          <c:tx>
+            <c:strRef>
+              <c:f>Sheet1!$B$1</c:f>
+              <c:strCache>
+                <c:ptCount val="1"/>
+                <c:pt idx="0">
+                  <c:v>Series 1</c:v>
+                </c:pt>
+              </c:strCache>
+            </c:strRef>
+          </c:tx>
+          <c:spPr>
+            <a:solidFill>
+              <a:schemeClr val="accent1"/>
+            </a:solidFill>
+            <a:ln>
+              <a:noFill/>
+            </a:ln>
+            <a:effectLst/>
+          </c:spPr>
+          <c:invertIfNegative val="0"/>
+          <c:dLbls>
+            <c:spPr>
+              <a:noFill/>
+              <a:ln>
+                <a:noFill/>
+              </a:ln>
+              <a:effectLst/>
+            </c:spPr>
+            <c:txPr>
+              <a:bodyPr rot="0" spcFirstLastPara="1" vertOverflow="ellipsis" vert="horz" wrap="square" lIns="38100" tIns="19050" rIns="38100" bIns="19050" anchor="ctr" anchorCtr="1">
+                <a:spAutoFit/>
+              </a:bodyPr>
+              <a:lstStyle/>
+              <a:p>
+                <a:pPr>
+                  <a:defRPr sz="1197" b="0" i="0" u="none" strike="noStrike" kern="1200" baseline="0">
+                    <a:solidFill>
+                      <a:schemeClr val="tx1">
+                        <a:lumMod val="75000"/>
+                        <a:lumOff val="25000"/>
+                      </a:schemeClr>
+                    </a:solidFill>
+                    <a:latin typeface="+mn-lt"/>
+                    <a:ea typeface="+mn-ea"/>
+                    <a:cs typeface="+mn-cs"/>
+                  </a:defRPr>
+                </a:pPr>
+                <a:endParaRPr lang="en-US"/>
+              </a:p>
+            </c:txPr>
+            <c:dLblPos val="inEnd"/>
+            <c:showLegendKey val="0"/>
+            <c:showVal val="1"/>
+            <c:showCatName val="0"/>
+            <c:showSerName val="0"/>
+            <c:showPercent val="0"/>
+            <c:showBubbleSize val="0"/>
+            <c:showLeaderLines val="0"/>
+            <c:extLst>
+              <c:ext xmlns:c15="http://schemas.microsoft.com/office/drawing/2012/chart" uri="{CE6537A1-D6FC-4f65-9D91-7224C49458BB}">
+                <c15:showLeaderLines val="1"/>
+                <c15:leaderLines>
+                  <c:spPr>
+                    <a:ln w="9525" cap="flat" cmpd="sng" algn="ctr">
+                      <a:solidFill>
+                        <a:schemeClr val="tx1">
+                          <a:lumMod val="35000"/>
+                          <a:lumOff val="65000"/>
+                        </a:schemeClr>
+                      </a:solidFill>
+                      <a:round/>
+                    </a:ln>
+                    <a:effectLst/>
+                  </c:spPr>
+                </c15:leaderLines>
+              </c:ext>
+            </c:extLst>
+          </c:dLbls>
+          <c:cat>
+            <c:strRef>
+              <c:f>Sheet1!$A$2:$A$3</c:f>
+              <c:strCache>
+                <c:ptCount val="2"/>
+                <c:pt idx="0">
+                  <c:v>Category 1</c:v>
+                </c:pt>
+                <c:pt idx="1">
+                  <c:v>Category 2</c:v>
+                </c:pt>
+              </c:strCache>
+            </c:strRef>
+          </c:cat>
+          <c:val>
+            <c:numRef>
+              <c:f>Sheet1!$B$2:$B$3</c:f>
+              <c:numCache>
+                <c:formatCode>General</c:formatCode>
+                <c:ptCount val="2"/>
+                <c:pt idx="0">
+                  <c:v>350</c:v>
+                </c:pt>
+                <c:pt idx="1">
+                  <c:v>300</c:v>
+                </c:pt>
+              </c:numCache>
+            </c:numRef>
+          </c:val>
+          <c:extLst>
+            <c:ext xmlns:c16="http://schemas.microsoft.com/office/drawing/2014/chart" uri="{C3380CC4-5D6E-409C-BE32-E72D297353CC}">
+              <c16:uniqueId val="{00000000-9791-4F44-B9E7-D91B16161E21}"/>
+            </c:ext>
+          </c:extLst>
+        </c:ser>
+        <c:dLbls>
+          <c:dLblPos val="inEnd"/>
+          <c:showLegendKey val="0"/>
+          <c:showVal val="1"/>
+          <c:showCatName val="0"/>
+          <c:showSerName val="0"/>
+          <c:showPercent val="0"/>
+          <c:showBubbleSize val="0"/>
+        </c:dLbls>
+        <c:gapWidth val="219"/>
+        <c:overlap val="-27"/>
+        <c:axId val="600038424"/>
+        <c:axId val="600035472"/>
+      </c:barChart>
+      <c:catAx>
+        <c:axId val="600038424"/>
+        <c:scaling>
+          <c:orientation val="minMax"/>
+        </c:scaling>
+        <c:delete val="0"/>
+        <c:axPos val="b"/>
+        <c:numFmt formatCode="General" sourceLinked="1"/>
+        <c:majorTickMark val="none"/>
+        <c:minorTickMark val="none"/>
+        <c:tickLblPos val="nextTo"/>
+        <c:spPr>
+          <a:noFill/>
+          <a:ln w="9525" cap="flat" cmpd="sng" algn="ctr">
+            <a:solidFill>
+              <a:schemeClr val="tx1">
+                <a:lumMod val="15000"/>
+                <a:lumOff val="85000"/>
+              </a:schemeClr>
+            </a:solidFill>
+            <a:round/>
+          </a:ln>
+          <a:effectLst/>
+        </c:spPr>
+        <c:txPr>
+          <a:bodyPr rot="-60000000" spcFirstLastPara="1" vertOverflow="ellipsis" vert="horz" wrap="square" anchor="ctr" anchorCtr="1"/>
+          <a:lstStyle/>
+          <a:p>
+            <a:pPr>
+              <a:defRPr sz="1197" b="0" i="0" u="none" strike="noStrike" kern="1200" baseline="0">
+                <a:solidFill>
+                  <a:schemeClr val="tx1">
+                    <a:lumMod val="65000"/>
+                    <a:lumOff val="35000"/>
+                  </a:schemeClr>
+                </a:solidFill>
+                <a:latin typeface="+mn-lt"/>
+                <a:ea typeface="+mn-ea"/>
+                <a:cs typeface="+mn-cs"/>
+              </a:defRPr>
+            </a:pPr>
+            <a:endParaRPr lang="en-US"/>
+          </a:p>
+        </c:txPr>
+        <c:crossAx val="600035472"/>
+        <c:crosses val="autoZero"/>
+        <c:auto val="1"/>
+        <c:lblAlgn val="ctr"/>
+        <c:lblOffset val="100"/>
+        <c:noMultiLvlLbl val="0"/>
+      </c:catAx>
+      <c:valAx>
+        <c:axId val="600035472"/>
+        <c:scaling>
+          <c:orientation val="minMax"/>
+        </c:scaling>
+        <c:delete val="0"/>
+        <c:axPos val="l"/>
+        <c:majorGridlines>
+          <c:spPr>
+            <a:ln w="9525" cap="flat" cmpd="sng" algn="ctr">
+              <a:solidFill>
+                <a:schemeClr val="tx1">
+                  <a:lumMod val="15000"/>
+                  <a:lumOff val="85000"/>
+                </a:schemeClr>
+              </a:solidFill>
+              <a:round/>
+            </a:ln>
+            <a:effectLst/>
+          </c:spPr>
+        </c:majorGridlines>
+        <c:numFmt formatCode="General" sourceLinked="1"/>
+        <c:majorTickMark val="none"/>
+        <c:minorTickMark val="none"/>
+        <c:tickLblPos val="nextTo"/>
+        <c:spPr>
+          <a:noFill/>
+          <a:ln>
+            <a:noFill/>
+          </a:ln>
+          <a:effectLst/>
+        </c:spPr>
+        <c:txPr>
+          <a:bodyPr rot="-60000000" spcFirstLastPara="1" vertOverflow="ellipsis" vert="horz" wrap="square" anchor="ctr" anchorCtr="1"/>
+          <a:lstStyle/>
+          <a:p>
+            <a:pPr>
+              <a:defRPr sz="1197" b="0" i="0" u="none" strike="noStrike" kern="1200" baseline="0">
+                <a:solidFill>
+                  <a:schemeClr val="tx1">
+                    <a:lumMod val="65000"/>
+                    <a:lumOff val="35000"/>
+                  </a:schemeClr>
+                </a:solidFill>
+                <a:latin typeface="+mn-lt"/>
+                <a:ea typeface="+mn-ea"/>
+                <a:cs typeface="+mn-cs"/>
+              </a:defRPr>
+            </a:pPr>
+            <a:endParaRPr lang="en-US"/>
+          </a:p>
+        </c:txPr>
+        <c:crossAx val="600038424"/>
+        <c:crosses val="autoZero"/>
+        <c:crossBetween val="between"/>
+      </c:valAx>
+      <c:spPr>
+        <a:solidFill>
+          <a:schemeClr val="bg1"/>
+        </a:solidFill>
+        <a:ln>
+          <a:noFill/>
+        </a:ln>
+        <a:effectLst/>
+      </c:spPr>
+    </c:plotArea>
+    <c:legend>
+      <c:legendPos val="b"/>
+      <c:overlay val="0"/>
+      <c:spPr>
+        <a:noFill/>
+        <a:ln>
+          <a:noFill/>
+        </a:ln>
+        <a:effectLst/>
+      </c:spPr>
+      <c:txPr>
+        <a:bodyPr rot="0" spcFirstLastPara="1" vertOverflow="ellipsis" vert="horz" wrap="square" anchor="ctr" anchorCtr="1"/>
+        <a:lstStyle/>
+        <a:p>
+          <a:pPr>
+            <a:defRPr sz="1197" b="0" i="0" u="none" strike="noStrike" kern="1200" baseline="0">
+              <a:solidFill>
+                <a:schemeClr val="tx1">
+                  <a:lumMod val="65000"/>
+                  <a:lumOff val="35000"/>
+                </a:schemeClr>
+              </a:solidFill>
+              <a:latin typeface="+mn-lt"/>
+              <a:ea typeface="+mn-ea"/>
+              <a:cs typeface="+mn-cs"/>
+            </a:defRPr>
+          </a:pPr>
+          <a:endParaRPr lang="en-US"/>
+        </a:p>
+      </c:txPr>
+    </c:legend>
+    <c:plotVisOnly val="1"/>
+    <c:dispBlanksAs val="gap"/>
+    <c:showDLblsOverMax val="0"/>
+  </c:chart>
+  <c:spPr>
+    <a:solidFill>
+      <a:schemeClr val="bg1"/>
+    </a:solidFill>
+    <a:ln>
+      <a:noFill/>
+    </a:ln>
+    <a:effectLst/>
+  </c:spPr>
+  <c:txPr>
+    <a:bodyPr/>
+    <a:lstStyle/>
+    <a:p>
+      <a:pPr>
+        <a:defRPr/>
+      </a:pPr>
+      <a:endParaRPr lang="en-US"/>
+    </a:p>
+  </c:txPr>
+  <c:externalData r:id="rId3">
+    <c:autoUpdate val="0"/>
+  </c:externalData>
+</c:chartSpace>
+</file>
+
+<file path=ppt/charts/chart5.xml><?xml version="1.0" encoding="utf-8"?>
+<c:chartSpace xmlns:c="http://schemas.openxmlformats.org/drawingml/2006/chart" xmlns:a="http://schemas.openxmlformats.org/drawingml/2006/main" xmlns:r="http://schemas.openxmlformats.org/officeDocument/2006/relationships" xmlns:c16r2="http://schemas.microsoft.com/office/drawing/2015/06/chart">
+  <c:date1904 val="0"/>
+  <c:lang val="en-US"/>
+  <c:roundedCorners val="0"/>
+  <mc:AlternateContent xmlns:mc="http://schemas.openxmlformats.org/markup-compatibility/2006">
+    <mc:Choice xmlns:c14="http://schemas.microsoft.com/office/drawing/2007/8/2/chart" Requires="c14">
+      <c14:style val="102"/>
+    </mc:Choice>
+    <mc:Fallback>
+      <c:style val="2"/>
+    </mc:Fallback>
+  </mc:AlternateContent>
+  <c:chart>
+    <c:title>
+      <c:tx>
+        <c:rich>
+          <a:bodyPr rot="0" spcFirstLastPara="1" vertOverflow="ellipsis" vert="horz" wrap="square" anchor="ctr" anchorCtr="1"/>
+          <a:lstStyle/>
+          <a:p>
+            <a:pPr>
+              <a:defRPr sz="1862" b="0" i="0" u="none" strike="noStrike" kern="1200" spc="0" baseline="0">
+                <a:solidFill>
+                  <a:schemeClr val="tx1">
+                    <a:lumMod val="65000"/>
+                    <a:lumOff val="35000"/>
+                  </a:schemeClr>
+                </a:solidFill>
+                <a:latin typeface="+mn-lt"/>
+                <a:ea typeface="+mn-ea"/>
+                <a:cs typeface="+mn-cs"/>
+              </a:defRPr>
+            </a:pPr>
+            <a:r>
+              <a:rPr lang="en-US" dirty="0"/>
+              <a:t>Good Scale</a:t>
+            </a:r>
+          </a:p>
+        </c:rich>
+      </c:tx>
+      <c:overlay val="0"/>
+      <c:spPr>
+        <a:noFill/>
+        <a:ln>
+          <a:noFill/>
+        </a:ln>
+        <a:effectLst/>
+      </c:spPr>
+      <c:txPr>
+        <a:bodyPr rot="0" spcFirstLastPara="1" vertOverflow="ellipsis" vert="horz" wrap="square" anchor="ctr" anchorCtr="1"/>
+        <a:lstStyle/>
+        <a:p>
+          <a:pPr>
+            <a:defRPr sz="1862" b="0" i="0" u="none" strike="noStrike" kern="1200" spc="0" baseline="0">
+              <a:solidFill>
+                <a:schemeClr val="tx1">
+                  <a:lumMod val="65000"/>
+                  <a:lumOff val="35000"/>
+                </a:schemeClr>
+              </a:solidFill>
+              <a:latin typeface="+mn-lt"/>
+              <a:ea typeface="+mn-ea"/>
+              <a:cs typeface="+mn-cs"/>
+            </a:defRPr>
+          </a:pPr>
+          <a:endParaRPr lang="en-US"/>
+        </a:p>
+      </c:txPr>
+    </c:title>
+    <c:autoTitleDeleted val="0"/>
+    <c:plotArea>
+      <c:layout/>
+      <c:barChart>
+        <c:barDir val="col"/>
+        <c:grouping val="clustered"/>
+        <c:varyColors val="0"/>
+        <c:ser>
+          <c:idx val="0"/>
+          <c:order val="0"/>
+          <c:tx>
+            <c:strRef>
+              <c:f>Sheet1!$B$1</c:f>
+              <c:strCache>
+                <c:ptCount val="1"/>
+                <c:pt idx="0">
+                  <c:v>Series 1</c:v>
+                </c:pt>
+              </c:strCache>
+            </c:strRef>
+          </c:tx>
+          <c:spPr>
+            <a:solidFill>
+              <a:schemeClr val="accent1"/>
+            </a:solidFill>
+            <a:ln>
+              <a:noFill/>
+            </a:ln>
+            <a:effectLst/>
+          </c:spPr>
+          <c:invertIfNegative val="0"/>
+          <c:dLbls>
+            <c:spPr>
+              <a:noFill/>
+              <a:ln>
+                <a:noFill/>
+              </a:ln>
+              <a:effectLst/>
+            </c:spPr>
+            <c:txPr>
+              <a:bodyPr rot="0" spcFirstLastPara="1" vertOverflow="ellipsis" vert="horz" wrap="square" lIns="38100" tIns="19050" rIns="38100" bIns="19050" anchor="ctr" anchorCtr="1">
+                <a:spAutoFit/>
+              </a:bodyPr>
+              <a:lstStyle/>
+              <a:p>
+                <a:pPr>
+                  <a:defRPr sz="1197" b="0" i="0" u="none" strike="noStrike" kern="1200" baseline="0">
+                    <a:solidFill>
+                      <a:schemeClr val="tx1">
+                        <a:lumMod val="75000"/>
+                        <a:lumOff val="25000"/>
+                      </a:schemeClr>
+                    </a:solidFill>
+                    <a:latin typeface="+mn-lt"/>
+                    <a:ea typeface="+mn-ea"/>
+                    <a:cs typeface="+mn-cs"/>
+                  </a:defRPr>
+                </a:pPr>
+                <a:endParaRPr lang="en-US"/>
+              </a:p>
+            </c:txPr>
+            <c:dLblPos val="inEnd"/>
+            <c:showLegendKey val="0"/>
+            <c:showVal val="1"/>
+            <c:showCatName val="0"/>
+            <c:showSerName val="0"/>
+            <c:showPercent val="0"/>
+            <c:showBubbleSize val="0"/>
+            <c:showLeaderLines val="0"/>
+            <c:extLst>
+              <c:ext xmlns:c15="http://schemas.microsoft.com/office/drawing/2012/chart" uri="{CE6537A1-D6FC-4f65-9D91-7224C49458BB}">
+                <c15:showLeaderLines val="1"/>
+                <c15:leaderLines>
+                  <c:spPr>
+                    <a:ln w="9525" cap="flat" cmpd="sng" algn="ctr">
+                      <a:solidFill>
+                        <a:schemeClr val="tx1">
+                          <a:lumMod val="35000"/>
+                          <a:lumOff val="65000"/>
+                        </a:schemeClr>
+                      </a:solidFill>
+                      <a:round/>
+                    </a:ln>
+                    <a:effectLst/>
+                  </c:spPr>
+                </c15:leaderLines>
+              </c:ext>
+            </c:extLst>
+          </c:dLbls>
+          <c:cat>
+            <c:strRef>
+              <c:f>Sheet1!$A$2:$A$3</c:f>
+              <c:strCache>
+                <c:ptCount val="2"/>
+                <c:pt idx="0">
+                  <c:v>Category 1</c:v>
+                </c:pt>
+                <c:pt idx="1">
+                  <c:v>Category 2</c:v>
+                </c:pt>
+              </c:strCache>
+            </c:strRef>
+          </c:cat>
+          <c:val>
+            <c:numRef>
+              <c:f>Sheet1!$B$2:$B$3</c:f>
+              <c:numCache>
+                <c:formatCode>General</c:formatCode>
+                <c:ptCount val="2"/>
+                <c:pt idx="0">
+                  <c:v>350</c:v>
+                </c:pt>
+                <c:pt idx="1">
+                  <c:v>300</c:v>
+                </c:pt>
+              </c:numCache>
+            </c:numRef>
+          </c:val>
+          <c:extLst>
+            <c:ext xmlns:c16="http://schemas.microsoft.com/office/drawing/2014/chart" uri="{C3380CC4-5D6E-409C-BE32-E72D297353CC}">
+              <c16:uniqueId val="{00000000-95C2-478E-B987-C7B35A0CC081}"/>
+            </c:ext>
+          </c:extLst>
+        </c:ser>
+        <c:dLbls>
+          <c:dLblPos val="inEnd"/>
+          <c:showLegendKey val="0"/>
+          <c:showVal val="1"/>
+          <c:showCatName val="0"/>
+          <c:showSerName val="0"/>
+          <c:showPercent val="0"/>
+          <c:showBubbleSize val="0"/>
+        </c:dLbls>
+        <c:gapWidth val="219"/>
+        <c:overlap val="-27"/>
+        <c:axId val="600038424"/>
+        <c:axId val="600035472"/>
+      </c:barChart>
+      <c:catAx>
+        <c:axId val="600038424"/>
+        <c:scaling>
+          <c:orientation val="minMax"/>
+        </c:scaling>
+        <c:delete val="0"/>
+        <c:axPos val="b"/>
+        <c:numFmt formatCode="General" sourceLinked="1"/>
+        <c:majorTickMark val="none"/>
+        <c:minorTickMark val="none"/>
+        <c:tickLblPos val="nextTo"/>
+        <c:spPr>
+          <a:noFill/>
+          <a:ln w="9525" cap="flat" cmpd="sng" algn="ctr">
+            <a:solidFill>
+              <a:schemeClr val="tx1">
+                <a:lumMod val="15000"/>
+                <a:lumOff val="85000"/>
+              </a:schemeClr>
+            </a:solidFill>
+            <a:round/>
+          </a:ln>
+          <a:effectLst/>
+        </c:spPr>
+        <c:txPr>
+          <a:bodyPr rot="-60000000" spcFirstLastPara="1" vertOverflow="ellipsis" vert="horz" wrap="square" anchor="ctr" anchorCtr="1"/>
+          <a:lstStyle/>
+          <a:p>
+            <a:pPr>
+              <a:defRPr sz="1197" b="0" i="0" u="none" strike="noStrike" kern="1200" baseline="0">
+                <a:solidFill>
+                  <a:schemeClr val="tx1">
+                    <a:lumMod val="65000"/>
+                    <a:lumOff val="35000"/>
+                  </a:schemeClr>
+                </a:solidFill>
+                <a:latin typeface="+mn-lt"/>
+                <a:ea typeface="+mn-ea"/>
+                <a:cs typeface="+mn-cs"/>
+              </a:defRPr>
+            </a:pPr>
+            <a:endParaRPr lang="en-US"/>
+          </a:p>
+        </c:txPr>
+        <c:crossAx val="600035472"/>
+        <c:crosses val="autoZero"/>
+        <c:auto val="1"/>
+        <c:lblAlgn val="ctr"/>
+        <c:lblOffset val="100"/>
+        <c:noMultiLvlLbl val="0"/>
+      </c:catAx>
+      <c:valAx>
+        <c:axId val="600035472"/>
+        <c:scaling>
+          <c:orientation val="minMax"/>
+          <c:min val="0"/>
+        </c:scaling>
+        <c:delete val="0"/>
+        <c:axPos val="l"/>
+        <c:majorGridlines>
+          <c:spPr>
+            <a:ln w="9525" cap="flat" cmpd="sng" algn="ctr">
+              <a:solidFill>
+                <a:schemeClr val="tx1">
+                  <a:lumMod val="15000"/>
+                  <a:lumOff val="85000"/>
+                </a:schemeClr>
+              </a:solidFill>
+              <a:round/>
+            </a:ln>
+            <a:effectLst/>
+          </c:spPr>
+        </c:majorGridlines>
+        <c:numFmt formatCode="General" sourceLinked="1"/>
+        <c:majorTickMark val="none"/>
+        <c:minorTickMark val="none"/>
+        <c:tickLblPos val="nextTo"/>
+        <c:spPr>
+          <a:noFill/>
+          <a:ln>
+            <a:noFill/>
+          </a:ln>
+          <a:effectLst/>
+        </c:spPr>
+        <c:txPr>
+          <a:bodyPr rot="-60000000" spcFirstLastPara="1" vertOverflow="ellipsis" vert="horz" wrap="square" anchor="ctr" anchorCtr="1"/>
+          <a:lstStyle/>
+          <a:p>
+            <a:pPr>
+              <a:defRPr sz="1197" b="0" i="0" u="none" strike="noStrike" kern="1200" baseline="0">
+                <a:solidFill>
+                  <a:schemeClr val="tx1">
+                    <a:lumMod val="65000"/>
+                    <a:lumOff val="35000"/>
+                  </a:schemeClr>
+                </a:solidFill>
+                <a:latin typeface="+mn-lt"/>
+                <a:ea typeface="+mn-ea"/>
+                <a:cs typeface="+mn-cs"/>
+              </a:defRPr>
+            </a:pPr>
+            <a:endParaRPr lang="en-US"/>
+          </a:p>
+        </c:txPr>
+        <c:crossAx val="600038424"/>
+        <c:crosses val="autoZero"/>
+        <c:crossBetween val="between"/>
+      </c:valAx>
+      <c:spPr>
+        <a:solidFill>
+          <a:schemeClr val="bg1"/>
+        </a:solidFill>
+        <a:ln>
+          <a:noFill/>
+        </a:ln>
+        <a:effectLst/>
+      </c:spPr>
+    </c:plotArea>
+    <c:legend>
+      <c:legendPos val="b"/>
+      <c:overlay val="0"/>
+      <c:spPr>
+        <a:noFill/>
+        <a:ln>
+          <a:noFill/>
+        </a:ln>
+        <a:effectLst/>
+      </c:spPr>
+      <c:txPr>
+        <a:bodyPr rot="0" spcFirstLastPara="1" vertOverflow="ellipsis" vert="horz" wrap="square" anchor="ctr" anchorCtr="1"/>
+        <a:lstStyle/>
+        <a:p>
+          <a:pPr>
+            <a:defRPr sz="1197" b="0" i="0" u="none" strike="noStrike" kern="1200" baseline="0">
+              <a:solidFill>
+                <a:schemeClr val="tx1">
+                  <a:lumMod val="65000"/>
+                  <a:lumOff val="35000"/>
+                </a:schemeClr>
+              </a:solidFill>
+              <a:latin typeface="+mn-lt"/>
+              <a:ea typeface="+mn-ea"/>
+              <a:cs typeface="+mn-cs"/>
+            </a:defRPr>
+          </a:pPr>
+          <a:endParaRPr lang="en-US"/>
+        </a:p>
+      </c:txPr>
+    </c:legend>
+    <c:plotVisOnly val="1"/>
+    <c:dispBlanksAs val="gap"/>
+    <c:showDLblsOverMax val="0"/>
+  </c:chart>
+  <c:spPr>
+    <a:solidFill>
+      <a:schemeClr val="bg1"/>
+    </a:solidFill>
+    <a:ln>
+      <a:noFill/>
+    </a:ln>
+    <a:effectLst/>
+  </c:spPr>
+  <c:txPr>
+    <a:bodyPr/>
+    <a:lstStyle/>
+    <a:p>
+      <a:pPr>
+        <a:defRPr/>
+      </a:pPr>
+      <a:endParaRPr lang="en-US"/>
+    </a:p>
+  </c:txPr>
+  <c:externalData r:id="rId3">
+    <c:autoUpdate val="0"/>
+  </c:externalData>
+</c:chartSpace>
+</file>
+
+<file path=ppt/charts/colors1.xml><?xml version="1.0" encoding="utf-8"?>
+<cs:colorStyle xmlns:cs="http://schemas.microsoft.com/office/drawing/2012/chartStyle" xmlns:a="http://schemas.openxmlformats.org/drawingml/2006/main" meth="cycle" id="10">
+  <a:schemeClr val="accent1"/>
+  <a:schemeClr val="accent2"/>
+  <a:schemeClr val="accent3"/>
+  <a:schemeClr val="accent4"/>
+  <a:schemeClr val="accent5"/>
+  <a:schemeClr val="accent6"/>
+  <cs:variation/>
+  <cs:variation>
+    <a:lumMod val="60000"/>
+  </cs:variation>
+  <cs:variation>
+    <a:lumMod val="80000"/>
+    <a:lumOff val="20000"/>
+  </cs:variation>
+  <cs:variation>
+    <a:lumMod val="80000"/>
+  </cs:variation>
+  <cs:variation>
+    <a:lumMod val="60000"/>
+    <a:lumOff val="40000"/>
+  </cs:variation>
+  <cs:variation>
+    <a:lumMod val="50000"/>
+  </cs:variation>
+  <cs:variation>
+    <a:lumMod val="70000"/>
+    <a:lumOff val="30000"/>
+  </cs:variation>
+  <cs:variation>
+    <a:lumMod val="70000"/>
+  </cs:variation>
+  <cs:variation>
+    <a:lumMod val="50000"/>
+    <a:lumOff val="50000"/>
+  </cs:variation>
+</cs:colorStyle>
+</file>
+
+<file path=ppt/charts/colors2.xml><?xml version="1.0" encoding="utf-8"?>
+<cs:colorStyle xmlns:cs="http://schemas.microsoft.com/office/drawing/2012/chartStyle" xmlns:a="http://schemas.openxmlformats.org/drawingml/2006/main" meth="cycle" id="10">
+  <a:schemeClr val="accent1"/>
+  <a:schemeClr val="accent2"/>
+  <a:schemeClr val="accent3"/>
+  <a:schemeClr val="accent4"/>
+  <a:schemeClr val="accent5"/>
+  <a:schemeClr val="accent6"/>
+  <cs:variation/>
+  <cs:variation>
+    <a:lumMod val="60000"/>
+  </cs:variation>
+  <cs:variation>
+    <a:lumMod val="80000"/>
+    <a:lumOff val="20000"/>
+  </cs:variation>
+  <cs:variation>
+    <a:lumMod val="80000"/>
+  </cs:variation>
+  <cs:variation>
+    <a:lumMod val="60000"/>
+    <a:lumOff val="40000"/>
+  </cs:variation>
+  <cs:variation>
+    <a:lumMod val="50000"/>
+  </cs:variation>
+  <cs:variation>
+    <a:lumMod val="70000"/>
+    <a:lumOff val="30000"/>
+  </cs:variation>
+  <cs:variation>
+    <a:lumMod val="70000"/>
+  </cs:variation>
+  <cs:variation>
+    <a:lumMod val="50000"/>
+    <a:lumOff val="50000"/>
+  </cs:variation>
+</cs:colorStyle>
+</file>
+
+<file path=ppt/charts/colors3.xml><?xml version="1.0" encoding="utf-8"?>
+<cs:colorStyle xmlns:cs="http://schemas.microsoft.com/office/drawing/2012/chartStyle" xmlns:a="http://schemas.openxmlformats.org/drawingml/2006/main" meth="cycle" id="10">
+  <a:schemeClr val="accent1"/>
+  <a:schemeClr val="accent2"/>
+  <a:schemeClr val="accent3"/>
+  <a:schemeClr val="accent4"/>
+  <a:schemeClr val="accent5"/>
+  <a:schemeClr val="accent6"/>
+  <cs:variation/>
+  <cs:variation>
+    <a:lumMod val="60000"/>
+  </cs:variation>
+  <cs:variation>
+    <a:lumMod val="80000"/>
+    <a:lumOff val="20000"/>
+  </cs:variation>
+  <cs:variation>
+    <a:lumMod val="80000"/>
+  </cs:variation>
+  <cs:variation>
+    <a:lumMod val="60000"/>
+    <a:lumOff val="40000"/>
+  </cs:variation>
+  <cs:variation>
+    <a:lumMod val="50000"/>
+  </cs:variation>
+  <cs:variation>
+    <a:lumMod val="70000"/>
+    <a:lumOff val="30000"/>
+  </cs:variation>
+  <cs:variation>
+    <a:lumMod val="70000"/>
+  </cs:variation>
+  <cs:variation>
+    <a:lumMod val="50000"/>
+    <a:lumOff val="50000"/>
+  </cs:variation>
+</cs:colorStyle>
+</file>
+
+<file path=ppt/charts/colors4.xml><?xml version="1.0" encoding="utf-8"?>
+<cs:colorStyle xmlns:cs="http://schemas.microsoft.com/office/drawing/2012/chartStyle" xmlns:a="http://schemas.openxmlformats.org/drawingml/2006/main" meth="cycle" id="10">
+  <a:schemeClr val="accent1"/>
+  <a:schemeClr val="accent2"/>
+  <a:schemeClr val="accent3"/>
+  <a:schemeClr val="accent4"/>
+  <a:schemeClr val="accent5"/>
+  <a:schemeClr val="accent6"/>
+  <cs:variation/>
+  <cs:variation>
+    <a:lumMod val="60000"/>
+  </cs:variation>
+  <cs:variation>
+    <a:lumMod val="80000"/>
+    <a:lumOff val="20000"/>
+  </cs:variation>
+  <cs:variation>
+    <a:lumMod val="80000"/>
+  </cs:variation>
+  <cs:variation>
+    <a:lumMod val="60000"/>
+    <a:lumOff val="40000"/>
+  </cs:variation>
+  <cs:variation>
+    <a:lumMod val="50000"/>
+  </cs:variation>
+  <cs:variation>
+    <a:lumMod val="70000"/>
+    <a:lumOff val="30000"/>
+  </cs:variation>
+  <cs:variation>
+    <a:lumMod val="70000"/>
+  </cs:variation>
+  <cs:variation>
+    <a:lumMod val="50000"/>
+    <a:lumOff val="50000"/>
+  </cs:variation>
+</cs:colorStyle>
+</file>
+
+<file path=ppt/charts/colors5.xml><?xml version="1.0" encoding="utf-8"?>
+<cs:colorStyle xmlns:cs="http://schemas.microsoft.com/office/drawing/2012/chartStyle" xmlns:a="http://schemas.openxmlformats.org/drawingml/2006/main" meth="cycle" id="10">
+  <a:schemeClr val="accent1"/>
+  <a:schemeClr val="accent2"/>
+  <a:schemeClr val="accent3"/>
+  <a:schemeClr val="accent4"/>
+  <a:schemeClr val="accent5"/>
+  <a:schemeClr val="accent6"/>
+  <cs:variation/>
+  <cs:variation>
+    <a:lumMod val="60000"/>
+  </cs:variation>
+  <cs:variation>
+    <a:lumMod val="80000"/>
+    <a:lumOff val="20000"/>
+  </cs:variation>
+  <cs:variation>
+    <a:lumMod val="80000"/>
+  </cs:variation>
+  <cs:variation>
+    <a:lumMod val="60000"/>
+    <a:lumOff val="40000"/>
+  </cs:variation>
+  <cs:variation>
+    <a:lumMod val="50000"/>
+  </cs:variation>
+  <cs:variation>
+    <a:lumMod val="70000"/>
+    <a:lumOff val="30000"/>
+  </cs:variation>
+  <cs:variation>
+    <a:lumMod val="70000"/>
+  </cs:variation>
+  <cs:variation>
+    <a:lumMod val="50000"/>
+    <a:lumOff val="50000"/>
+  </cs:variation>
+</cs:colorStyle>
+</file>
+
+<file path=ppt/charts/style1.xml><?xml version="1.0" encoding="utf-8"?>
+<cs:chartStyle xmlns:cs="http://schemas.microsoft.com/office/drawing/2012/chartStyle" xmlns:a="http://schemas.openxmlformats.org/drawingml/2006/main" id="349">
+  <cs:axisTitle>
+    <cs:lnRef idx="0"/>
+    <cs:fillRef idx="0"/>
+    <cs:effectRef idx="0"/>
+    <cs:fontRef idx="minor">
+      <a:schemeClr val="tx1">
+        <a:lumMod val="65000"/>
+        <a:lumOff val="35000"/>
+      </a:schemeClr>
+    </cs:fontRef>
+    <cs:defRPr sz="1197" kern="1200" cap="all"/>
+  </cs:axisTitle>
+  <cs:categoryAxis>
+    <cs:lnRef idx="0"/>
+    <cs:fillRef idx="0"/>
+    <cs:effectRef idx="0"/>
+    <cs:fontRef idx="minor">
+      <a:schemeClr val="tx1">
+        <a:lumMod val="65000"/>
+        <a:lumOff val="35000"/>
+      </a:schemeClr>
+    </cs:fontRef>
+    <cs:spPr/>
+    <cs:defRPr sz="1197" kern="1200"/>
+  </cs:categoryAxis>
+  <cs:chartArea mods="allowNoFillOverride allowNoLineOverride">
+    <cs:lnRef idx="0"/>
+    <cs:fillRef idx="0"/>
+    <cs:effectRef idx="0"/>
+    <cs:fontRef idx="minor">
+      <a:schemeClr val="dk1"/>
+    </cs:fontRef>
+    <cs:spPr>
+      <a:solidFill>
+        <a:schemeClr val="bg1"/>
+      </a:solidFill>
+      <a:ln w="9525" cap="flat" cmpd="sng" algn="ctr">
+        <a:solidFill>
+          <a:schemeClr val="tx1">
+            <a:lumMod val="15000"/>
+            <a:lumOff val="85000"/>
+          </a:schemeClr>
+        </a:solidFill>
+        <a:round/>
+      </a:ln>
+    </cs:spPr>
+    <cs:defRPr sz="1197" kern="1200"/>
+  </cs:chartArea>
+  <cs:dataLabel>
+    <cs:lnRef idx="0"/>
+    <cs:fillRef idx="0"/>
+    <cs:effectRef idx="0"/>
+    <cs:fontRef idx="minor">
+      <a:schemeClr val="tx1">
+        <a:lumMod val="75000"/>
+        <a:lumOff val="25000"/>
+      </a:schemeClr>
+    </cs:fontRef>
+    <cs:defRPr sz="1197" kern="1200"/>
+  </cs:dataLabel>
+  <cs:dataLabelCallout>
+    <cs:lnRef idx="0"/>
+    <cs:fillRef idx="0"/>
+    <cs:effectRef idx="0"/>
+    <cs:fontRef idx="minor">
+      <a:schemeClr val="bg1"/>
+    </cs:fontRef>
+    <cs:spPr>
+      <a:solidFill>
+        <a:schemeClr val="tx1">
+          <a:lumMod val="50000"/>
+          <a:lumOff val="50000"/>
+        </a:schemeClr>
+      </a:solidFill>
+    </cs:spPr>
+    <cs:defRPr sz="1197" kern="1200"/>
+    <cs:bodyPr rot="0" spcFirstLastPara="1" vertOverflow="clip" horzOverflow="clip" vert="horz" wrap="square" lIns="36576" tIns="18288" rIns="36576" bIns="18288" anchor="ctr" anchorCtr="1">
+      <a:spAutoFit/>
+    </cs:bodyPr>
+  </cs:dataLabelCallout>
+  <cs:dataPoint>
+    <cs:lnRef idx="0"/>
+    <cs:fillRef idx="0">
+      <cs:styleClr val="auto"/>
+    </cs:fillRef>
+    <cs:effectRef idx="0"/>
+    <cs:fontRef idx="minor">
+      <a:schemeClr val="dk1"/>
+    </cs:fontRef>
+    <cs:spPr>
+      <a:gradFill flip="none" rotWithShape="1">
+        <a:gsLst>
+          <a:gs pos="0">
+            <a:schemeClr val="phClr"/>
+          </a:gs>
+          <a:gs pos="75000">
+            <a:schemeClr val="phClr">
+              <a:lumMod val="60000"/>
+              <a:lumOff val="40000"/>
+            </a:schemeClr>
+          </a:gs>
+          <a:gs pos="51000">
+            <a:schemeClr val="phClr">
+              <a:alpha val="75000"/>
+            </a:schemeClr>
+          </a:gs>
+          <a:gs pos="100000">
+            <a:schemeClr val="phClr">
+              <a:lumMod val="20000"/>
+              <a:lumOff val="80000"/>
+              <a:alpha val="15000"/>
+            </a:schemeClr>
+          </a:gs>
+        </a:gsLst>
+        <a:lin ang="10800000" scaled="1"/>
+      </a:gradFill>
+    </cs:spPr>
+  </cs:dataPoint>
+  <cs:dataPoint3D>
+    <cs:lnRef idx="0"/>
+    <cs:fillRef idx="0">
+      <cs:styleClr val="auto"/>
+    </cs:fillRef>
+    <cs:effectRef idx="0"/>
+    <cs:fontRef idx="minor">
+      <a:schemeClr val="tx1"/>
+    </cs:fontRef>
+    <cs:spPr>
+      <a:gradFill flip="none" rotWithShape="1">
+        <a:gsLst>
+          <a:gs pos="100000">
+            <a:schemeClr val="phClr">
+              <a:alpha val="0"/>
+            </a:schemeClr>
+          </a:gs>
+          <a:gs pos="50000">
+            <a:schemeClr val="phClr"/>
+          </a:gs>
+        </a:gsLst>
+        <a:lin ang="10800000" scaled="1"/>
+      </a:gradFill>
+      <a:sp3d/>
+    </cs:spPr>
+  </cs:dataPoint3D>
+  <cs:dataPointLine>
+    <cs:lnRef idx="0">
+      <cs:styleClr val="auto"/>
+    </cs:lnRef>
+    <cs:fillRef idx="0"/>
+    <cs:effectRef idx="0"/>
+    <cs:fontRef idx="minor">
+      <a:schemeClr val="dk1"/>
+    </cs:fontRef>
+    <cs:spPr>
+      <a:ln w="28575" cap="rnd">
+        <a:solidFill>
+          <a:schemeClr val="phClr"/>
+        </a:solidFill>
+        <a:round/>
+      </a:ln>
+    </cs:spPr>
+  </cs:dataPointLine>
+  <cs:dataPointMarker>
+    <cs:lnRef idx="0">
+      <cs:styleClr val="auto"/>
+    </cs:lnRef>
+    <cs:fillRef idx="0">
+      <cs:styleClr val="auto"/>
+    </cs:fillRef>
+    <cs:effectRef idx="0"/>
+    <cs:fontRef idx="minor">
+      <a:schemeClr val="dk1"/>
+    </cs:fontRef>
+    <cs:spPr>
+      <a:gradFill flip="none" rotWithShape="1">
+        <a:gsLst>
+          <a:gs pos="0">
+            <a:schemeClr val="phClr"/>
+          </a:gs>
+          <a:gs pos="75000">
+            <a:schemeClr val="phClr">
+              <a:lumMod val="60000"/>
+              <a:lumOff val="40000"/>
+            </a:schemeClr>
+          </a:gs>
+          <a:gs pos="51000">
+            <a:schemeClr val="phClr">
+              <a:alpha val="75000"/>
+            </a:schemeClr>
+          </a:gs>
+          <a:gs pos="100000">
+            <a:schemeClr val="phClr">
+              <a:lumMod val="20000"/>
+              <a:lumOff val="80000"/>
+              <a:alpha val="15000"/>
+            </a:schemeClr>
+          </a:gs>
+        </a:gsLst>
+        <a:lin ang="5400000" scaled="0"/>
+      </a:gradFill>
+      <a:ln w="9525" cap="flat" cmpd="sng" algn="ctr">
+        <a:solidFill>
+          <a:schemeClr val="phClr">
+            <a:shade val="95000"/>
+          </a:schemeClr>
+        </a:solidFill>
+        <a:round/>
+      </a:ln>
+    </cs:spPr>
+  </cs:dataPointMarker>
+  <cs:dataPointMarkerLayout symbol="circle" size="6"/>
+  <cs:dataPointWireframe>
+    <cs:lnRef idx="0">
+      <cs:styleClr val="auto"/>
+    </cs:lnRef>
+    <cs:fillRef idx="0"/>
+    <cs:effectRef idx="0"/>
+    <cs:fontRef idx="minor">
+      <a:schemeClr val="dk1"/>
+    </cs:fontRef>
+    <cs:spPr>
+      <a:ln w="9525" cap="rnd">
+        <a:solidFill>
+          <a:schemeClr val="phClr"/>
+        </a:solidFill>
+        <a:round/>
+      </a:ln>
+    </cs:spPr>
+  </cs:dataPointWireframe>
+  <cs:dataTable>
+    <cs:lnRef idx="0"/>
+    <cs:fillRef idx="0"/>
+    <cs:effectRef idx="0"/>
+    <cs:fontRef idx="minor">
+      <a:schemeClr val="tx1">
+        <a:lumMod val="65000"/>
+        <a:lumOff val="35000"/>
+      </a:schemeClr>
+    </cs:fontRef>
+    <cs:spPr>
+      <a:ln w="9525">
+        <a:solidFill>
+          <a:schemeClr val="tx1">
+            <a:lumMod val="15000"/>
+            <a:lumOff val="85000"/>
+          </a:schemeClr>
+        </a:solidFill>
+      </a:ln>
+    </cs:spPr>
+    <cs:defRPr sz="1197" kern="1200"/>
+  </cs:dataTable>
+  <cs:downBar>
+    <cs:lnRef idx="0"/>
+    <cs:fillRef idx="0"/>
+    <cs:effectRef idx="0"/>
+    <cs:fontRef idx="minor">
+      <a:schemeClr val="dk1"/>
+    </cs:fontRef>
+    <cs:spPr>
+      <a:solidFill>
+        <a:schemeClr val="dk1">
+          <a:lumMod val="75000"/>
+          <a:lumOff val="25000"/>
+        </a:schemeClr>
+      </a:solidFill>
+      <a:ln w="9525">
+        <a:solidFill>
+          <a:schemeClr val="tx1">
+            <a:lumMod val="65000"/>
+            <a:lumOff val="35000"/>
+          </a:schemeClr>
+        </a:solidFill>
+      </a:ln>
+    </cs:spPr>
+  </cs:downBar>
+  <cs:dropLine>
+    <cs:lnRef idx="0"/>
+    <cs:fillRef idx="0"/>
+    <cs:effectRef idx="0"/>
+    <cs:fontRef idx="minor">
+      <a:schemeClr val="dk1"/>
+    </cs:fontRef>
+    <cs:spPr>
+      <a:ln w="9525">
+        <a:solidFill>
+          <a:schemeClr val="tx1">
+            <a:lumMod val="35000"/>
+            <a:lumOff val="65000"/>
+          </a:schemeClr>
+        </a:solidFill>
+      </a:ln>
+    </cs:spPr>
+  </cs:dropLine>
+  <cs:errorBar>
+    <cs:lnRef idx="0"/>
+    <cs:fillRef idx="0"/>
+    <cs:effectRef idx="0"/>
+    <cs:fontRef idx="minor">
+      <a:schemeClr val="dk1"/>
+    </cs:fontRef>
+    <cs:spPr>
+      <a:ln w="9525" cap="flat" cmpd="sng" algn="ctr">
+        <a:solidFill>
+          <a:schemeClr val="tx1">
+            <a:lumMod val="65000"/>
+            <a:lumOff val="35000"/>
+          </a:schemeClr>
+        </a:solidFill>
+        <a:round/>
+      </a:ln>
+    </cs:spPr>
+  </cs:errorBar>
+  <cs:floor>
+    <cs:lnRef idx="0"/>
+    <cs:fillRef idx="0"/>
+    <cs:effectRef idx="0"/>
+    <cs:fontRef idx="minor">
+      <a:schemeClr val="dk1"/>
+    </cs:fontRef>
+  </cs:floor>
+  <cs:gridlineMajor>
+    <cs:lnRef idx="0"/>
+    <cs:fillRef idx="0"/>
+    <cs:effectRef idx="0"/>
+    <cs:fontRef idx="minor">
+      <a:schemeClr val="tx1"/>
+    </cs:fontRef>
+    <cs:spPr>
+      <a:ln w="9525" cap="flat" cmpd="sng" algn="ctr">
+        <a:solidFill>
+          <a:schemeClr val="tx1">
+            <a:lumMod val="5000"/>
+            <a:lumOff val="95000"/>
+          </a:schemeClr>
+        </a:solidFill>
+        <a:round/>
+      </a:ln>
+    </cs:spPr>
+  </cs:gridlineMajor>
+  <cs:gridlineMinor>
+    <cs:lnRef idx="0"/>
+    <cs:fillRef idx="0"/>
+    <cs:effectRef idx="0"/>
+    <cs:fontRef idx="minor">
+      <a:schemeClr val="tx1"/>
+    </cs:fontRef>
+    <cs:spPr>
+      <a:ln w="9525" cap="flat" cmpd="sng" algn="ctr">
+        <a:solidFill>
+          <a:schemeClr val="tx1">
+            <a:lumMod val="5000"/>
+            <a:lumOff val="95000"/>
+          </a:schemeClr>
+        </a:solidFill>
+        <a:round/>
+      </a:ln>
+    </cs:spPr>
+  </cs:gridlineMinor>
+  <cs:hiLoLine>
+    <cs:lnRef idx="0"/>
+    <cs:fillRef idx="0"/>
+    <cs:effectRef idx="0"/>
+    <cs:fontRef idx="minor">
+      <a:schemeClr val="dk1"/>
+    </cs:fontRef>
+    <cs:spPr>
+      <a:ln w="9525">
+        <a:solidFill>
+          <a:schemeClr val="tx1">
+            <a:lumMod val="50000"/>
+            <a:lumOff val="50000"/>
+          </a:schemeClr>
+        </a:solidFill>
+      </a:ln>
+    </cs:spPr>
+  </cs:hiLoLine>
+  <cs:leaderLine>
+    <cs:lnRef idx="0"/>
+    <cs:fillRef idx="0"/>
+    <cs:effectRef idx="0"/>
+    <cs:fontRef idx="minor">
+      <a:schemeClr val="dk1"/>
+    </cs:fontRef>
+    <cs:spPr>
+      <a:ln w="9525">
+        <a:solidFill>
+          <a:schemeClr val="tx1">
+            <a:lumMod val="35000"/>
+            <a:lumOff val="65000"/>
+          </a:schemeClr>
+        </a:solidFill>
+      </a:ln>
+    </cs:spPr>
+  </cs:leaderLine>
+  <cs:legend>
+    <cs:lnRef idx="0"/>
+    <cs:fillRef idx="0"/>
+    <cs:effectRef idx="0"/>
+    <cs:fontRef idx="minor">
+      <a:schemeClr val="tx1">
+        <a:lumMod val="65000"/>
+        <a:lumOff val="35000"/>
+      </a:schemeClr>
+    </cs:fontRef>
+    <cs:defRPr sz="1197" kern="1200"/>
+  </cs:legend>
+  <cs:plotArea mods="allowNoFillOverride allowNoLineOverride">
+    <cs:lnRef idx="0"/>
+    <cs:fillRef idx="0"/>
+    <cs:effectRef idx="0"/>
+    <cs:fontRef idx="minor">
+      <a:schemeClr val="dk1"/>
+    </cs:fontRef>
+  </cs:plotArea>
+  <cs:plotArea3D mods="allowNoFillOverride allowNoLineOverride">
+    <cs:lnRef idx="0"/>
+    <cs:fillRef idx="0"/>
+    <cs:effectRef idx="0"/>
+    <cs:fontRef idx="minor">
+      <a:schemeClr val="dk1"/>
+    </cs:fontRef>
+  </cs:plotArea3D>
+  <cs:seriesAxis>
+    <cs:lnRef idx="0"/>
+    <cs:fillRef idx="0"/>
+    <cs:effectRef idx="0"/>
+    <cs:fontRef idx="minor">
+      <a:schemeClr val="tx1">
+        <a:lumMod val="65000"/>
+        <a:lumOff val="35000"/>
+      </a:schemeClr>
+    </cs:fontRef>
+    <cs:spPr>
+      <a:ln w="9525" cap="flat" cmpd="sng" algn="ctr">
+        <a:solidFill>
+          <a:schemeClr val="tx1">
+            <a:lumMod val="15000"/>
+            <a:lumOff val="85000"/>
+          </a:schemeClr>
+        </a:solidFill>
+        <a:round/>
+        <a:headEnd type="none" w="sm" len="sm"/>
+        <a:tailEnd type="none" w="sm" len="sm"/>
+      </a:ln>
+    </cs:spPr>
+    <cs:defRPr sz="1197" kern="1200"/>
+  </cs:seriesAxis>
+  <cs:seriesLine>
+    <cs:lnRef idx="0"/>
+    <cs:fillRef idx="0"/>
+    <cs:effectRef idx="0"/>
+    <cs:fontRef idx="minor">
+      <a:schemeClr val="dk1"/>
+    </cs:fontRef>
+    <cs:spPr>
+      <a:ln w="9525">
+        <a:solidFill>
+          <a:schemeClr val="tx1">
+            <a:lumMod val="35000"/>
+            <a:lumOff val="65000"/>
+          </a:schemeClr>
+        </a:solidFill>
+        <a:round/>
+      </a:ln>
+    </cs:spPr>
+  </cs:seriesLine>
+  <cs:title>
+    <cs:lnRef idx="0"/>
+    <cs:fillRef idx="0"/>
+    <cs:effectRef idx="0"/>
+    <cs:fontRef idx="minor">
+      <a:schemeClr val="tx1">
+        <a:lumMod val="65000"/>
+        <a:lumOff val="35000"/>
+      </a:schemeClr>
+    </cs:fontRef>
+    <cs:defRPr sz="2200" b="1" kern="1200" cap="all" spc="50" baseline="0"/>
+  </cs:title>
+  <cs:trendline>
+    <cs:lnRef idx="0">
+      <cs:styleClr val="auto"/>
+    </cs:lnRef>
+    <cs:fillRef idx="0"/>
+    <cs:effectRef idx="0"/>
+    <cs:fontRef idx="minor">
+      <a:schemeClr val="dk1"/>
+    </cs:fontRef>
+    <cs:spPr>
+      <a:ln w="9525" cap="rnd">
+        <a:solidFill>
+          <a:schemeClr val="phClr"/>
+        </a:solidFill>
+      </a:ln>
+    </cs:spPr>
+  </cs:trendline>
+  <cs:trendlineLabel>
+    <cs:lnRef idx="0"/>
+    <cs:fillRef idx="0"/>
+    <cs:effectRef idx="0"/>
+    <cs:fontRef idx="minor">
+      <a:schemeClr val="tx1">
+        <a:lumMod val="65000"/>
+        <a:lumOff val="35000"/>
+      </a:schemeClr>
+    </cs:fontRef>
+    <cs:defRPr sz="1197" kern="1200"/>
+  </cs:trendlineLabel>
+  <cs:upBar>
+    <cs:lnRef idx="0"/>
+    <cs:fillRef idx="0"/>
+    <cs:effectRef idx="0"/>
+    <cs:fontRef idx="minor">
+      <a:schemeClr val="dk1"/>
+    </cs:fontRef>
+    <cs:spPr>
+      <a:solidFill>
+        <a:schemeClr val="lt1"/>
+      </a:solidFill>
+      <a:ln w="9525">
+        <a:solidFill>
+          <a:schemeClr val="tx1">
+            <a:lumMod val="65000"/>
+            <a:lumOff val="35000"/>
+          </a:schemeClr>
+        </a:solidFill>
+      </a:ln>
+    </cs:spPr>
+  </cs:upBar>
+  <cs:valueAxis>
+    <cs:lnRef idx="0"/>
+    <cs:fillRef idx="0"/>
+    <cs:effectRef idx="0"/>
+    <cs:fontRef idx="minor">
+      <a:schemeClr val="tx1">
+        <a:lumMod val="65000"/>
+        <a:lumOff val="35000"/>
+      </a:schemeClr>
+    </cs:fontRef>
+    <cs:defRPr sz="1197" kern="1200"/>
+  </cs:valueAxis>
+  <cs:wall>
+    <cs:lnRef idx="0"/>
+    <cs:fillRef idx="0"/>
+    <cs:effectRef idx="0"/>
+    <cs:fontRef idx="minor">
+      <a:schemeClr val="dk1"/>
+    </cs:fontRef>
+  </cs:wall>
+</cs:chartStyle>
+</file>
+
+<file path=ppt/charts/style2.xml><?xml version="1.0" encoding="utf-8"?>
+<cs:chartStyle xmlns:cs="http://schemas.microsoft.com/office/drawing/2012/chartStyle" xmlns:a="http://schemas.openxmlformats.org/drawingml/2006/main" id="227">
+  <cs:axisTitle>
+    <cs:lnRef idx="0"/>
+    <cs:fillRef idx="0"/>
+    <cs:effectRef idx="0"/>
+    <cs:fontRef idx="minor">
+      <a:schemeClr val="tx1">
+        <a:lumMod val="65000"/>
+        <a:lumOff val="35000"/>
+      </a:schemeClr>
+    </cs:fontRef>
+    <cs:defRPr sz="1330" kern="1200"/>
+  </cs:axisTitle>
+  <cs:categoryAxis>
+    <cs:lnRef idx="0"/>
+    <cs:fillRef idx="0"/>
+    <cs:effectRef idx="0"/>
+    <cs:fontRef idx="minor">
+      <a:schemeClr val="tx1">
+        <a:lumMod val="65000"/>
+        <a:lumOff val="35000"/>
+      </a:schemeClr>
+    </cs:fontRef>
+    <cs:spPr>
+      <a:ln w="9525" cap="flat" cmpd="sng" algn="ctr">
+        <a:solidFill>
+          <a:schemeClr val="tx1">
+            <a:lumMod val="15000"/>
+            <a:lumOff val="85000"/>
+          </a:schemeClr>
+        </a:solidFill>
+        <a:round/>
+      </a:ln>
+    </cs:spPr>
+    <cs:defRPr sz="1197" kern="1200"/>
+  </cs:categoryAxis>
+  <cs:chartArea mods="allowNoFillOverride allowNoLineOverride">
+    <cs:lnRef idx="0"/>
+    <cs:fillRef idx="0"/>
+    <cs:effectRef idx="0"/>
+    <cs:fontRef idx="minor">
+      <a:schemeClr val="tx1"/>
+    </cs:fontRef>
+    <cs:spPr>
+      <a:solidFill>
+        <a:schemeClr val="bg1"/>
+      </a:solidFill>
+      <a:ln w="9525" cap="flat" cmpd="sng" algn="ctr">
+        <a:solidFill>
+          <a:schemeClr val="tx1">
+            <a:lumMod val="15000"/>
+            <a:lumOff val="85000"/>
+          </a:schemeClr>
+        </a:solidFill>
+        <a:round/>
+      </a:ln>
+    </cs:spPr>
+    <cs:defRPr sz="1330" kern="1200"/>
+  </cs:chartArea>
+  <cs:dataLabel>
+    <cs:lnRef idx="0"/>
+    <cs:fillRef idx="0"/>
+    <cs:effectRef idx="0"/>
+    <cs:fontRef idx="minor">
+      <a:schemeClr val="tx1">
+        <a:lumMod val="75000"/>
+        <a:lumOff val="25000"/>
+      </a:schemeClr>
+    </cs:fontRef>
+    <cs:defRPr sz="1197" kern="1200"/>
+  </cs:dataLabel>
+  <cs:dataLabelCallout>
+    <cs:lnRef idx="0"/>
+    <cs:fillRef idx="0"/>
+    <cs:effectRef idx="0"/>
+    <cs:fontRef idx="minor">
+      <a:schemeClr val="dk1">
+        <a:lumMod val="65000"/>
+        <a:lumOff val="35000"/>
+      </a:schemeClr>
+    </cs:fontRef>
+    <cs:spPr>
+      <a:solidFill>
+        <a:schemeClr val="lt1"/>
+      </a:solidFill>
+      <a:ln>
+        <a:solidFill>
+          <a:schemeClr val="dk1">
+            <a:lumMod val="25000"/>
+            <a:lumOff val="75000"/>
+          </a:schemeClr>
+        </a:solidFill>
+      </a:ln>
+    </cs:spPr>
+    <cs:defRPr sz="1197" kern="1200"/>
+    <cs:bodyPr rot="0" spcFirstLastPara="1" vertOverflow="clip" horzOverflow="clip" vert="horz" wrap="square" lIns="36576" tIns="18288" rIns="36576" bIns="18288" anchor="ctr" anchorCtr="1">
+      <a:spAutoFit/>
+    </cs:bodyPr>
+  </cs:dataLabelCallout>
+  <cs:dataPoint>
+    <cs:lnRef idx="0"/>
+    <cs:fillRef idx="1">
+      <cs:styleClr val="auto"/>
+    </cs:fillRef>
+    <cs:effectRef idx="0"/>
+    <cs:fontRef idx="minor">
+      <a:schemeClr val="tx1"/>
+    </cs:fontRef>
+    <cs:spPr>
+      <a:solidFill>
+        <a:schemeClr val="phClr"/>
+      </a:solidFill>
+    </cs:spPr>
+  </cs:dataPoint>
+  <cs:dataPoint3D>
+    <cs:lnRef idx="0"/>
+    <cs:fillRef idx="1">
+      <cs:styleClr val="auto"/>
+    </cs:fillRef>
+    <cs:effectRef idx="0"/>
+    <cs:fontRef idx="minor">
+      <a:schemeClr val="tx1"/>
+    </cs:fontRef>
+    <cs:spPr>
+      <a:solidFill>
+        <a:schemeClr val="phClr"/>
+      </a:solidFill>
+    </cs:spPr>
+  </cs:dataPoint3D>
+  <cs:dataPointLine>
+    <cs:lnRef idx="0">
+      <cs:styleClr val="auto"/>
+    </cs:lnRef>
+    <cs:fillRef idx="1"/>
+    <cs:effectRef idx="0"/>
+    <cs:fontRef idx="minor">
+      <a:schemeClr val="tx1"/>
+    </cs:fontRef>
+    <cs:spPr>
+      <a:ln w="28575" cap="rnd">
+        <a:solidFill>
+          <a:schemeClr val="phClr"/>
+        </a:solidFill>
+        <a:round/>
+      </a:ln>
+    </cs:spPr>
+  </cs:dataPointLine>
+  <cs:dataPointMarker>
+    <cs:lnRef idx="0">
+      <cs:styleClr val="auto"/>
+    </cs:lnRef>
+    <cs:fillRef idx="1">
+      <cs:styleClr val="auto"/>
+    </cs:fillRef>
+    <cs:effectRef idx="0"/>
+    <cs:fontRef idx="minor">
+      <a:schemeClr val="tx1"/>
+    </cs:fontRef>
+    <cs:spPr>
+      <a:solidFill>
+        <a:schemeClr val="phClr"/>
+      </a:solidFill>
+      <a:ln w="9525">
+        <a:solidFill>
+          <a:schemeClr val="phClr"/>
+        </a:solidFill>
+      </a:ln>
+    </cs:spPr>
+  </cs:dataPointMarker>
+  <cs:dataPointMarkerLayout symbol="circle" size="5"/>
+  <cs:dataPointWireframe>
+    <cs:lnRef idx="0">
+      <cs:styleClr val="auto"/>
+    </cs:lnRef>
+    <cs:fillRef idx="1"/>
+    <cs:effectRef idx="0"/>
+    <cs:fontRef idx="minor">
+      <a:schemeClr val="tx1"/>
+    </cs:fontRef>
+    <cs:spPr>
+      <a:ln w="9525" cap="rnd">
+        <a:solidFill>
+          <a:schemeClr val="phClr"/>
+        </a:solidFill>
+        <a:round/>
+      </a:ln>
+    </cs:spPr>
+  </cs:dataPointWireframe>
+  <cs:dataTable>
+    <cs:lnRef idx="0"/>
+    <cs:fillRef idx="0"/>
+    <cs:effectRef idx="0"/>
+    <cs:fontRef idx="minor">
+      <a:schemeClr val="tx1">
+        <a:lumMod val="65000"/>
+        <a:lumOff val="35000"/>
+      </a:schemeClr>
+    </cs:fontRef>
+    <cs:spPr>
+      <a:noFill/>
+      <a:ln w="9525" cap="flat" cmpd="sng" algn="ctr">
+        <a:solidFill>
+          <a:schemeClr val="tx1">
+            <a:lumMod val="15000"/>
+            <a:lumOff val="85000"/>
+          </a:schemeClr>
+        </a:solidFill>
+        <a:round/>
+      </a:ln>
+    </cs:spPr>
+    <cs:defRPr sz="1197" kern="1200"/>
+  </cs:dataTable>
+  <cs:downBar>
+    <cs:lnRef idx="0"/>
+    <cs:fillRef idx="0"/>
+    <cs:effectRef idx="0"/>
+    <cs:fontRef idx="minor">
+      <a:schemeClr val="dk1"/>
+    </cs:fontRef>
+    <cs:spPr>
+      <a:solidFill>
+        <a:schemeClr val="dk1">
+          <a:lumMod val="65000"/>
+          <a:lumOff val="35000"/>
+        </a:schemeClr>
+      </a:solidFill>
+      <a:ln w="9525">
+        <a:solidFill>
+          <a:schemeClr val="tx1">
+            <a:lumMod val="65000"/>
+            <a:lumOff val="35000"/>
+          </a:schemeClr>
+        </a:solidFill>
+      </a:ln>
+    </cs:spPr>
+  </cs:downBar>
+  <cs:dropLine>
+    <cs:lnRef idx="0"/>
+    <cs:fillRef idx="0"/>
+    <cs:effectRef idx="0"/>
+    <cs:fontRef idx="minor">
+      <a:schemeClr val="tx1"/>
+    </cs:fontRef>
+    <cs:spPr>
+      <a:ln w="9525" cap="flat" cmpd="sng" algn="ctr">
+        <a:solidFill>
+          <a:schemeClr val="tx1">
+            <a:lumMod val="35000"/>
+            <a:lumOff val="65000"/>
+          </a:schemeClr>
+        </a:solidFill>
+        <a:round/>
+      </a:ln>
+    </cs:spPr>
+  </cs:dropLine>
+  <cs:errorBar>
+    <cs:lnRef idx="0"/>
+    <cs:fillRef idx="0"/>
+    <cs:effectRef idx="0"/>
+    <cs:fontRef idx="minor">
+      <a:schemeClr val="tx1"/>
+    </cs:fontRef>
+    <cs:spPr>
+      <a:ln w="9525" cap="flat" cmpd="sng" algn="ctr">
+        <a:solidFill>
+          <a:schemeClr val="tx1">
+            <a:lumMod val="65000"/>
+            <a:lumOff val="35000"/>
+          </a:schemeClr>
+        </a:solidFill>
+        <a:round/>
+      </a:ln>
+    </cs:spPr>
+  </cs:errorBar>
+  <cs:floor>
+    <cs:lnRef idx="0"/>
+    <cs:fillRef idx="0"/>
+    <cs:effectRef idx="0"/>
+    <cs:fontRef idx="minor">
+      <a:schemeClr val="tx1"/>
+    </cs:fontRef>
+    <cs:spPr>
+      <a:noFill/>
+      <a:ln>
+        <a:noFill/>
+      </a:ln>
+    </cs:spPr>
+  </cs:floor>
+  <cs:gridlineMajor>
+    <cs:lnRef idx="0"/>
+    <cs:fillRef idx="0"/>
+    <cs:effectRef idx="0"/>
+    <cs:fontRef idx="minor">
+      <a:schemeClr val="tx1"/>
+    </cs:fontRef>
+    <cs:spPr>
+      <a:ln w="9525" cap="flat" cmpd="sng" algn="ctr">
+        <a:solidFill>
+          <a:schemeClr val="tx1">
+            <a:lumMod val="15000"/>
+            <a:lumOff val="85000"/>
+          </a:schemeClr>
+        </a:solidFill>
+        <a:round/>
+      </a:ln>
+    </cs:spPr>
+  </cs:gridlineMajor>
+  <cs:gridlineMinor>
+    <cs:lnRef idx="0"/>
+    <cs:fillRef idx="0"/>
+    <cs:effectRef idx="0"/>
+    <cs:fontRef idx="minor">
+      <a:schemeClr val="tx1"/>
+    </cs:fontRef>
+    <cs:spPr>
+      <a:ln w="9525" cap="flat" cmpd="sng" algn="ctr">
+        <a:solidFill>
+          <a:schemeClr val="tx1">
+            <a:lumMod val="5000"/>
+            <a:lumOff val="95000"/>
+          </a:schemeClr>
+        </a:solidFill>
+        <a:round/>
+      </a:ln>
+    </cs:spPr>
+  </cs:gridlineMinor>
+  <cs:hiLoLine>
+    <cs:lnRef idx="0"/>
+    <cs:fillRef idx="0"/>
+    <cs:effectRef idx="0"/>
+    <cs:fontRef idx="minor">
+      <a:schemeClr val="tx1"/>
+    </cs:fontRef>
+    <cs:spPr>
+      <a:ln w="9525" cap="flat" cmpd="sng" algn="ctr">
+        <a:solidFill>
+          <a:schemeClr val="tx1">
+            <a:lumMod val="75000"/>
+            <a:lumOff val="25000"/>
+          </a:schemeClr>
+        </a:solidFill>
+        <a:round/>
+      </a:ln>
+    </cs:spPr>
+  </cs:hiLoLine>
+  <cs:leaderLine>
+    <cs:lnRef idx="0"/>
+    <cs:fillRef idx="0"/>
+    <cs:effectRef idx="0"/>
+    <cs:fontRef idx="minor">
+      <a:schemeClr val="tx1"/>
+    </cs:fontRef>
+    <cs:spPr>
+      <a:ln w="9525" cap="flat" cmpd="sng" algn="ctr">
+        <a:solidFill>
+          <a:schemeClr val="tx1">
+            <a:lumMod val="35000"/>
+            <a:lumOff val="65000"/>
+          </a:schemeClr>
+        </a:solidFill>
+        <a:round/>
+      </a:ln>
+    </cs:spPr>
+  </cs:leaderLine>
+  <cs:legend>
+    <cs:lnRef idx="0"/>
+    <cs:fillRef idx="0"/>
+    <cs:effectRef idx="0"/>
+    <cs:fontRef idx="minor">
+      <a:schemeClr val="tx1">
+        <a:lumMod val="65000"/>
+        <a:lumOff val="35000"/>
+      </a:schemeClr>
+    </cs:fontRef>
+    <cs:defRPr sz="1197" kern="1200"/>
+  </cs:legend>
+  <cs:plotArea mods="allowNoFillOverride allowNoLineOverride">
+    <cs:lnRef idx="0"/>
+    <cs:fillRef idx="0"/>
+    <cs:effectRef idx="0"/>
+    <cs:fontRef idx="minor">
+      <a:schemeClr val="tx1"/>
+    </cs:fontRef>
+  </cs:plotArea>
+  <cs:plotArea3D mods="allowNoFillOverride allowNoLineOverride">
+    <cs:lnRef idx="0"/>
+    <cs:fillRef idx="0"/>
+    <cs:effectRef idx="0"/>
+    <cs:fontRef idx="minor">
+      <a:schemeClr val="tx1"/>
+    </cs:fontRef>
+  </cs:plotArea3D>
+  <cs:seriesAxis>
+    <cs:lnRef idx="0"/>
+    <cs:fillRef idx="0"/>
+    <cs:effectRef idx="0"/>
+    <cs:fontRef idx="minor">
+      <a:schemeClr val="tx1">
+        <a:lumMod val="65000"/>
+        <a:lumOff val="35000"/>
+      </a:schemeClr>
+    </cs:fontRef>
+    <cs:defRPr sz="1197" kern="1200"/>
+  </cs:seriesAxis>
+  <cs:seriesLine>
+    <cs:lnRef idx="0"/>
+    <cs:fillRef idx="0"/>
+    <cs:effectRef idx="0"/>
+    <cs:fontRef idx="minor">
+      <a:schemeClr val="tx1"/>
+    </cs:fontRef>
+    <cs:spPr>
+      <a:ln w="9525" cap="flat" cmpd="sng" algn="ctr">
+        <a:solidFill>
+          <a:schemeClr val="tx1">
+            <a:lumMod val="35000"/>
+            <a:lumOff val="65000"/>
+          </a:schemeClr>
+        </a:solidFill>
+        <a:round/>
+      </a:ln>
+    </cs:spPr>
+  </cs:seriesLine>
+  <cs:title>
+    <cs:lnRef idx="0"/>
+    <cs:fillRef idx="0"/>
+    <cs:effectRef idx="0"/>
+    <cs:fontRef idx="minor">
+      <a:schemeClr val="tx1">
+        <a:lumMod val="65000"/>
+        <a:lumOff val="35000"/>
+      </a:schemeClr>
+    </cs:fontRef>
+    <cs:defRPr sz="1862" b="0" kern="1200" spc="0" baseline="0"/>
+  </cs:title>
+  <cs:trendline>
+    <cs:lnRef idx="0">
+      <cs:styleClr val="auto"/>
+    </cs:lnRef>
+    <cs:fillRef idx="0"/>
+    <cs:effectRef idx="0"/>
+    <cs:fontRef idx="minor">
+      <a:schemeClr val="tx1"/>
+    </cs:fontRef>
+    <cs:spPr>
+      <a:ln w="19050" cap="rnd">
+        <a:solidFill>
+          <a:schemeClr val="phClr"/>
+        </a:solidFill>
+        <a:prstDash val="sysDot"/>
+      </a:ln>
+    </cs:spPr>
+  </cs:trendline>
+  <cs:trendlineLabel>
+    <cs:lnRef idx="0"/>
+    <cs:fillRef idx="0"/>
+    <cs:effectRef idx="0"/>
+    <cs:fontRef idx="minor">
+      <a:schemeClr val="tx1">
+        <a:lumMod val="65000"/>
+        <a:lumOff val="35000"/>
+      </a:schemeClr>
+    </cs:fontRef>
+    <cs:defRPr sz="1197" kern="1200"/>
+  </cs:trendlineLabel>
+  <cs:upBar>
+    <cs:lnRef idx="0"/>
+    <cs:fillRef idx="0"/>
+    <cs:effectRef idx="0"/>
+    <cs:fontRef idx="minor">
+      <a:schemeClr val="dk1"/>
+    </cs:fontRef>
+    <cs:spPr>
+      <a:solidFill>
+        <a:schemeClr val="lt1"/>
+      </a:solidFill>
+      <a:ln w="9525">
+        <a:solidFill>
+          <a:schemeClr val="tx1">
+            <a:lumMod val="15000"/>
+            <a:lumOff val="85000"/>
+          </a:schemeClr>
+        </a:solidFill>
+      </a:ln>
+    </cs:spPr>
+  </cs:upBar>
+  <cs:valueAxis>
+    <cs:lnRef idx="0"/>
+    <cs:fillRef idx="0"/>
+    <cs:effectRef idx="0"/>
+    <cs:fontRef idx="minor">
+      <a:schemeClr val="tx1">
+        <a:lumMod val="65000"/>
+        <a:lumOff val="35000"/>
+      </a:schemeClr>
+    </cs:fontRef>
+    <cs:defRPr sz="1197" kern="1200"/>
+  </cs:valueAxis>
+  <cs:wall>
+    <cs:lnRef idx="0"/>
+    <cs:fillRef idx="0"/>
+    <cs:effectRef idx="0"/>
+    <cs:fontRef idx="minor">
+      <a:schemeClr val="tx1"/>
+    </cs:fontRef>
+    <cs:spPr>
+      <a:noFill/>
+      <a:ln>
+        <a:noFill/>
+      </a:ln>
+    </cs:spPr>
+  </cs:wall>
+</cs:chartStyle>
+</file>
+
+<file path=ppt/charts/style3.xml><?xml version="1.0" encoding="utf-8"?>
+<cs:chartStyle xmlns:cs="http://schemas.microsoft.com/office/drawing/2012/chartStyle" xmlns:a="http://schemas.openxmlformats.org/drawingml/2006/main" id="216">
+  <cs:axisTitle>
+    <cs:lnRef idx="0"/>
+    <cs:fillRef idx="0"/>
+    <cs:effectRef idx="0"/>
+    <cs:fontRef idx="minor">
+      <a:schemeClr val="tx1">
+        <a:lumMod val="65000"/>
+        <a:lumOff val="35000"/>
+      </a:schemeClr>
+    </cs:fontRef>
+    <cs:defRPr sz="1330" kern="1200"/>
+  </cs:axisTitle>
+  <cs:categoryAxis>
+    <cs:lnRef idx="0"/>
+    <cs:fillRef idx="0"/>
+    <cs:effectRef idx="0"/>
+    <cs:fontRef idx="minor">
+      <a:schemeClr val="tx1">
+        <a:lumMod val="65000"/>
+        <a:lumOff val="35000"/>
+      </a:schemeClr>
+    </cs:fontRef>
+    <cs:spPr>
+      <a:ln w="9525" cap="flat" cmpd="sng" algn="ctr">
+        <a:solidFill>
+          <a:schemeClr val="tx1">
+            <a:lumMod val="15000"/>
+            <a:lumOff val="85000"/>
+          </a:schemeClr>
+        </a:solidFill>
+        <a:round/>
+      </a:ln>
+    </cs:spPr>
+    <cs:defRPr sz="1197" kern="1200"/>
+  </cs:categoryAxis>
+  <cs:chartArea mods="allowNoFillOverride allowNoLineOverride">
+    <cs:lnRef idx="0"/>
+    <cs:fillRef idx="0"/>
+    <cs:effectRef idx="0"/>
+    <cs:fontRef idx="minor">
+      <a:schemeClr val="tx1"/>
+    </cs:fontRef>
+    <cs:spPr>
+      <a:solidFill>
+        <a:schemeClr val="bg1"/>
+      </a:solidFill>
+      <a:ln w="9525" cap="flat" cmpd="sng" algn="ctr">
+        <a:solidFill>
+          <a:schemeClr val="tx1">
+            <a:lumMod val="15000"/>
+            <a:lumOff val="85000"/>
+          </a:schemeClr>
+        </a:solidFill>
+        <a:round/>
+      </a:ln>
+    </cs:spPr>
+    <cs:defRPr sz="1330" kern="1200"/>
+  </cs:chartArea>
+  <cs:dataLabel>
+    <cs:lnRef idx="0"/>
+    <cs:fillRef idx="0"/>
+    <cs:effectRef idx="0"/>
+    <cs:fontRef idx="minor">
+      <a:schemeClr val="tx1">
+        <a:lumMod val="75000"/>
+        <a:lumOff val="25000"/>
+      </a:schemeClr>
+    </cs:fontRef>
+    <cs:defRPr sz="1197" kern="1200"/>
+  </cs:dataLabel>
+  <cs:dataLabelCallout>
+    <cs:lnRef idx="0"/>
+    <cs:fillRef idx="0"/>
+    <cs:effectRef idx="0"/>
+    <cs:fontRef idx="minor">
+      <a:schemeClr val="dk1">
+        <a:lumMod val="65000"/>
+        <a:lumOff val="35000"/>
+      </a:schemeClr>
+    </cs:fontRef>
+    <cs:spPr>
+      <a:solidFill>
+        <a:schemeClr val="lt1"/>
+      </a:solidFill>
+      <a:ln>
+        <a:solidFill>
+          <a:schemeClr val="dk1">
+            <a:lumMod val="25000"/>
+            <a:lumOff val="75000"/>
+          </a:schemeClr>
+        </a:solidFill>
+      </a:ln>
+    </cs:spPr>
+    <cs:defRPr sz="1197" kern="1200"/>
+    <cs:bodyPr rot="0" spcFirstLastPara="1" vertOverflow="clip" horzOverflow="clip" vert="horz" wrap="square" lIns="36576" tIns="18288" rIns="36576" bIns="18288" anchor="ctr" anchorCtr="1">
+      <a:spAutoFit/>
+    </cs:bodyPr>
+  </cs:dataLabelCallout>
+  <cs:dataPoint>
+    <cs:lnRef idx="0"/>
+    <cs:fillRef idx="1">
+      <cs:styleClr val="auto"/>
+    </cs:fillRef>
+    <cs:effectRef idx="0"/>
+    <cs:fontRef idx="minor">
+      <a:schemeClr val="tx1"/>
+    </cs:fontRef>
+  </cs:dataPoint>
+  <cs:dataPoint3D>
+    <cs:lnRef idx="0"/>
+    <cs:fillRef idx="1">
+      <cs:styleClr val="auto"/>
+    </cs:fillRef>
+    <cs:effectRef idx="0"/>
+    <cs:fontRef idx="minor">
+      <a:schemeClr val="tx1"/>
+    </cs:fontRef>
+  </cs:dataPoint3D>
+  <cs:dataPointLine>
+    <cs:lnRef idx="0">
+      <cs:styleClr val="auto"/>
+    </cs:lnRef>
+    <cs:fillRef idx="1"/>
+    <cs:effectRef idx="0"/>
+    <cs:fontRef idx="minor">
+      <a:schemeClr val="tx1"/>
+    </cs:fontRef>
+    <cs:spPr>
+      <a:ln w="28575" cap="rnd">
+        <a:solidFill>
+          <a:schemeClr val="phClr"/>
+        </a:solidFill>
+        <a:round/>
+      </a:ln>
+    </cs:spPr>
+  </cs:dataPointLine>
+  <cs:dataPointMarker>
+    <cs:lnRef idx="0">
+      <cs:styleClr val="auto"/>
+    </cs:lnRef>
+    <cs:fillRef idx="1">
+      <cs:styleClr val="auto"/>
+    </cs:fillRef>
+    <cs:effectRef idx="0"/>
+    <cs:fontRef idx="minor">
+      <a:schemeClr val="tx1"/>
+    </cs:fontRef>
+    <cs:spPr>
+      <a:ln w="9525">
+        <a:solidFill>
+          <a:schemeClr val="phClr"/>
+        </a:solidFill>
+      </a:ln>
+    </cs:spPr>
+  </cs:dataPointMarker>
+  <cs:dataPointMarkerLayout symbol="circle" size="5"/>
+  <cs:dataPointWireframe>
+    <cs:lnRef idx="0">
+      <cs:styleClr val="auto"/>
+    </cs:lnRef>
+    <cs:fillRef idx="1"/>
+    <cs:effectRef idx="0"/>
+    <cs:fontRef idx="minor">
+      <a:schemeClr val="tx1"/>
+    </cs:fontRef>
+    <cs:spPr>
+      <a:ln w="9525" cap="rnd">
+        <a:solidFill>
+          <a:schemeClr val="phClr"/>
+        </a:solidFill>
+        <a:round/>
+      </a:ln>
+    </cs:spPr>
+  </cs:dataPointWireframe>
+  <cs:dataTable>
+    <cs:lnRef idx="0"/>
+    <cs:fillRef idx="0"/>
+    <cs:effectRef idx="0"/>
+    <cs:fontRef idx="minor">
+      <a:schemeClr val="tx1">
+        <a:lumMod val="65000"/>
+        <a:lumOff val="35000"/>
+      </a:schemeClr>
+    </cs:fontRef>
+    <cs:spPr>
+      <a:noFill/>
+      <a:ln w="9525" cap="flat" cmpd="sng" algn="ctr">
+        <a:solidFill>
+          <a:schemeClr val="tx1">
+            <a:lumMod val="15000"/>
+            <a:lumOff val="85000"/>
+          </a:schemeClr>
+        </a:solidFill>
+        <a:round/>
+      </a:ln>
+    </cs:spPr>
+    <cs:defRPr sz="1197" kern="1200"/>
+  </cs:dataTable>
+  <cs:downBar>
+    <cs:lnRef idx="0"/>
+    <cs:fillRef idx="0"/>
+    <cs:effectRef idx="0"/>
+    <cs:fontRef idx="minor">
+      <a:schemeClr val="tx1"/>
+    </cs:fontRef>
+    <cs:spPr>
+      <a:solidFill>
+        <a:schemeClr val="dk1">
+          <a:lumMod val="75000"/>
+          <a:lumOff val="25000"/>
+        </a:schemeClr>
+      </a:solidFill>
+      <a:ln w="9525" cap="flat" cmpd="sng" algn="ctr">
+        <a:solidFill>
+          <a:schemeClr val="tx1">
+            <a:lumMod val="65000"/>
+            <a:lumOff val="35000"/>
+          </a:schemeClr>
+        </a:solidFill>
+        <a:round/>
+      </a:ln>
+    </cs:spPr>
+  </cs:downBar>
+  <cs:dropLine>
+    <cs:lnRef idx="0"/>
+    <cs:fillRef idx="0"/>
+    <cs:effectRef idx="0"/>
+    <cs:fontRef idx="minor">
+      <a:schemeClr val="tx1"/>
+    </cs:fontRef>
+    <cs:spPr>
+      <a:ln w="9525" cap="flat" cmpd="sng" algn="ctr">
+        <a:solidFill>
+          <a:schemeClr val="tx1">
+            <a:lumMod val="35000"/>
+            <a:lumOff val="65000"/>
+          </a:schemeClr>
+        </a:solidFill>
+        <a:round/>
+      </a:ln>
+    </cs:spPr>
+  </cs:dropLine>
+  <cs:errorBar>
+    <cs:lnRef idx="0"/>
+    <cs:fillRef idx="0"/>
+    <cs:effectRef idx="0"/>
+    <cs:fontRef idx="minor">
+      <a:schemeClr val="tx1"/>
+    </cs:fontRef>
+    <cs:spPr>
+      <a:ln w="9525" cap="flat" cmpd="sng" algn="ctr">
+        <a:solidFill>
+          <a:schemeClr val="tx1">
+            <a:lumMod val="65000"/>
+            <a:lumOff val="35000"/>
+          </a:schemeClr>
+        </a:solidFill>
+        <a:round/>
+      </a:ln>
+    </cs:spPr>
+  </cs:errorBar>
+  <cs:floor>
+    <cs:lnRef idx="0"/>
+    <cs:fillRef idx="0"/>
+    <cs:effectRef idx="0"/>
+    <cs:fontRef idx="minor">
+      <a:schemeClr val="tx1"/>
+    </cs:fontRef>
+    <cs:spPr>
+      <a:noFill/>
+      <a:ln>
+        <a:noFill/>
+      </a:ln>
+    </cs:spPr>
+  </cs:floor>
+  <cs:gridlineMajor>
+    <cs:lnRef idx="0"/>
+    <cs:fillRef idx="0"/>
+    <cs:effectRef idx="0"/>
+    <cs:fontRef idx="minor">
+      <a:schemeClr val="tx1"/>
+    </cs:fontRef>
+    <cs:spPr>
+      <a:ln w="9525" cap="flat" cmpd="sng" algn="ctr">
+        <a:solidFill>
+          <a:schemeClr val="tx1">
+            <a:lumMod val="15000"/>
+            <a:lumOff val="85000"/>
+          </a:schemeClr>
+        </a:solidFill>
+        <a:round/>
+      </a:ln>
+    </cs:spPr>
+  </cs:gridlineMajor>
+  <cs:gridlineMinor>
+    <cs:lnRef idx="0"/>
+    <cs:fillRef idx="0"/>
+    <cs:effectRef idx="0"/>
+    <cs:fontRef idx="minor">
+      <a:schemeClr val="tx1"/>
+    </cs:fontRef>
+    <cs:spPr>
+      <a:ln w="9525" cap="flat" cmpd="sng" algn="ctr">
+        <a:solidFill>
+          <a:schemeClr val="tx1">
+            <a:lumMod val="5000"/>
+            <a:lumOff val="95000"/>
+          </a:schemeClr>
+        </a:solidFill>
+        <a:round/>
+      </a:ln>
+    </cs:spPr>
+  </cs:gridlineMinor>
+  <cs:hiLoLine>
+    <cs:lnRef idx="0"/>
+    <cs:fillRef idx="0"/>
+    <cs:effectRef idx="0"/>
+    <cs:fontRef idx="minor">
+      <a:schemeClr val="tx1"/>
+    </cs:fontRef>
+    <cs:spPr>
+      <a:ln w="9525" cap="flat" cmpd="sng" algn="ctr">
+        <a:solidFill>
+          <a:schemeClr val="tx1">
+            <a:lumMod val="50000"/>
+            <a:lumOff val="50000"/>
+          </a:schemeClr>
+        </a:solidFill>
+        <a:round/>
+      </a:ln>
+    </cs:spPr>
+  </cs:hiLoLine>
+  <cs:leaderLine>
+    <cs:lnRef idx="0"/>
+    <cs:fillRef idx="0"/>
+    <cs:effectRef idx="0"/>
+    <cs:fontRef idx="minor">
+      <a:schemeClr val="tx1"/>
+    </cs:fontRef>
+    <cs:spPr>
+      <a:ln w="9525" cap="flat" cmpd="sng" algn="ctr">
+        <a:solidFill>
+          <a:schemeClr val="tx1">
+            <a:lumMod val="35000"/>
+            <a:lumOff val="65000"/>
+          </a:schemeClr>
+        </a:solidFill>
+        <a:round/>
+      </a:ln>
+    </cs:spPr>
+  </cs:leaderLine>
+  <cs:legend>
+    <cs:lnRef idx="0"/>
+    <cs:fillRef idx="0"/>
+    <cs:effectRef idx="0"/>
+    <cs:fontRef idx="minor">
+      <a:schemeClr val="tx1">
+        <a:lumMod val="65000"/>
+        <a:lumOff val="35000"/>
+      </a:schemeClr>
+    </cs:fontRef>
+    <cs:defRPr sz="1197" kern="1200"/>
+  </cs:legend>
+  <cs:plotArea mods="allowNoFillOverride allowNoLineOverride">
+    <cs:lnRef idx="0"/>
+    <cs:fillRef idx="0"/>
+    <cs:effectRef idx="0"/>
+    <cs:fontRef idx="minor">
+      <a:schemeClr val="tx1"/>
+    </cs:fontRef>
+  </cs:plotArea>
+  <cs:plotArea3D mods="allowNoFillOverride allowNoLineOverride">
+    <cs:lnRef idx="0"/>
+    <cs:fillRef idx="0"/>
+    <cs:effectRef idx="0"/>
+    <cs:fontRef idx="minor">
+      <a:schemeClr val="tx1"/>
+    </cs:fontRef>
+  </cs:plotArea3D>
+  <cs:seriesAxis>
+    <cs:lnRef idx="0"/>
+    <cs:fillRef idx="0"/>
+    <cs:effectRef idx="0"/>
+    <cs:fontRef idx="minor">
+      <a:schemeClr val="tx1">
+        <a:lumMod val="65000"/>
+        <a:lumOff val="35000"/>
+      </a:schemeClr>
+    </cs:fontRef>
+    <cs:defRPr sz="1197" kern="1200"/>
+  </cs:seriesAxis>
+  <cs:seriesLine>
+    <cs:lnRef idx="0"/>
+    <cs:fillRef idx="0"/>
+    <cs:effectRef idx="0"/>
+    <cs:fontRef idx="minor">
+      <a:schemeClr val="tx1"/>
+    </cs:fontRef>
+    <cs:spPr>
+      <a:ln w="9525" cap="flat" cmpd="sng" algn="ctr">
+        <a:solidFill>
+          <a:schemeClr val="tx1">
+            <a:lumMod val="35000"/>
+            <a:lumOff val="65000"/>
+          </a:schemeClr>
+        </a:solidFill>
+        <a:round/>
+      </a:ln>
+    </cs:spPr>
+  </cs:seriesLine>
+  <cs:title>
+    <cs:lnRef idx="0"/>
+    <cs:fillRef idx="0"/>
+    <cs:effectRef idx="0"/>
+    <cs:fontRef idx="minor">
+      <a:schemeClr val="tx1">
+        <a:lumMod val="65000"/>
+        <a:lumOff val="35000"/>
+      </a:schemeClr>
+    </cs:fontRef>
+    <cs:defRPr sz="1862" b="0" kern="1200" spc="0" baseline="0"/>
+  </cs:title>
+  <cs:trendline>
+    <cs:lnRef idx="0">
+      <cs:styleClr val="auto"/>
+    </cs:lnRef>
+    <cs:fillRef idx="0"/>
+    <cs:effectRef idx="0"/>
+    <cs:fontRef idx="minor">
+      <a:schemeClr val="tx1"/>
+    </cs:fontRef>
+    <cs:spPr>
+      <a:ln w="19050" cap="rnd">
+        <a:solidFill>
+          <a:schemeClr val="phClr"/>
+        </a:solidFill>
+        <a:prstDash val="sysDot"/>
+      </a:ln>
+    </cs:spPr>
+  </cs:trendline>
+  <cs:trendlineLabel>
+    <cs:lnRef idx="0"/>
+    <cs:fillRef idx="0"/>
+    <cs:effectRef idx="0"/>
+    <cs:fontRef idx="minor">
+      <a:schemeClr val="tx1">
+        <a:lumMod val="65000"/>
+        <a:lumOff val="35000"/>
+      </a:schemeClr>
+    </cs:fontRef>
+    <cs:defRPr sz="1197" kern="1200"/>
+  </cs:trendlineLabel>
+  <cs:upBar>
+    <cs:lnRef idx="0"/>
+    <cs:fillRef idx="0"/>
+    <cs:effectRef idx="0"/>
+    <cs:fontRef idx="minor">
+      <a:schemeClr val="tx1"/>
+    </cs:fontRef>
+    <cs:spPr>
+      <a:solidFill>
+        <a:schemeClr val="lt1"/>
+      </a:solidFill>
+      <a:ln w="9525" cap="flat" cmpd="sng" algn="ctr">
+        <a:solidFill>
+          <a:schemeClr val="tx1">
+            <a:lumMod val="65000"/>
+            <a:lumOff val="35000"/>
+          </a:schemeClr>
+        </a:solidFill>
+        <a:round/>
+      </a:ln>
+    </cs:spPr>
+  </cs:upBar>
+  <cs:valueAxis>
+    <cs:lnRef idx="0"/>
+    <cs:fillRef idx="0"/>
+    <cs:effectRef idx="0"/>
+    <cs:fontRef idx="minor">
+      <a:schemeClr val="tx1">
+        <a:lumMod val="65000"/>
+        <a:lumOff val="35000"/>
+      </a:schemeClr>
+    </cs:fontRef>
+    <cs:defRPr sz="1197" kern="1200"/>
+  </cs:valueAxis>
+  <cs:wall>
+    <cs:lnRef idx="0"/>
+    <cs:fillRef idx="0"/>
+    <cs:effectRef idx="0"/>
+    <cs:fontRef idx="minor">
+      <a:schemeClr val="tx1"/>
+    </cs:fontRef>
+    <cs:spPr>
+      <a:noFill/>
+      <a:ln>
+        <a:noFill/>
+      </a:ln>
+    </cs:spPr>
+  </cs:wall>
+</cs:chartStyle>
+</file>
+
+<file path=ppt/charts/style4.xml><?xml version="1.0" encoding="utf-8"?>
+<cs:chartStyle xmlns:cs="http://schemas.microsoft.com/office/drawing/2012/chartStyle" xmlns:a="http://schemas.openxmlformats.org/drawingml/2006/main" id="201">
+  <cs:axisTitle>
+    <cs:lnRef idx="0"/>
+    <cs:fillRef idx="0"/>
+    <cs:effectRef idx="0"/>
+    <cs:fontRef idx="minor">
+      <a:schemeClr val="tx1">
+        <a:lumMod val="65000"/>
+        <a:lumOff val="35000"/>
+      </a:schemeClr>
+    </cs:fontRef>
+    <cs:defRPr sz="1330" kern="1200"/>
+  </cs:axisTitle>
+  <cs:categoryAxis>
+    <cs:lnRef idx="0"/>
+    <cs:fillRef idx="0"/>
+    <cs:effectRef idx="0"/>
+    <cs:fontRef idx="minor">
+      <a:schemeClr val="tx1">
+        <a:lumMod val="65000"/>
+        <a:lumOff val="35000"/>
+      </a:schemeClr>
+    </cs:fontRef>
+    <cs:spPr>
+      <a:ln w="9525" cap="flat" cmpd="sng" algn="ctr">
+        <a:solidFill>
+          <a:schemeClr val="tx1">
+            <a:lumMod val="15000"/>
+            <a:lumOff val="85000"/>
+          </a:schemeClr>
+        </a:solidFill>
+        <a:round/>
+      </a:ln>
+    </cs:spPr>
+    <cs:defRPr sz="1197" kern="1200"/>
+  </cs:categoryAxis>
+  <cs:chartArea mods="allowNoFillOverride allowNoLineOverride">
+    <cs:lnRef idx="0"/>
+    <cs:fillRef idx="0"/>
+    <cs:effectRef idx="0"/>
+    <cs:fontRef idx="minor">
+      <a:schemeClr val="tx1"/>
+    </cs:fontRef>
+    <cs:spPr>
+      <a:solidFill>
+        <a:schemeClr val="bg1"/>
+      </a:solidFill>
+      <a:ln w="9525" cap="flat" cmpd="sng" algn="ctr">
+        <a:solidFill>
+          <a:schemeClr val="tx1">
+            <a:lumMod val="15000"/>
+            <a:lumOff val="85000"/>
+          </a:schemeClr>
+        </a:solidFill>
+        <a:round/>
+      </a:ln>
+    </cs:spPr>
+    <cs:defRPr sz="1330" kern="1200"/>
+  </cs:chartArea>
+  <cs:dataLabel>
+    <cs:lnRef idx="0"/>
+    <cs:fillRef idx="0"/>
+    <cs:effectRef idx="0"/>
+    <cs:fontRef idx="minor">
+      <a:schemeClr val="tx1">
+        <a:lumMod val="75000"/>
+        <a:lumOff val="25000"/>
+      </a:schemeClr>
+    </cs:fontRef>
+    <cs:defRPr sz="1197" kern="1200"/>
+  </cs:dataLabel>
+  <cs:dataLabelCallout>
+    <cs:lnRef idx="0"/>
+    <cs:fillRef idx="0"/>
+    <cs:effectRef idx="0"/>
+    <cs:fontRef idx="minor">
+      <a:schemeClr val="dk1">
+        <a:lumMod val="65000"/>
+        <a:lumOff val="35000"/>
+      </a:schemeClr>
+    </cs:fontRef>
+    <cs:spPr>
+      <a:solidFill>
+        <a:schemeClr val="lt1"/>
+      </a:solidFill>
+      <a:ln>
+        <a:solidFill>
+          <a:schemeClr val="dk1">
+            <a:lumMod val="25000"/>
+            <a:lumOff val="75000"/>
+          </a:schemeClr>
+        </a:solidFill>
+      </a:ln>
+    </cs:spPr>
+    <cs:defRPr sz="1197" kern="1200"/>
+    <cs:bodyPr rot="0" spcFirstLastPara="1" vertOverflow="clip" horzOverflow="clip" vert="horz" wrap="square" lIns="36576" tIns="18288" rIns="36576" bIns="18288" anchor="ctr" anchorCtr="1">
+      <a:spAutoFit/>
+    </cs:bodyPr>
+  </cs:dataLabelCallout>
+  <cs:dataPoint>
+    <cs:lnRef idx="0"/>
+    <cs:fillRef idx="1">
+      <cs:styleClr val="auto"/>
+    </cs:fillRef>
+    <cs:effectRef idx="0"/>
+    <cs:fontRef idx="minor">
+      <a:schemeClr val="tx1"/>
+    </cs:fontRef>
+  </cs:dataPoint>
+  <cs:dataPoint3D>
+    <cs:lnRef idx="0"/>
+    <cs:fillRef idx="1">
+      <cs:styleClr val="auto"/>
+    </cs:fillRef>
+    <cs:effectRef idx="0"/>
+    <cs:fontRef idx="minor">
+      <a:schemeClr val="tx1"/>
+    </cs:fontRef>
+  </cs:dataPoint3D>
+  <cs:dataPointLine>
+    <cs:lnRef idx="0">
+      <cs:styleClr val="auto"/>
+    </cs:lnRef>
+    <cs:fillRef idx="1"/>
+    <cs:effectRef idx="0"/>
+    <cs:fontRef idx="minor">
+      <a:schemeClr val="tx1"/>
+    </cs:fontRef>
+    <cs:spPr>
+      <a:ln w="28575" cap="rnd">
+        <a:solidFill>
+          <a:schemeClr val="phClr"/>
+        </a:solidFill>
+        <a:round/>
+      </a:ln>
+    </cs:spPr>
+  </cs:dataPointLine>
+  <cs:dataPointMarker>
+    <cs:lnRef idx="0">
+      <cs:styleClr val="auto"/>
+    </cs:lnRef>
+    <cs:fillRef idx="1">
+      <cs:styleClr val="auto"/>
+    </cs:fillRef>
+    <cs:effectRef idx="0"/>
+    <cs:fontRef idx="minor">
+      <a:schemeClr val="tx1"/>
+    </cs:fontRef>
+    <cs:spPr>
+      <a:ln w="9525">
+        <a:solidFill>
+          <a:schemeClr val="phClr"/>
+        </a:solidFill>
+      </a:ln>
+    </cs:spPr>
+  </cs:dataPointMarker>
+  <cs:dataPointMarkerLayout symbol="circle" size="5"/>
+  <cs:dataPointWireframe>
+    <cs:lnRef idx="0">
+      <cs:styleClr val="auto"/>
+    </cs:lnRef>
+    <cs:fillRef idx="1"/>
+    <cs:effectRef idx="0"/>
+    <cs:fontRef idx="minor">
+      <a:schemeClr val="tx1"/>
+    </cs:fontRef>
+    <cs:spPr>
+      <a:ln w="9525" cap="rnd">
+        <a:solidFill>
+          <a:schemeClr val="phClr"/>
+        </a:solidFill>
+        <a:round/>
+      </a:ln>
+    </cs:spPr>
+  </cs:dataPointWireframe>
+  <cs:dataTable>
+    <cs:lnRef idx="0"/>
+    <cs:fillRef idx="0"/>
+    <cs:effectRef idx="0"/>
+    <cs:fontRef idx="minor">
+      <a:schemeClr val="tx1">
+        <a:lumMod val="65000"/>
+        <a:lumOff val="35000"/>
+      </a:schemeClr>
+    </cs:fontRef>
+    <cs:spPr>
+      <a:noFill/>
+      <a:ln w="9525" cap="flat" cmpd="sng" algn="ctr">
+        <a:solidFill>
+          <a:schemeClr val="tx1">
+            <a:lumMod val="15000"/>
+            <a:lumOff val="85000"/>
+          </a:schemeClr>
+        </a:solidFill>
+        <a:round/>
+      </a:ln>
+    </cs:spPr>
+    <cs:defRPr sz="1197" kern="1200"/>
+  </cs:dataTable>
+  <cs:downBar>
+    <cs:lnRef idx="0"/>
+    <cs:fillRef idx="0"/>
+    <cs:effectRef idx="0"/>
+    <cs:fontRef idx="minor">
+      <a:schemeClr val="dk1"/>
+    </cs:fontRef>
+    <cs:spPr>
+      <a:solidFill>
+        <a:schemeClr val="dk1">
+          <a:lumMod val="65000"/>
+          <a:lumOff val="35000"/>
+        </a:schemeClr>
+      </a:solidFill>
+      <a:ln w="9525">
+        <a:solidFill>
+          <a:schemeClr val="tx1">
+            <a:lumMod val="65000"/>
+            <a:lumOff val="35000"/>
+          </a:schemeClr>
+        </a:solidFill>
+      </a:ln>
+    </cs:spPr>
+  </cs:downBar>
+  <cs:dropLine>
+    <cs:lnRef idx="0"/>
+    <cs:fillRef idx="0"/>
+    <cs:effectRef idx="0"/>
+    <cs:fontRef idx="minor">
+      <a:schemeClr val="tx1"/>
+    </cs:fontRef>
+    <cs:spPr>
+      <a:ln w="9525" cap="flat" cmpd="sng" algn="ctr">
+        <a:solidFill>
+          <a:schemeClr val="tx1">
+            <a:lumMod val="35000"/>
+            <a:lumOff val="65000"/>
+          </a:schemeClr>
+        </a:solidFill>
+        <a:round/>
+      </a:ln>
+    </cs:spPr>
+  </cs:dropLine>
+  <cs:errorBar>
+    <cs:lnRef idx="0"/>
+    <cs:fillRef idx="0"/>
+    <cs:effectRef idx="0"/>
+    <cs:fontRef idx="minor">
+      <a:schemeClr val="tx1"/>
+    </cs:fontRef>
+    <cs:spPr>
+      <a:ln w="9525" cap="flat" cmpd="sng" algn="ctr">
+        <a:solidFill>
+          <a:schemeClr val="tx1">
+            <a:lumMod val="65000"/>
+            <a:lumOff val="35000"/>
+          </a:schemeClr>
+        </a:solidFill>
+        <a:round/>
+      </a:ln>
+    </cs:spPr>
+  </cs:errorBar>
+  <cs:floor>
+    <cs:lnRef idx="0"/>
+    <cs:fillRef idx="0"/>
+    <cs:effectRef idx="0"/>
+    <cs:fontRef idx="minor">
+      <a:schemeClr val="tx1"/>
+    </cs:fontRef>
+    <cs:spPr>
+      <a:noFill/>
+      <a:ln>
+        <a:noFill/>
+      </a:ln>
+    </cs:spPr>
+  </cs:floor>
+  <cs:gridlineMajor>
+    <cs:lnRef idx="0"/>
+    <cs:fillRef idx="0"/>
+    <cs:effectRef idx="0"/>
+    <cs:fontRef idx="minor">
+      <a:schemeClr val="tx1"/>
+    </cs:fontRef>
+    <cs:spPr>
+      <a:ln w="9525" cap="flat" cmpd="sng" algn="ctr">
+        <a:solidFill>
+          <a:schemeClr val="tx1">
+            <a:lumMod val="15000"/>
+            <a:lumOff val="85000"/>
+          </a:schemeClr>
+        </a:solidFill>
+        <a:round/>
+      </a:ln>
+    </cs:spPr>
+  </cs:gridlineMajor>
+  <cs:gridlineMinor>
+    <cs:lnRef idx="0"/>
+    <cs:fillRef idx="0"/>
+    <cs:effectRef idx="0"/>
+    <cs:fontRef idx="minor">
+      <a:schemeClr val="tx1"/>
+    </cs:fontRef>
+    <cs:spPr>
+      <a:ln w="9525" cap="flat" cmpd="sng" algn="ctr">
+        <a:solidFill>
+          <a:schemeClr val="tx1">
+            <a:lumMod val="5000"/>
+            <a:lumOff val="95000"/>
+          </a:schemeClr>
+        </a:solidFill>
+        <a:round/>
+      </a:ln>
+    </cs:spPr>
+  </cs:gridlineMinor>
+  <cs:hiLoLine>
+    <cs:lnRef idx="0"/>
+    <cs:fillRef idx="0"/>
+    <cs:effectRef idx="0"/>
+    <cs:fontRef idx="minor">
+      <a:schemeClr val="tx1"/>
+    </cs:fontRef>
+    <cs:spPr>
+      <a:ln w="9525" cap="flat" cmpd="sng" algn="ctr">
+        <a:solidFill>
+          <a:schemeClr val="tx1">
+            <a:lumMod val="75000"/>
+            <a:lumOff val="25000"/>
+          </a:schemeClr>
+        </a:solidFill>
+        <a:round/>
+      </a:ln>
+    </cs:spPr>
+  </cs:hiLoLine>
+  <cs:leaderLine>
+    <cs:lnRef idx="0"/>
+    <cs:fillRef idx="0"/>
+    <cs:effectRef idx="0"/>
+    <cs:fontRef idx="minor">
+      <a:schemeClr val="tx1"/>
+    </cs:fontRef>
+    <cs:spPr>
+      <a:ln w="9525" cap="flat" cmpd="sng" algn="ctr">
+        <a:solidFill>
+          <a:schemeClr val="tx1">
+            <a:lumMod val="35000"/>
+            <a:lumOff val="65000"/>
+          </a:schemeClr>
+        </a:solidFill>
+        <a:round/>
+      </a:ln>
+    </cs:spPr>
+  </cs:leaderLine>
+  <cs:legend>
+    <cs:lnRef idx="0"/>
+    <cs:fillRef idx="0"/>
+    <cs:effectRef idx="0"/>
+    <cs:fontRef idx="minor">
+      <a:schemeClr val="tx1">
+        <a:lumMod val="65000"/>
+        <a:lumOff val="35000"/>
+      </a:schemeClr>
+    </cs:fontRef>
+    <cs:defRPr sz="1197" kern="1200"/>
+  </cs:legend>
+  <cs:plotArea mods="allowNoFillOverride allowNoLineOverride">
+    <cs:lnRef idx="0"/>
+    <cs:fillRef idx="0"/>
+    <cs:effectRef idx="0"/>
+    <cs:fontRef idx="minor">
+      <a:schemeClr val="tx1"/>
+    </cs:fontRef>
+  </cs:plotArea>
+  <cs:plotArea3D mods="allowNoFillOverride allowNoLineOverride">
+    <cs:lnRef idx="0"/>
+    <cs:fillRef idx="0"/>
+    <cs:effectRef idx="0"/>
+    <cs:fontRef idx="minor">
+      <a:schemeClr val="tx1"/>
+    </cs:fontRef>
+  </cs:plotArea3D>
+  <cs:seriesAxis>
+    <cs:lnRef idx="0"/>
+    <cs:fillRef idx="0"/>
+    <cs:effectRef idx="0"/>
+    <cs:fontRef idx="minor">
+      <a:schemeClr val="tx1">
+        <a:lumMod val="65000"/>
+        <a:lumOff val="35000"/>
+      </a:schemeClr>
+    </cs:fontRef>
+    <cs:defRPr sz="1197" kern="1200"/>
+  </cs:seriesAxis>
+  <cs:seriesLine>
+    <cs:lnRef idx="0"/>
+    <cs:fillRef idx="0"/>
+    <cs:effectRef idx="0"/>
+    <cs:fontRef idx="minor">
+      <a:schemeClr val="tx1"/>
+    </cs:fontRef>
+    <cs:spPr>
+      <a:ln w="9525" cap="flat" cmpd="sng" algn="ctr">
+        <a:solidFill>
+          <a:schemeClr val="tx1">
+            <a:lumMod val="35000"/>
+            <a:lumOff val="65000"/>
+          </a:schemeClr>
+        </a:solidFill>
+        <a:round/>
+      </a:ln>
+    </cs:spPr>
+  </cs:seriesLine>
+  <cs:title>
+    <cs:lnRef idx="0"/>
+    <cs:fillRef idx="0"/>
+    <cs:effectRef idx="0"/>
+    <cs:fontRef idx="minor">
+      <a:schemeClr val="tx1">
+        <a:lumMod val="65000"/>
+        <a:lumOff val="35000"/>
+      </a:schemeClr>
+    </cs:fontRef>
+    <cs:defRPr sz="1862" b="0" kern="1200" spc="0" baseline="0"/>
+  </cs:title>
+  <cs:trendline>
+    <cs:lnRef idx="0">
+      <cs:styleClr val="auto"/>
+    </cs:lnRef>
+    <cs:fillRef idx="0"/>
+    <cs:effectRef idx="0"/>
+    <cs:fontRef idx="minor">
+      <a:schemeClr val="tx1"/>
+    </cs:fontRef>
+    <cs:spPr>
+      <a:ln w="19050" cap="rnd">
+        <a:solidFill>
+          <a:schemeClr val="phClr"/>
+        </a:solidFill>
+        <a:prstDash val="sysDot"/>
+      </a:ln>
+    </cs:spPr>
+  </cs:trendline>
+  <cs:trendlineLabel>
+    <cs:lnRef idx="0"/>
+    <cs:fillRef idx="0"/>
+    <cs:effectRef idx="0"/>
+    <cs:fontRef idx="minor">
+      <a:schemeClr val="tx1">
+        <a:lumMod val="65000"/>
+        <a:lumOff val="35000"/>
+      </a:schemeClr>
+    </cs:fontRef>
+    <cs:defRPr sz="1197" kern="1200"/>
+  </cs:trendlineLabel>
+  <cs:upBar>
+    <cs:lnRef idx="0"/>
+    <cs:fillRef idx="0"/>
+    <cs:effectRef idx="0"/>
+    <cs:fontRef idx="minor">
+      <a:schemeClr val="dk1"/>
+    </cs:fontRef>
+    <cs:spPr>
+      <a:solidFill>
+        <a:schemeClr val="lt1"/>
+      </a:solidFill>
+      <a:ln w="9525">
+        <a:solidFill>
+          <a:schemeClr val="tx1">
+            <a:lumMod val="15000"/>
+            <a:lumOff val="85000"/>
+          </a:schemeClr>
+        </a:solidFill>
+      </a:ln>
+    </cs:spPr>
+  </cs:upBar>
+  <cs:valueAxis>
+    <cs:lnRef idx="0"/>
+    <cs:fillRef idx="0"/>
+    <cs:effectRef idx="0"/>
+    <cs:fontRef idx="minor">
+      <a:schemeClr val="tx1">
+        <a:lumMod val="65000"/>
+        <a:lumOff val="35000"/>
+      </a:schemeClr>
+    </cs:fontRef>
+    <cs:defRPr sz="1197" kern="1200"/>
+  </cs:valueAxis>
+  <cs:wall>
+    <cs:lnRef idx="0"/>
+    <cs:fillRef idx="0"/>
+    <cs:effectRef idx="0"/>
+    <cs:fontRef idx="minor">
+      <a:schemeClr val="tx1"/>
+    </cs:fontRef>
+    <cs:spPr>
+      <a:noFill/>
+      <a:ln>
+        <a:noFill/>
+      </a:ln>
+    </cs:spPr>
+  </cs:wall>
+</cs:chartStyle>
+</file>
+
+<file path=ppt/charts/style5.xml><?xml version="1.0" encoding="utf-8"?>
+<cs:chartStyle xmlns:cs="http://schemas.microsoft.com/office/drawing/2012/chartStyle" xmlns:a="http://schemas.openxmlformats.org/drawingml/2006/main" id="201">
+  <cs:axisTitle>
+    <cs:lnRef idx="0"/>
+    <cs:fillRef idx="0"/>
+    <cs:effectRef idx="0"/>
+    <cs:fontRef idx="minor">
+      <a:schemeClr val="tx1">
+        <a:lumMod val="65000"/>
+        <a:lumOff val="35000"/>
+      </a:schemeClr>
+    </cs:fontRef>
+    <cs:defRPr sz="1330" kern="1200"/>
+  </cs:axisTitle>
+  <cs:categoryAxis>
+    <cs:lnRef idx="0"/>
+    <cs:fillRef idx="0"/>
+    <cs:effectRef idx="0"/>
+    <cs:fontRef idx="minor">
+      <a:schemeClr val="tx1">
+        <a:lumMod val="65000"/>
+        <a:lumOff val="35000"/>
+      </a:schemeClr>
+    </cs:fontRef>
+    <cs:spPr>
+      <a:ln w="9525" cap="flat" cmpd="sng" algn="ctr">
+        <a:solidFill>
+          <a:schemeClr val="tx1">
+            <a:lumMod val="15000"/>
+            <a:lumOff val="85000"/>
+          </a:schemeClr>
+        </a:solidFill>
+        <a:round/>
+      </a:ln>
+    </cs:spPr>
+    <cs:defRPr sz="1197" kern="1200"/>
+  </cs:categoryAxis>
+  <cs:chartArea mods="allowNoFillOverride allowNoLineOverride">
+    <cs:lnRef idx="0"/>
+    <cs:fillRef idx="0"/>
+    <cs:effectRef idx="0"/>
+    <cs:fontRef idx="minor">
+      <a:schemeClr val="tx1"/>
+    </cs:fontRef>
+    <cs:spPr>
+      <a:solidFill>
+        <a:schemeClr val="bg1"/>
+      </a:solidFill>
+      <a:ln w="9525" cap="flat" cmpd="sng" algn="ctr">
+        <a:solidFill>
+          <a:schemeClr val="tx1">
+            <a:lumMod val="15000"/>
+            <a:lumOff val="85000"/>
+          </a:schemeClr>
+        </a:solidFill>
+        <a:round/>
+      </a:ln>
+    </cs:spPr>
+    <cs:defRPr sz="1330" kern="1200"/>
+  </cs:chartArea>
+  <cs:dataLabel>
+    <cs:lnRef idx="0"/>
+    <cs:fillRef idx="0"/>
+    <cs:effectRef idx="0"/>
+    <cs:fontRef idx="minor">
+      <a:schemeClr val="tx1">
+        <a:lumMod val="75000"/>
+        <a:lumOff val="25000"/>
+      </a:schemeClr>
+    </cs:fontRef>
+    <cs:defRPr sz="1197" kern="1200"/>
+  </cs:dataLabel>
+  <cs:dataLabelCallout>
+    <cs:lnRef idx="0"/>
+    <cs:fillRef idx="0"/>
+    <cs:effectRef idx="0"/>
+    <cs:fontRef idx="minor">
+      <a:schemeClr val="dk1">
+        <a:lumMod val="65000"/>
+        <a:lumOff val="35000"/>
+      </a:schemeClr>
+    </cs:fontRef>
+    <cs:spPr>
+      <a:solidFill>
+        <a:schemeClr val="lt1"/>
+      </a:solidFill>
+      <a:ln>
+        <a:solidFill>
+          <a:schemeClr val="dk1">
+            <a:lumMod val="25000"/>
+            <a:lumOff val="75000"/>
+          </a:schemeClr>
+        </a:solidFill>
+      </a:ln>
+    </cs:spPr>
+    <cs:defRPr sz="1197" kern="1200"/>
+    <cs:bodyPr rot="0" spcFirstLastPara="1" vertOverflow="clip" horzOverflow="clip" vert="horz" wrap="square" lIns="36576" tIns="18288" rIns="36576" bIns="18288" anchor="ctr" anchorCtr="1">
+      <a:spAutoFit/>
+    </cs:bodyPr>
+  </cs:dataLabelCallout>
+  <cs:dataPoint>
+    <cs:lnRef idx="0"/>
+    <cs:fillRef idx="1">
+      <cs:styleClr val="auto"/>
+    </cs:fillRef>
+    <cs:effectRef idx="0"/>
+    <cs:fontRef idx="minor">
+      <a:schemeClr val="tx1"/>
+    </cs:fontRef>
+  </cs:dataPoint>
+  <cs:dataPoint3D>
+    <cs:lnRef idx="0"/>
+    <cs:fillRef idx="1">
+      <cs:styleClr val="auto"/>
+    </cs:fillRef>
+    <cs:effectRef idx="0"/>
+    <cs:fontRef idx="minor">
+      <a:schemeClr val="tx1"/>
+    </cs:fontRef>
+  </cs:dataPoint3D>
+  <cs:dataPointLine>
+    <cs:lnRef idx="0">
+      <cs:styleClr val="auto"/>
+    </cs:lnRef>
+    <cs:fillRef idx="1"/>
+    <cs:effectRef idx="0"/>
+    <cs:fontRef idx="minor">
+      <a:schemeClr val="tx1"/>
+    </cs:fontRef>
+    <cs:spPr>
+      <a:ln w="28575" cap="rnd">
+        <a:solidFill>
+          <a:schemeClr val="phClr"/>
+        </a:solidFill>
+        <a:round/>
+      </a:ln>
+    </cs:spPr>
+  </cs:dataPointLine>
+  <cs:dataPointMarker>
+    <cs:lnRef idx="0">
+      <cs:styleClr val="auto"/>
+    </cs:lnRef>
+    <cs:fillRef idx="1">
+      <cs:styleClr val="auto"/>
+    </cs:fillRef>
+    <cs:effectRef idx="0"/>
+    <cs:fontRef idx="minor">
+      <a:schemeClr val="tx1"/>
+    </cs:fontRef>
+    <cs:spPr>
+      <a:ln w="9525">
+        <a:solidFill>
+          <a:schemeClr val="phClr"/>
+        </a:solidFill>
+      </a:ln>
+    </cs:spPr>
+  </cs:dataPointMarker>
+  <cs:dataPointMarkerLayout symbol="circle" size="5"/>
+  <cs:dataPointWireframe>
+    <cs:lnRef idx="0">
+      <cs:styleClr val="auto"/>
+    </cs:lnRef>
+    <cs:fillRef idx="1"/>
+    <cs:effectRef idx="0"/>
+    <cs:fontRef idx="minor">
+      <a:schemeClr val="tx1"/>
+    </cs:fontRef>
+    <cs:spPr>
+      <a:ln w="9525" cap="rnd">
+        <a:solidFill>
+          <a:schemeClr val="phClr"/>
+        </a:solidFill>
+        <a:round/>
+      </a:ln>
+    </cs:spPr>
+  </cs:dataPointWireframe>
+  <cs:dataTable>
+    <cs:lnRef idx="0"/>
+    <cs:fillRef idx="0"/>
+    <cs:effectRef idx="0"/>
+    <cs:fontRef idx="minor">
+      <a:schemeClr val="tx1">
+        <a:lumMod val="65000"/>
+        <a:lumOff val="35000"/>
+      </a:schemeClr>
+    </cs:fontRef>
+    <cs:spPr>
+      <a:noFill/>
+      <a:ln w="9525" cap="flat" cmpd="sng" algn="ctr">
+        <a:solidFill>
+          <a:schemeClr val="tx1">
+            <a:lumMod val="15000"/>
+            <a:lumOff val="85000"/>
+          </a:schemeClr>
+        </a:solidFill>
+        <a:round/>
+      </a:ln>
+    </cs:spPr>
+    <cs:defRPr sz="1197" kern="1200"/>
+  </cs:dataTable>
+  <cs:downBar>
+    <cs:lnRef idx="0"/>
+    <cs:fillRef idx="0"/>
+    <cs:effectRef idx="0"/>
+    <cs:fontRef idx="minor">
+      <a:schemeClr val="dk1"/>
+    </cs:fontRef>
+    <cs:spPr>
+      <a:solidFill>
+        <a:schemeClr val="dk1">
+          <a:lumMod val="65000"/>
+          <a:lumOff val="35000"/>
+        </a:schemeClr>
+      </a:solidFill>
+      <a:ln w="9525">
+        <a:solidFill>
+          <a:schemeClr val="tx1">
+            <a:lumMod val="65000"/>
+            <a:lumOff val="35000"/>
+          </a:schemeClr>
+        </a:solidFill>
+      </a:ln>
+    </cs:spPr>
+  </cs:downBar>
+  <cs:dropLine>
+    <cs:lnRef idx="0"/>
+    <cs:fillRef idx="0"/>
+    <cs:effectRef idx="0"/>
+    <cs:fontRef idx="minor">
+      <a:schemeClr val="tx1"/>
+    </cs:fontRef>
+    <cs:spPr>
+      <a:ln w="9525" cap="flat" cmpd="sng" algn="ctr">
+        <a:solidFill>
+          <a:schemeClr val="tx1">
+            <a:lumMod val="35000"/>
+            <a:lumOff val="65000"/>
+          </a:schemeClr>
+        </a:solidFill>
+        <a:round/>
+      </a:ln>
+    </cs:spPr>
+  </cs:dropLine>
+  <cs:errorBar>
+    <cs:lnRef idx="0"/>
+    <cs:fillRef idx="0"/>
+    <cs:effectRef idx="0"/>
+    <cs:fontRef idx="minor">
+      <a:schemeClr val="tx1"/>
+    </cs:fontRef>
+    <cs:spPr>
+      <a:ln w="9525" cap="flat" cmpd="sng" algn="ctr">
+        <a:solidFill>
+          <a:schemeClr val="tx1">
+            <a:lumMod val="65000"/>
+            <a:lumOff val="35000"/>
+          </a:schemeClr>
+        </a:solidFill>
+        <a:round/>
+      </a:ln>
+    </cs:spPr>
+  </cs:errorBar>
+  <cs:floor>
+    <cs:lnRef idx="0"/>
+    <cs:fillRef idx="0"/>
+    <cs:effectRef idx="0"/>
+    <cs:fontRef idx="minor">
+      <a:schemeClr val="tx1"/>
+    </cs:fontRef>
+    <cs:spPr>
+      <a:noFill/>
+      <a:ln>
+        <a:noFill/>
+      </a:ln>
+    </cs:spPr>
+  </cs:floor>
+  <cs:gridlineMajor>
+    <cs:lnRef idx="0"/>
+    <cs:fillRef idx="0"/>
+    <cs:effectRef idx="0"/>
+    <cs:fontRef idx="minor">
+      <a:schemeClr val="tx1"/>
+    </cs:fontRef>
+    <cs:spPr>
+      <a:ln w="9525" cap="flat" cmpd="sng" algn="ctr">
+        <a:solidFill>
+          <a:schemeClr val="tx1">
+            <a:lumMod val="15000"/>
+            <a:lumOff val="85000"/>
+          </a:schemeClr>
+        </a:solidFill>
+        <a:round/>
+      </a:ln>
+    </cs:spPr>
+  </cs:gridlineMajor>
+  <cs:gridlineMinor>
+    <cs:lnRef idx="0"/>
+    <cs:fillRef idx="0"/>
+    <cs:effectRef idx="0"/>
+    <cs:fontRef idx="minor">
+      <a:schemeClr val="tx1"/>
+    </cs:fontRef>
+    <cs:spPr>
+      <a:ln w="9525" cap="flat" cmpd="sng" algn="ctr">
+        <a:solidFill>
+          <a:schemeClr val="tx1">
+            <a:lumMod val="5000"/>
+            <a:lumOff val="95000"/>
+          </a:schemeClr>
+        </a:solidFill>
+        <a:round/>
+      </a:ln>
+    </cs:spPr>
+  </cs:gridlineMinor>
+  <cs:hiLoLine>
+    <cs:lnRef idx="0"/>
+    <cs:fillRef idx="0"/>
+    <cs:effectRef idx="0"/>
+    <cs:fontRef idx="minor">
+      <a:schemeClr val="tx1"/>
+    </cs:fontRef>
+    <cs:spPr>
+      <a:ln w="9525" cap="flat" cmpd="sng" algn="ctr">
+        <a:solidFill>
+          <a:schemeClr val="tx1">
+            <a:lumMod val="75000"/>
+            <a:lumOff val="25000"/>
+          </a:schemeClr>
+        </a:solidFill>
+        <a:round/>
+      </a:ln>
+    </cs:spPr>
+  </cs:hiLoLine>
+  <cs:leaderLine>
+    <cs:lnRef idx="0"/>
+    <cs:fillRef idx="0"/>
+    <cs:effectRef idx="0"/>
+    <cs:fontRef idx="minor">
+      <a:schemeClr val="tx1"/>
+    </cs:fontRef>
+    <cs:spPr>
+      <a:ln w="9525" cap="flat" cmpd="sng" algn="ctr">
+        <a:solidFill>
+          <a:schemeClr val="tx1">
+            <a:lumMod val="35000"/>
+            <a:lumOff val="65000"/>
+          </a:schemeClr>
+        </a:solidFill>
+        <a:round/>
+      </a:ln>
+    </cs:spPr>
+  </cs:leaderLine>
+  <cs:legend>
+    <cs:lnRef idx="0"/>
+    <cs:fillRef idx="0"/>
+    <cs:effectRef idx="0"/>
+    <cs:fontRef idx="minor">
+      <a:schemeClr val="tx1">
+        <a:lumMod val="65000"/>
+        <a:lumOff val="35000"/>
+      </a:schemeClr>
+    </cs:fontRef>
+    <cs:defRPr sz="1197" kern="1200"/>
+  </cs:legend>
+  <cs:plotArea mods="allowNoFillOverride allowNoLineOverride">
+    <cs:lnRef idx="0"/>
+    <cs:fillRef idx="0"/>
+    <cs:effectRef idx="0"/>
+    <cs:fontRef idx="minor">
+      <a:schemeClr val="tx1"/>
+    </cs:fontRef>
+  </cs:plotArea>
+  <cs:plotArea3D mods="allowNoFillOverride allowNoLineOverride">
+    <cs:lnRef idx="0"/>
+    <cs:fillRef idx="0"/>
+    <cs:effectRef idx="0"/>
+    <cs:fontRef idx="minor">
+      <a:schemeClr val="tx1"/>
+    </cs:fontRef>
+  </cs:plotArea3D>
+  <cs:seriesAxis>
+    <cs:lnRef idx="0"/>
+    <cs:fillRef idx="0"/>
+    <cs:effectRef idx="0"/>
+    <cs:fontRef idx="minor">
+      <a:schemeClr val="tx1">
+        <a:lumMod val="65000"/>
+        <a:lumOff val="35000"/>
+      </a:schemeClr>
+    </cs:fontRef>
+    <cs:defRPr sz="1197" kern="1200"/>
+  </cs:seriesAxis>
+  <cs:seriesLine>
+    <cs:lnRef idx="0"/>
+    <cs:fillRef idx="0"/>
+    <cs:effectRef idx="0"/>
+    <cs:fontRef idx="minor">
+      <a:schemeClr val="tx1"/>
+    </cs:fontRef>
+    <cs:spPr>
+      <a:ln w="9525" cap="flat" cmpd="sng" algn="ctr">
+        <a:solidFill>
+          <a:schemeClr val="tx1">
+            <a:lumMod val="35000"/>
+            <a:lumOff val="65000"/>
+          </a:schemeClr>
+        </a:solidFill>
+        <a:round/>
+      </a:ln>
+    </cs:spPr>
+  </cs:seriesLine>
+  <cs:title>
+    <cs:lnRef idx="0"/>
+    <cs:fillRef idx="0"/>
+    <cs:effectRef idx="0"/>
+    <cs:fontRef idx="minor">
+      <a:schemeClr val="tx1">
+        <a:lumMod val="65000"/>
+        <a:lumOff val="35000"/>
+      </a:schemeClr>
+    </cs:fontRef>
+    <cs:defRPr sz="1862" b="0" kern="1200" spc="0" baseline="0"/>
+  </cs:title>
+  <cs:trendline>
+    <cs:lnRef idx="0">
+      <cs:styleClr val="auto"/>
+    </cs:lnRef>
+    <cs:fillRef idx="0"/>
+    <cs:effectRef idx="0"/>
+    <cs:fontRef idx="minor">
+      <a:schemeClr val="tx1"/>
+    </cs:fontRef>
+    <cs:spPr>
+      <a:ln w="19050" cap="rnd">
+        <a:solidFill>
+          <a:schemeClr val="phClr"/>
+        </a:solidFill>
+        <a:prstDash val="sysDot"/>
+      </a:ln>
+    </cs:spPr>
+  </cs:trendline>
+  <cs:trendlineLabel>
+    <cs:lnRef idx="0"/>
+    <cs:fillRef idx="0"/>
+    <cs:effectRef idx="0"/>
+    <cs:fontRef idx="minor">
+      <a:schemeClr val="tx1">
+        <a:lumMod val="65000"/>
+        <a:lumOff val="35000"/>
+      </a:schemeClr>
+    </cs:fontRef>
+    <cs:defRPr sz="1197" kern="1200"/>
+  </cs:trendlineLabel>
+  <cs:upBar>
+    <cs:lnRef idx="0"/>
+    <cs:fillRef idx="0"/>
+    <cs:effectRef idx="0"/>
+    <cs:fontRef idx="minor">
+      <a:schemeClr val="dk1"/>
+    </cs:fontRef>
+    <cs:spPr>
+      <a:solidFill>
+        <a:schemeClr val="lt1"/>
+      </a:solidFill>
+      <a:ln w="9525">
+        <a:solidFill>
+          <a:schemeClr val="tx1">
+            <a:lumMod val="15000"/>
+            <a:lumOff val="85000"/>
+          </a:schemeClr>
+        </a:solidFill>
+      </a:ln>
+    </cs:spPr>
+  </cs:upBar>
+  <cs:valueAxis>
+    <cs:lnRef idx="0"/>
+    <cs:fillRef idx="0"/>
+    <cs:effectRef idx="0"/>
+    <cs:fontRef idx="minor">
+      <a:schemeClr val="tx1">
+        <a:lumMod val="65000"/>
+        <a:lumOff val="35000"/>
+      </a:schemeClr>
+    </cs:fontRef>
+    <cs:defRPr sz="1197" kern="1200"/>
+  </cs:valueAxis>
+  <cs:wall>
+    <cs:lnRef idx="0"/>
+    <cs:fillRef idx="0"/>
+    <cs:effectRef idx="0"/>
+    <cs:fontRef idx="minor">
+      <a:schemeClr val="tx1"/>
+    </cs:fontRef>
+    <cs:spPr>
+      <a:noFill/>
+      <a:ln>
+        <a:noFill/>
+      </a:ln>
+    </cs:spPr>
+  </cs:wall>
+</cs:chartStyle>
 </file>
 
 <file path=ppt/notesMasters/notesMaster1.xml><?xml version="1.0" encoding="utf-8"?>
@@ -545,6 +5898,1376 @@
     <p:extLst>
       <p:ext uri="{BB962C8B-B14F-4D97-AF65-F5344CB8AC3E}">
         <p14:creationId xmlns:p14="http://schemas.microsoft.com/office/powerpoint/2010/main" val="4136443331"/>
+      </p:ext>
+    </p:extLst>
+  </p:cSld>
+  <p:clrMapOvr>
+    <a:masterClrMapping/>
+  </p:clrMapOvr>
+</p:notes>
+</file>
+
+<file path=ppt/notesSlides/notesSlide10.xml><?xml version="1.0" encoding="utf-8"?>
+<p:notes xmlns:a="http://schemas.openxmlformats.org/drawingml/2006/main" xmlns:r="http://schemas.openxmlformats.org/officeDocument/2006/relationships" xmlns:p="http://schemas.openxmlformats.org/presentationml/2006/main">
+  <p:cSld>
+    <p:spTree>
+      <p:nvGrpSpPr>
+        <p:cNvPr id="1" name=""/>
+        <p:cNvGrpSpPr/>
+        <p:nvPr/>
+      </p:nvGrpSpPr>
+      <p:grpSpPr>
+        <a:xfrm>
+          <a:off x="0" y="0"/>
+          <a:ext cx="0" cy="0"/>
+          <a:chOff x="0" y="0"/>
+          <a:chExt cx="0" cy="0"/>
+        </a:xfrm>
+      </p:grpSpPr>
+      <p:sp>
+        <p:nvSpPr>
+          <p:cNvPr id="2" name="Slide Image Placeholder 1"/>
+          <p:cNvSpPr>
+            <a:spLocks noGrp="1" noRot="1" noChangeAspect="1"/>
+          </p:cNvSpPr>
+          <p:nvPr>
+            <p:ph type="sldImg"/>
+          </p:nvPr>
+        </p:nvSpPr>
+        <p:spPr/>
+      </p:sp>
+      <p:sp>
+        <p:nvSpPr>
+          <p:cNvPr id="3" name="Notes Placeholder 2"/>
+          <p:cNvSpPr>
+            <a:spLocks noGrp="1"/>
+          </p:cNvSpPr>
+          <p:nvPr>
+            <p:ph type="body" idx="1"/>
+          </p:nvPr>
+        </p:nvSpPr>
+        <p:spPr/>
+        <p:txBody>
+          <a:bodyPr/>
+          <a:lstStyle/>
+          <a:p>
+            <a:pPr marL="0" indent="0">
+              <a:buNone/>
+            </a:pPr>
+            <a:r>
+              <a:rPr lang="en-US" sz="1200" dirty="0"/>
+              <a:t>Mike Bostock | 2011</a:t>
+            </a:r>
+          </a:p>
+          <a:p>
+            <a:pPr marL="0" indent="0">
+              <a:buNone/>
+            </a:pPr>
+            <a:r>
+              <a:rPr lang="en-US" sz="1200" dirty="0"/>
+              <a:t>D3 = Data Driven Documents</a:t>
+            </a:r>
+          </a:p>
+          <a:p>
+            <a:pPr marL="0" indent="0">
+              <a:buNone/>
+            </a:pPr>
+            <a:r>
+              <a:rPr lang="en-US" sz="1200" dirty="0"/>
+              <a:t>Data Visualization Toolbox</a:t>
+            </a:r>
+          </a:p>
+          <a:p>
+            <a:pPr marL="0" indent="0">
+              <a:buNone/>
+            </a:pPr>
+            <a:r>
+              <a:rPr lang="en-US" sz="1200" dirty="0"/>
+              <a:t>Uses Web Standards to make charts</a:t>
+            </a:r>
+          </a:p>
+          <a:p>
+            <a:endParaRPr lang="en-US" dirty="0"/>
+          </a:p>
+        </p:txBody>
+      </p:sp>
+      <p:sp>
+        <p:nvSpPr>
+          <p:cNvPr id="4" name="Slide Number Placeholder 3"/>
+          <p:cNvSpPr>
+            <a:spLocks noGrp="1"/>
+          </p:cNvSpPr>
+          <p:nvPr>
+            <p:ph type="sldNum" sz="quarter" idx="10"/>
+          </p:nvPr>
+        </p:nvSpPr>
+        <p:spPr/>
+        <p:txBody>
+          <a:bodyPr/>
+          <a:lstStyle/>
+          <a:p>
+            <a:fld id="{E5A097B1-DDF2-47DB-BEB4-A56B76E0BD07}" type="slidenum">
+              <a:rPr lang="en-US" smtClean="0"/>
+              <a:t>13</a:t>
+            </a:fld>
+            <a:endParaRPr lang="en-US"/>
+          </a:p>
+        </p:txBody>
+      </p:sp>
+    </p:spTree>
+    <p:extLst>
+      <p:ext uri="{BB962C8B-B14F-4D97-AF65-F5344CB8AC3E}">
+        <p14:creationId xmlns:p14="http://schemas.microsoft.com/office/powerpoint/2010/main" val="3312308118"/>
+      </p:ext>
+    </p:extLst>
+  </p:cSld>
+  <p:clrMapOvr>
+    <a:masterClrMapping/>
+  </p:clrMapOvr>
+</p:notes>
+</file>
+
+<file path=ppt/notesSlides/notesSlide11.xml><?xml version="1.0" encoding="utf-8"?>
+<p:notes xmlns:a="http://schemas.openxmlformats.org/drawingml/2006/main" xmlns:r="http://schemas.openxmlformats.org/officeDocument/2006/relationships" xmlns:p="http://schemas.openxmlformats.org/presentationml/2006/main">
+  <p:cSld>
+    <p:spTree>
+      <p:nvGrpSpPr>
+        <p:cNvPr id="1" name=""/>
+        <p:cNvGrpSpPr/>
+        <p:nvPr/>
+      </p:nvGrpSpPr>
+      <p:grpSpPr>
+        <a:xfrm>
+          <a:off x="0" y="0"/>
+          <a:ext cx="0" cy="0"/>
+          <a:chOff x="0" y="0"/>
+          <a:chExt cx="0" cy="0"/>
+        </a:xfrm>
+      </p:grpSpPr>
+      <p:sp>
+        <p:nvSpPr>
+          <p:cNvPr id="2" name="Slide Image Placeholder 1"/>
+          <p:cNvSpPr>
+            <a:spLocks noGrp="1" noRot="1" noChangeAspect="1"/>
+          </p:cNvSpPr>
+          <p:nvPr>
+            <p:ph type="sldImg"/>
+          </p:nvPr>
+        </p:nvSpPr>
+        <p:spPr/>
+      </p:sp>
+      <p:sp>
+        <p:nvSpPr>
+          <p:cNvPr id="3" name="Notes Placeholder 2"/>
+          <p:cNvSpPr>
+            <a:spLocks noGrp="1"/>
+          </p:cNvSpPr>
+          <p:nvPr>
+            <p:ph type="body" idx="1"/>
+          </p:nvPr>
+        </p:nvSpPr>
+        <p:spPr/>
+        <p:txBody>
+          <a:bodyPr/>
+          <a:lstStyle/>
+          <a:p>
+            <a:r>
+              <a:rPr lang="en-US" dirty="0"/>
+              <a:t>D3 is the laser chain saw of visualization tools</a:t>
+            </a:r>
+          </a:p>
+          <a:p>
+            <a:endParaRPr lang="en-US" dirty="0"/>
+          </a:p>
+          <a:p>
+            <a:r>
+              <a:rPr lang="en-US" dirty="0"/>
+              <a:t>It’s a powerful library and has lots of features:</a:t>
+            </a:r>
+          </a:p>
+          <a:p>
+            <a:endParaRPr lang="en-US" dirty="0"/>
+          </a:p>
+          <a:p>
+            <a:r>
+              <a:rPr lang="en-US" dirty="0"/>
+              <a:t>Scroll through the API documentation:</a:t>
+            </a:r>
+          </a:p>
+          <a:p>
+            <a:r>
+              <a:rPr lang="en-US" dirty="0"/>
+              <a:t>https://github.com/d3/d3/blob/master/API.md</a:t>
+            </a:r>
+          </a:p>
+          <a:p>
+            <a:endParaRPr lang="en-US" dirty="0"/>
+          </a:p>
+        </p:txBody>
+      </p:sp>
+      <p:sp>
+        <p:nvSpPr>
+          <p:cNvPr id="4" name="Slide Number Placeholder 3"/>
+          <p:cNvSpPr>
+            <a:spLocks noGrp="1"/>
+          </p:cNvSpPr>
+          <p:nvPr>
+            <p:ph type="sldNum" sz="quarter" idx="10"/>
+          </p:nvPr>
+        </p:nvSpPr>
+        <p:spPr/>
+        <p:txBody>
+          <a:bodyPr/>
+          <a:lstStyle/>
+          <a:p>
+            <a:fld id="{E5A097B1-DDF2-47DB-BEB4-A56B76E0BD07}" type="slidenum">
+              <a:rPr lang="en-US" smtClean="0"/>
+              <a:t>14</a:t>
+            </a:fld>
+            <a:endParaRPr lang="en-US"/>
+          </a:p>
+        </p:txBody>
+      </p:sp>
+    </p:spTree>
+    <p:extLst>
+      <p:ext uri="{BB962C8B-B14F-4D97-AF65-F5344CB8AC3E}">
+        <p14:creationId xmlns:p14="http://schemas.microsoft.com/office/powerpoint/2010/main" val="3105375787"/>
+      </p:ext>
+    </p:extLst>
+  </p:cSld>
+  <p:clrMapOvr>
+    <a:masterClrMapping/>
+  </p:clrMapOvr>
+</p:notes>
+</file>
+
+<file path=ppt/notesSlides/notesSlide12.xml><?xml version="1.0" encoding="utf-8"?>
+<p:notes xmlns:a="http://schemas.openxmlformats.org/drawingml/2006/main" xmlns:r="http://schemas.openxmlformats.org/officeDocument/2006/relationships" xmlns:p="http://schemas.openxmlformats.org/presentationml/2006/main">
+  <p:cSld>
+    <p:spTree>
+      <p:nvGrpSpPr>
+        <p:cNvPr id="1" name=""/>
+        <p:cNvGrpSpPr/>
+        <p:nvPr/>
+      </p:nvGrpSpPr>
+      <p:grpSpPr>
+        <a:xfrm>
+          <a:off x="0" y="0"/>
+          <a:ext cx="0" cy="0"/>
+          <a:chOff x="0" y="0"/>
+          <a:chExt cx="0" cy="0"/>
+        </a:xfrm>
+      </p:grpSpPr>
+      <p:sp>
+        <p:nvSpPr>
+          <p:cNvPr id="2" name="Slide Image Placeholder 1"/>
+          <p:cNvSpPr>
+            <a:spLocks noGrp="1" noRot="1" noChangeAspect="1"/>
+          </p:cNvSpPr>
+          <p:nvPr>
+            <p:ph type="sldImg"/>
+          </p:nvPr>
+        </p:nvSpPr>
+        <p:spPr/>
+      </p:sp>
+      <p:sp>
+        <p:nvSpPr>
+          <p:cNvPr id="3" name="Notes Placeholder 2"/>
+          <p:cNvSpPr>
+            <a:spLocks noGrp="1"/>
+          </p:cNvSpPr>
+          <p:nvPr>
+            <p:ph type="body" idx="1"/>
+          </p:nvPr>
+        </p:nvSpPr>
+        <p:spPr/>
+        <p:txBody>
+          <a:bodyPr/>
+          <a:lstStyle/>
+          <a:p>
+            <a:pPr marL="0" indent="0">
+              <a:buNone/>
+            </a:pPr>
+            <a:r>
+              <a:rPr lang="en-US" sz="1200" dirty="0"/>
+              <a:t>DIY Charting Library</a:t>
+            </a:r>
+          </a:p>
+          <a:p>
+            <a:pPr marL="0" indent="0">
+              <a:buNone/>
+            </a:pPr>
+            <a:r>
+              <a:rPr lang="en-US" sz="1200" dirty="0"/>
+              <a:t>- Build the basis for a company wide charting library</a:t>
+            </a:r>
+          </a:p>
+          <a:p>
+            <a:pPr marL="0" indent="0">
+              <a:buNone/>
+            </a:pPr>
+            <a:endParaRPr lang="en-US" sz="1200" dirty="0"/>
+          </a:p>
+          <a:p>
+            <a:pPr marL="0" indent="0">
+              <a:buNone/>
+            </a:pPr>
+            <a:r>
+              <a:rPr lang="en-US" sz="1200" dirty="0"/>
+              <a:t>Unique Visualizations</a:t>
+            </a:r>
+          </a:p>
+          <a:p>
+            <a:pPr marL="0" indent="0">
+              <a:buNone/>
+            </a:pPr>
+            <a:r>
+              <a:rPr lang="en-US" sz="1200" dirty="0"/>
+              <a:t>- Need something that the standard charts can’t handle</a:t>
+            </a:r>
+          </a:p>
+          <a:p>
+            <a:pPr marL="0" indent="0">
+              <a:buNone/>
+            </a:pPr>
+            <a:endParaRPr lang="en-US" sz="1200" dirty="0"/>
+          </a:p>
+          <a:p>
+            <a:pPr marL="0" indent="0">
+              <a:buNone/>
+            </a:pPr>
+            <a:r>
+              <a:rPr lang="en-US" sz="1200" dirty="0"/>
+              <a:t>Need Low Level Control</a:t>
+            </a:r>
+          </a:p>
+          <a:p>
+            <a:pPr marL="0" indent="0">
+              <a:buNone/>
+            </a:pPr>
+            <a:r>
+              <a:rPr lang="en-US" sz="1200" dirty="0"/>
+              <a:t>- Lots of people come to D3 after their regular charting stuff doesn’t work out</a:t>
+            </a:r>
+          </a:p>
+          <a:p>
+            <a:endParaRPr lang="en-US" dirty="0"/>
+          </a:p>
+        </p:txBody>
+      </p:sp>
+      <p:sp>
+        <p:nvSpPr>
+          <p:cNvPr id="4" name="Slide Number Placeholder 3"/>
+          <p:cNvSpPr>
+            <a:spLocks noGrp="1"/>
+          </p:cNvSpPr>
+          <p:nvPr>
+            <p:ph type="sldNum" sz="quarter" idx="10"/>
+          </p:nvPr>
+        </p:nvSpPr>
+        <p:spPr/>
+        <p:txBody>
+          <a:bodyPr/>
+          <a:lstStyle/>
+          <a:p>
+            <a:fld id="{E5A097B1-DDF2-47DB-BEB4-A56B76E0BD07}" type="slidenum">
+              <a:rPr lang="en-US" smtClean="0"/>
+              <a:t>15</a:t>
+            </a:fld>
+            <a:endParaRPr lang="en-US"/>
+          </a:p>
+        </p:txBody>
+      </p:sp>
+    </p:spTree>
+    <p:extLst>
+      <p:ext uri="{BB962C8B-B14F-4D97-AF65-F5344CB8AC3E}">
+        <p14:creationId xmlns:p14="http://schemas.microsoft.com/office/powerpoint/2010/main" val="787171247"/>
+      </p:ext>
+    </p:extLst>
+  </p:cSld>
+  <p:clrMapOvr>
+    <a:masterClrMapping/>
+  </p:clrMapOvr>
+</p:notes>
+</file>
+
+<file path=ppt/notesSlides/notesSlide13.xml><?xml version="1.0" encoding="utf-8"?>
+<p:notes xmlns:a="http://schemas.openxmlformats.org/drawingml/2006/main" xmlns:r="http://schemas.openxmlformats.org/officeDocument/2006/relationships" xmlns:p="http://schemas.openxmlformats.org/presentationml/2006/main">
+  <p:cSld>
+    <p:spTree>
+      <p:nvGrpSpPr>
+        <p:cNvPr id="1" name=""/>
+        <p:cNvGrpSpPr/>
+        <p:nvPr/>
+      </p:nvGrpSpPr>
+      <p:grpSpPr>
+        <a:xfrm>
+          <a:off x="0" y="0"/>
+          <a:ext cx="0" cy="0"/>
+          <a:chOff x="0" y="0"/>
+          <a:chExt cx="0" cy="0"/>
+        </a:xfrm>
+      </p:grpSpPr>
+      <p:sp>
+        <p:nvSpPr>
+          <p:cNvPr id="2" name="Slide Image Placeholder 1"/>
+          <p:cNvSpPr>
+            <a:spLocks noGrp="1" noRot="1" noChangeAspect="1"/>
+          </p:cNvSpPr>
+          <p:nvPr>
+            <p:ph type="sldImg"/>
+          </p:nvPr>
+        </p:nvSpPr>
+        <p:spPr/>
+      </p:sp>
+      <p:sp>
+        <p:nvSpPr>
+          <p:cNvPr id="3" name="Notes Placeholder 2"/>
+          <p:cNvSpPr>
+            <a:spLocks noGrp="1"/>
+          </p:cNvSpPr>
+          <p:nvPr>
+            <p:ph type="body" idx="1"/>
+          </p:nvPr>
+        </p:nvSpPr>
+        <p:spPr/>
+        <p:txBody>
+          <a:bodyPr/>
+          <a:lstStyle/>
+          <a:p>
+            <a:r>
+              <a:rPr lang="en-US" dirty="0"/>
+              <a:t>D3.js charts</a:t>
+            </a:r>
+          </a:p>
+          <a:p>
+            <a:r>
+              <a:rPr lang="en-US" dirty="0"/>
+              <a:t>Easier to use than D3.js</a:t>
+            </a:r>
+          </a:p>
+          <a:p>
+            <a:r>
+              <a:rPr lang="en-US" dirty="0"/>
+              <a:t>Uses the older version of D3, which is annoying.</a:t>
+            </a:r>
+          </a:p>
+          <a:p>
+            <a:endParaRPr lang="en-US" dirty="0"/>
+          </a:p>
+          <a:p>
+            <a:r>
+              <a:rPr lang="en-US" dirty="0"/>
+              <a:t>D3 v3 vs. </a:t>
+            </a:r>
+            <a:r>
+              <a:rPr lang="en-US"/>
+              <a:t>D3 v4</a:t>
+            </a:r>
+            <a:endParaRPr lang="en-US" dirty="0"/>
+          </a:p>
+        </p:txBody>
+      </p:sp>
+      <p:sp>
+        <p:nvSpPr>
+          <p:cNvPr id="4" name="Slide Number Placeholder 3"/>
+          <p:cNvSpPr>
+            <a:spLocks noGrp="1"/>
+          </p:cNvSpPr>
+          <p:nvPr>
+            <p:ph type="sldNum" sz="quarter" idx="10"/>
+          </p:nvPr>
+        </p:nvSpPr>
+        <p:spPr/>
+        <p:txBody>
+          <a:bodyPr/>
+          <a:lstStyle/>
+          <a:p>
+            <a:fld id="{E5A097B1-DDF2-47DB-BEB4-A56B76E0BD07}" type="slidenum">
+              <a:rPr lang="en-US" smtClean="0"/>
+              <a:t>16</a:t>
+            </a:fld>
+            <a:endParaRPr lang="en-US"/>
+          </a:p>
+        </p:txBody>
+      </p:sp>
+    </p:spTree>
+    <p:extLst>
+      <p:ext uri="{BB962C8B-B14F-4D97-AF65-F5344CB8AC3E}">
+        <p14:creationId xmlns:p14="http://schemas.microsoft.com/office/powerpoint/2010/main" val="1450746510"/>
+      </p:ext>
+    </p:extLst>
+  </p:cSld>
+  <p:clrMapOvr>
+    <a:masterClrMapping/>
+  </p:clrMapOvr>
+</p:notes>
+</file>
+
+<file path=ppt/notesSlides/notesSlide2.xml><?xml version="1.0" encoding="utf-8"?>
+<p:notes xmlns:a="http://schemas.openxmlformats.org/drawingml/2006/main" xmlns:r="http://schemas.openxmlformats.org/officeDocument/2006/relationships" xmlns:p="http://schemas.openxmlformats.org/presentationml/2006/main">
+  <p:cSld>
+    <p:spTree>
+      <p:nvGrpSpPr>
+        <p:cNvPr id="1" name=""/>
+        <p:cNvGrpSpPr/>
+        <p:nvPr/>
+      </p:nvGrpSpPr>
+      <p:grpSpPr>
+        <a:xfrm>
+          <a:off x="0" y="0"/>
+          <a:ext cx="0" cy="0"/>
+          <a:chOff x="0" y="0"/>
+          <a:chExt cx="0" cy="0"/>
+        </a:xfrm>
+      </p:grpSpPr>
+      <p:sp>
+        <p:nvSpPr>
+          <p:cNvPr id="2" name="Slide Image Placeholder 1"/>
+          <p:cNvSpPr>
+            <a:spLocks noGrp="1" noRot="1" noChangeAspect="1"/>
+          </p:cNvSpPr>
+          <p:nvPr>
+            <p:ph type="sldImg"/>
+          </p:nvPr>
+        </p:nvSpPr>
+        <p:spPr/>
+      </p:sp>
+      <p:sp>
+        <p:nvSpPr>
+          <p:cNvPr id="3" name="Notes Placeholder 2"/>
+          <p:cNvSpPr>
+            <a:spLocks noGrp="1"/>
+          </p:cNvSpPr>
+          <p:nvPr>
+            <p:ph type="body" idx="1"/>
+          </p:nvPr>
+        </p:nvSpPr>
+        <p:spPr/>
+        <p:txBody>
+          <a:bodyPr/>
+          <a:lstStyle/>
+          <a:p>
+            <a:r>
+              <a:rPr lang="en-US" dirty="0"/>
+              <a:t>Actually shell out to the website if I can. </a:t>
+            </a:r>
+          </a:p>
+          <a:p>
+            <a:endParaRPr lang="en-US" dirty="0"/>
+          </a:p>
+          <a:p>
+            <a:r>
+              <a:rPr lang="en-US" dirty="0"/>
+              <a:t>Major points: </a:t>
+            </a:r>
+          </a:p>
+          <a:p>
+            <a:pPr marL="0" indent="0">
+              <a:buNone/>
+            </a:pPr>
+            <a:r>
+              <a:rPr lang="en-US" dirty="0"/>
+              <a:t>1. There’s a ton of data here. Each data dimension is an excel spreadsheet. </a:t>
+            </a:r>
+          </a:p>
+          <a:p>
+            <a:pPr marL="0" indent="0">
+              <a:buNone/>
+            </a:pPr>
+            <a:r>
+              <a:rPr lang="en-US" dirty="0"/>
+              <a:t>2. The animation tells a very interesting story</a:t>
+            </a:r>
+          </a:p>
+          <a:p>
+            <a:pPr marL="0" indent="0">
+              <a:buNone/>
+            </a:pPr>
+            <a:r>
+              <a:rPr lang="en-US" dirty="0"/>
+              <a:t>3. Easily accessible by nearly anyone</a:t>
+            </a:r>
+          </a:p>
+          <a:p>
+            <a:pPr marL="0" indent="0">
+              <a:buNone/>
+            </a:pPr>
+            <a:r>
+              <a:rPr lang="en-US" dirty="0"/>
+              <a:t>4. People can actually handle the data (it’s interactive)</a:t>
+            </a:r>
+          </a:p>
+          <a:p>
+            <a:pPr marL="0" indent="0">
+              <a:buNone/>
+            </a:pPr>
+            <a:endParaRPr lang="en-US" dirty="0"/>
+          </a:p>
+          <a:p>
+            <a:r>
+              <a:rPr lang="en-US" dirty="0"/>
+              <a:t>http://www.gapminder.org/tools/#_locale_id=en;&amp;chart-type=bubbles</a:t>
+            </a:r>
+          </a:p>
+          <a:p>
+            <a:endParaRPr lang="en-US" dirty="0"/>
+          </a:p>
+          <a:p>
+            <a:endParaRPr lang="en-US" dirty="0"/>
+          </a:p>
+        </p:txBody>
+      </p:sp>
+      <p:sp>
+        <p:nvSpPr>
+          <p:cNvPr id="4" name="Slide Number Placeholder 3"/>
+          <p:cNvSpPr>
+            <a:spLocks noGrp="1"/>
+          </p:cNvSpPr>
+          <p:nvPr>
+            <p:ph type="sldNum" sz="quarter" idx="10"/>
+          </p:nvPr>
+        </p:nvSpPr>
+        <p:spPr/>
+        <p:txBody>
+          <a:bodyPr/>
+          <a:lstStyle/>
+          <a:p>
+            <a:fld id="{E5A097B1-DDF2-47DB-BEB4-A56B76E0BD07}" type="slidenum">
+              <a:rPr lang="en-US" smtClean="0"/>
+              <a:t>4</a:t>
+            </a:fld>
+            <a:endParaRPr lang="en-US"/>
+          </a:p>
+        </p:txBody>
+      </p:sp>
+    </p:spTree>
+    <p:extLst>
+      <p:ext uri="{BB962C8B-B14F-4D97-AF65-F5344CB8AC3E}">
+        <p14:creationId xmlns:p14="http://schemas.microsoft.com/office/powerpoint/2010/main" val="1708818566"/>
+      </p:ext>
+    </p:extLst>
+  </p:cSld>
+  <p:clrMapOvr>
+    <a:masterClrMapping/>
+  </p:clrMapOvr>
+</p:notes>
+</file>
+
+<file path=ppt/notesSlides/notesSlide3.xml><?xml version="1.0" encoding="utf-8"?>
+<p:notes xmlns:a="http://schemas.openxmlformats.org/drawingml/2006/main" xmlns:r="http://schemas.openxmlformats.org/officeDocument/2006/relationships" xmlns:p="http://schemas.openxmlformats.org/presentationml/2006/main">
+  <p:cSld>
+    <p:spTree>
+      <p:nvGrpSpPr>
+        <p:cNvPr id="1" name=""/>
+        <p:cNvGrpSpPr/>
+        <p:nvPr/>
+      </p:nvGrpSpPr>
+      <p:grpSpPr>
+        <a:xfrm>
+          <a:off x="0" y="0"/>
+          <a:ext cx="0" cy="0"/>
+          <a:chOff x="0" y="0"/>
+          <a:chExt cx="0" cy="0"/>
+        </a:xfrm>
+      </p:grpSpPr>
+      <p:sp>
+        <p:nvSpPr>
+          <p:cNvPr id="2" name="Slide Image Placeholder 1"/>
+          <p:cNvSpPr>
+            <a:spLocks noGrp="1" noRot="1" noChangeAspect="1"/>
+          </p:cNvSpPr>
+          <p:nvPr>
+            <p:ph type="sldImg"/>
+          </p:nvPr>
+        </p:nvSpPr>
+        <p:spPr/>
+      </p:sp>
+      <p:sp>
+        <p:nvSpPr>
+          <p:cNvPr id="3" name="Notes Placeholder 2"/>
+          <p:cNvSpPr>
+            <a:spLocks noGrp="1"/>
+          </p:cNvSpPr>
+          <p:nvPr>
+            <p:ph type="body" idx="1"/>
+          </p:nvPr>
+        </p:nvSpPr>
+        <p:spPr/>
+        <p:txBody>
+          <a:bodyPr/>
+          <a:lstStyle/>
+          <a:p>
+            <a:r>
+              <a:rPr lang="en-US" dirty="0"/>
+              <a:t>https://en.wikipedia.org/wiki/Charles_Joseph_Minard</a:t>
+            </a:r>
+          </a:p>
+          <a:p>
+            <a:endParaRPr lang="en-US" dirty="0"/>
+          </a:p>
+          <a:p>
+            <a:r>
+              <a:rPr lang="en-US" dirty="0"/>
+              <a:t>This data viz tells a story about Napoleon and his followers. </a:t>
+            </a:r>
+          </a:p>
+          <a:p>
+            <a:r>
+              <a:rPr lang="en-US" dirty="0"/>
+              <a:t>Doesn’t even need to be high tech… This is from 1869</a:t>
+            </a:r>
+          </a:p>
+          <a:p>
+            <a:endParaRPr lang="en-US" dirty="0"/>
+          </a:p>
+        </p:txBody>
+      </p:sp>
+      <p:sp>
+        <p:nvSpPr>
+          <p:cNvPr id="4" name="Slide Number Placeholder 3"/>
+          <p:cNvSpPr>
+            <a:spLocks noGrp="1"/>
+          </p:cNvSpPr>
+          <p:nvPr>
+            <p:ph type="sldNum" sz="quarter" idx="10"/>
+          </p:nvPr>
+        </p:nvSpPr>
+        <p:spPr/>
+        <p:txBody>
+          <a:bodyPr/>
+          <a:lstStyle/>
+          <a:p>
+            <a:fld id="{E5A097B1-DDF2-47DB-BEB4-A56B76E0BD07}" type="slidenum">
+              <a:rPr lang="en-US" smtClean="0"/>
+              <a:t>5</a:t>
+            </a:fld>
+            <a:endParaRPr lang="en-US"/>
+          </a:p>
+        </p:txBody>
+      </p:sp>
+    </p:spTree>
+    <p:extLst>
+      <p:ext uri="{BB962C8B-B14F-4D97-AF65-F5344CB8AC3E}">
+        <p14:creationId xmlns:p14="http://schemas.microsoft.com/office/powerpoint/2010/main" val="4119434134"/>
+      </p:ext>
+    </p:extLst>
+  </p:cSld>
+  <p:clrMapOvr>
+    <a:masterClrMapping/>
+  </p:clrMapOvr>
+</p:notes>
+</file>
+
+<file path=ppt/notesSlides/notesSlide4.xml><?xml version="1.0" encoding="utf-8"?>
+<p:notes xmlns:a="http://schemas.openxmlformats.org/drawingml/2006/main" xmlns:r="http://schemas.openxmlformats.org/officeDocument/2006/relationships" xmlns:p="http://schemas.openxmlformats.org/presentationml/2006/main">
+  <p:cSld>
+    <p:spTree>
+      <p:nvGrpSpPr>
+        <p:cNvPr id="1" name=""/>
+        <p:cNvGrpSpPr/>
+        <p:nvPr/>
+      </p:nvGrpSpPr>
+      <p:grpSpPr>
+        <a:xfrm>
+          <a:off x="0" y="0"/>
+          <a:ext cx="0" cy="0"/>
+          <a:chOff x="0" y="0"/>
+          <a:chExt cx="0" cy="0"/>
+        </a:xfrm>
+      </p:grpSpPr>
+      <p:sp>
+        <p:nvSpPr>
+          <p:cNvPr id="2" name="Slide Image Placeholder 1"/>
+          <p:cNvSpPr>
+            <a:spLocks noGrp="1" noRot="1" noChangeAspect="1"/>
+          </p:cNvSpPr>
+          <p:nvPr>
+            <p:ph type="sldImg"/>
+          </p:nvPr>
+        </p:nvSpPr>
+        <p:spPr/>
+      </p:sp>
+      <p:sp>
+        <p:nvSpPr>
+          <p:cNvPr id="3" name="Notes Placeholder 2"/>
+          <p:cNvSpPr>
+            <a:spLocks noGrp="1"/>
+          </p:cNvSpPr>
+          <p:nvPr>
+            <p:ph type="body" idx="1"/>
+          </p:nvPr>
+        </p:nvSpPr>
+        <p:spPr/>
+        <p:txBody>
+          <a:bodyPr/>
+          <a:lstStyle/>
+          <a:p>
+            <a:r>
+              <a:rPr lang="en-US" dirty="0"/>
+              <a:t>https://www.nytimes.com/interactive/2015/11/24/upshot/thanksgiving-flight-patterns.html</a:t>
+            </a:r>
+          </a:p>
+          <a:p>
+            <a:endParaRPr lang="en-US" dirty="0"/>
+          </a:p>
+          <a:p>
+            <a:r>
+              <a:rPr lang="en-US" dirty="0"/>
+              <a:t>Data viz gives you a better overview of the data than statistics would. </a:t>
+            </a:r>
+          </a:p>
+          <a:p>
+            <a:endParaRPr lang="en-US" dirty="0"/>
+          </a:p>
+        </p:txBody>
+      </p:sp>
+      <p:sp>
+        <p:nvSpPr>
+          <p:cNvPr id="4" name="Slide Number Placeholder 3"/>
+          <p:cNvSpPr>
+            <a:spLocks noGrp="1"/>
+          </p:cNvSpPr>
+          <p:nvPr>
+            <p:ph type="sldNum" sz="quarter" idx="10"/>
+          </p:nvPr>
+        </p:nvSpPr>
+        <p:spPr/>
+        <p:txBody>
+          <a:bodyPr/>
+          <a:lstStyle/>
+          <a:p>
+            <a:fld id="{E5A097B1-DDF2-47DB-BEB4-A56B76E0BD07}" type="slidenum">
+              <a:rPr lang="en-US" smtClean="0"/>
+              <a:t>6</a:t>
+            </a:fld>
+            <a:endParaRPr lang="en-US"/>
+          </a:p>
+        </p:txBody>
+      </p:sp>
+    </p:spTree>
+    <p:extLst>
+      <p:ext uri="{BB962C8B-B14F-4D97-AF65-F5344CB8AC3E}">
+        <p14:creationId xmlns:p14="http://schemas.microsoft.com/office/powerpoint/2010/main" val="22920226"/>
+      </p:ext>
+    </p:extLst>
+  </p:cSld>
+  <p:clrMapOvr>
+    <a:masterClrMapping/>
+  </p:clrMapOvr>
+</p:notes>
+</file>
+
+<file path=ppt/notesSlides/notesSlide5.xml><?xml version="1.0" encoding="utf-8"?>
+<p:notes xmlns:a="http://schemas.openxmlformats.org/drawingml/2006/main" xmlns:r="http://schemas.openxmlformats.org/officeDocument/2006/relationships" xmlns:p="http://schemas.openxmlformats.org/presentationml/2006/main">
+  <p:cSld>
+    <p:spTree>
+      <p:nvGrpSpPr>
+        <p:cNvPr id="1" name=""/>
+        <p:cNvGrpSpPr/>
+        <p:nvPr/>
+      </p:nvGrpSpPr>
+      <p:grpSpPr>
+        <a:xfrm>
+          <a:off x="0" y="0"/>
+          <a:ext cx="0" cy="0"/>
+          <a:chOff x="0" y="0"/>
+          <a:chExt cx="0" cy="0"/>
+        </a:xfrm>
+      </p:grpSpPr>
+      <p:sp>
+        <p:nvSpPr>
+          <p:cNvPr id="2" name="Slide Image Placeholder 1"/>
+          <p:cNvSpPr>
+            <a:spLocks noGrp="1" noRot="1" noChangeAspect="1"/>
+          </p:cNvSpPr>
+          <p:nvPr>
+            <p:ph type="sldImg"/>
+          </p:nvPr>
+        </p:nvSpPr>
+        <p:spPr/>
+      </p:sp>
+      <p:sp>
+        <p:nvSpPr>
+          <p:cNvPr id="3" name="Notes Placeholder 2"/>
+          <p:cNvSpPr>
+            <a:spLocks noGrp="1"/>
+          </p:cNvSpPr>
+          <p:nvPr>
+            <p:ph type="body" idx="1"/>
+          </p:nvPr>
+        </p:nvSpPr>
+        <p:spPr/>
+        <p:txBody>
+          <a:bodyPr/>
+          <a:lstStyle/>
+          <a:p>
+            <a:r>
+              <a:rPr lang="en-US" dirty="0"/>
+              <a:t>This chart is loaded with extra details that don’t communicate information. </a:t>
+            </a:r>
+          </a:p>
+          <a:p>
+            <a:endParaRPr lang="en-US" dirty="0"/>
+          </a:p>
+          <a:p>
+            <a:r>
+              <a:rPr lang="en-US" dirty="0"/>
+              <a:t>Also known as “chart junk”</a:t>
+            </a:r>
+          </a:p>
+          <a:p>
+            <a:r>
+              <a:rPr lang="en-US" dirty="0"/>
+              <a:t>Gradient, stupid 3d effects, etc...</a:t>
+            </a:r>
+          </a:p>
+        </p:txBody>
+      </p:sp>
+      <p:sp>
+        <p:nvSpPr>
+          <p:cNvPr id="4" name="Slide Number Placeholder 3"/>
+          <p:cNvSpPr>
+            <a:spLocks noGrp="1"/>
+          </p:cNvSpPr>
+          <p:nvPr>
+            <p:ph type="sldNum" sz="quarter" idx="10"/>
+          </p:nvPr>
+        </p:nvSpPr>
+        <p:spPr/>
+        <p:txBody>
+          <a:bodyPr/>
+          <a:lstStyle/>
+          <a:p>
+            <a:fld id="{E5A097B1-DDF2-47DB-BEB4-A56B76E0BD07}" type="slidenum">
+              <a:rPr lang="en-US" smtClean="0"/>
+              <a:t>8</a:t>
+            </a:fld>
+            <a:endParaRPr lang="en-US"/>
+          </a:p>
+        </p:txBody>
+      </p:sp>
+    </p:spTree>
+    <p:extLst>
+      <p:ext uri="{BB962C8B-B14F-4D97-AF65-F5344CB8AC3E}">
+        <p14:creationId xmlns:p14="http://schemas.microsoft.com/office/powerpoint/2010/main" val="3944024313"/>
+      </p:ext>
+    </p:extLst>
+  </p:cSld>
+  <p:clrMapOvr>
+    <a:masterClrMapping/>
+  </p:clrMapOvr>
+</p:notes>
+</file>
+
+<file path=ppt/notesSlides/notesSlide6.xml><?xml version="1.0" encoding="utf-8"?>
+<p:notes xmlns:a="http://schemas.openxmlformats.org/drawingml/2006/main" xmlns:r="http://schemas.openxmlformats.org/officeDocument/2006/relationships" xmlns:p="http://schemas.openxmlformats.org/presentationml/2006/main">
+  <p:cSld>
+    <p:spTree>
+      <p:nvGrpSpPr>
+        <p:cNvPr id="1" name=""/>
+        <p:cNvGrpSpPr/>
+        <p:nvPr/>
+      </p:nvGrpSpPr>
+      <p:grpSpPr>
+        <a:xfrm>
+          <a:off x="0" y="0"/>
+          <a:ext cx="0" cy="0"/>
+          <a:chOff x="0" y="0"/>
+          <a:chExt cx="0" cy="0"/>
+        </a:xfrm>
+      </p:grpSpPr>
+      <p:sp>
+        <p:nvSpPr>
+          <p:cNvPr id="2" name="Slide Image Placeholder 1"/>
+          <p:cNvSpPr>
+            <a:spLocks noGrp="1" noRot="1" noChangeAspect="1"/>
+          </p:cNvSpPr>
+          <p:nvPr>
+            <p:ph type="sldImg"/>
+          </p:nvPr>
+        </p:nvSpPr>
+        <p:spPr/>
+      </p:sp>
+      <p:sp>
+        <p:nvSpPr>
+          <p:cNvPr id="3" name="Notes Placeholder 2"/>
+          <p:cNvSpPr>
+            <a:spLocks noGrp="1"/>
+          </p:cNvSpPr>
+          <p:nvPr>
+            <p:ph type="body" idx="1"/>
+          </p:nvPr>
+        </p:nvSpPr>
+        <p:spPr/>
+        <p:txBody>
+          <a:bodyPr/>
+          <a:lstStyle/>
+          <a:p>
+            <a:r>
+              <a:rPr lang="en-US" dirty="0"/>
+              <a:t>This chart lacks axes and explanations. </a:t>
+            </a:r>
+          </a:p>
+        </p:txBody>
+      </p:sp>
+      <p:sp>
+        <p:nvSpPr>
+          <p:cNvPr id="4" name="Slide Number Placeholder 3"/>
+          <p:cNvSpPr>
+            <a:spLocks noGrp="1"/>
+          </p:cNvSpPr>
+          <p:nvPr>
+            <p:ph type="sldNum" sz="quarter" idx="10"/>
+          </p:nvPr>
+        </p:nvSpPr>
+        <p:spPr/>
+        <p:txBody>
+          <a:bodyPr/>
+          <a:lstStyle/>
+          <a:p>
+            <a:fld id="{E5A097B1-DDF2-47DB-BEB4-A56B76E0BD07}" type="slidenum">
+              <a:rPr lang="en-US" smtClean="0"/>
+              <a:t>9</a:t>
+            </a:fld>
+            <a:endParaRPr lang="en-US"/>
+          </a:p>
+        </p:txBody>
+      </p:sp>
+    </p:spTree>
+    <p:extLst>
+      <p:ext uri="{BB962C8B-B14F-4D97-AF65-F5344CB8AC3E}">
+        <p14:creationId xmlns:p14="http://schemas.microsoft.com/office/powerpoint/2010/main" val="1194762648"/>
+      </p:ext>
+    </p:extLst>
+  </p:cSld>
+  <p:clrMapOvr>
+    <a:masterClrMapping/>
+  </p:clrMapOvr>
+</p:notes>
+</file>
+
+<file path=ppt/notesSlides/notesSlide7.xml><?xml version="1.0" encoding="utf-8"?>
+<p:notes xmlns:a="http://schemas.openxmlformats.org/drawingml/2006/main" xmlns:r="http://schemas.openxmlformats.org/officeDocument/2006/relationships" xmlns:p="http://schemas.openxmlformats.org/presentationml/2006/main">
+  <p:cSld>
+    <p:spTree>
+      <p:nvGrpSpPr>
+        <p:cNvPr id="1" name=""/>
+        <p:cNvGrpSpPr/>
+        <p:nvPr/>
+      </p:nvGrpSpPr>
+      <p:grpSpPr>
+        <a:xfrm>
+          <a:off x="0" y="0"/>
+          <a:ext cx="0" cy="0"/>
+          <a:chOff x="0" y="0"/>
+          <a:chExt cx="0" cy="0"/>
+        </a:xfrm>
+      </p:grpSpPr>
+      <p:sp>
+        <p:nvSpPr>
+          <p:cNvPr id="2" name="Slide Image Placeholder 1"/>
+          <p:cNvSpPr>
+            <a:spLocks noGrp="1" noRot="1" noChangeAspect="1"/>
+          </p:cNvSpPr>
+          <p:nvPr>
+            <p:ph type="sldImg"/>
+          </p:nvPr>
+        </p:nvSpPr>
+        <p:spPr/>
+      </p:sp>
+      <p:sp>
+        <p:nvSpPr>
+          <p:cNvPr id="3" name="Notes Placeholder 2"/>
+          <p:cNvSpPr>
+            <a:spLocks noGrp="1"/>
+          </p:cNvSpPr>
+          <p:nvPr>
+            <p:ph type="body" idx="1"/>
+          </p:nvPr>
+        </p:nvSpPr>
+        <p:spPr/>
+        <p:txBody>
+          <a:bodyPr/>
+          <a:lstStyle/>
+          <a:p>
+            <a:r>
+              <a:rPr lang="en-US" dirty="0"/>
+              <a:t>Avoid “chart junk” </a:t>
+            </a:r>
+          </a:p>
+          <a:p>
+            <a:endParaRPr lang="en-US" dirty="0"/>
+          </a:p>
+          <a:p>
+            <a:r>
+              <a:rPr lang="en-US" dirty="0"/>
+              <a:t>Use visual ques to denote information, but don’t over embellish</a:t>
+            </a:r>
+          </a:p>
+          <a:p>
+            <a:endParaRPr lang="en-US" dirty="0"/>
+          </a:p>
+        </p:txBody>
+      </p:sp>
+      <p:sp>
+        <p:nvSpPr>
+          <p:cNvPr id="4" name="Slide Number Placeholder 3"/>
+          <p:cNvSpPr>
+            <a:spLocks noGrp="1"/>
+          </p:cNvSpPr>
+          <p:nvPr>
+            <p:ph type="sldNum" sz="quarter" idx="10"/>
+          </p:nvPr>
+        </p:nvSpPr>
+        <p:spPr/>
+        <p:txBody>
+          <a:bodyPr/>
+          <a:lstStyle/>
+          <a:p>
+            <a:fld id="{E5A097B1-DDF2-47DB-BEB4-A56B76E0BD07}" type="slidenum">
+              <a:rPr lang="en-US" smtClean="0"/>
+              <a:t>10</a:t>
+            </a:fld>
+            <a:endParaRPr lang="en-US"/>
+          </a:p>
+        </p:txBody>
+      </p:sp>
+    </p:spTree>
+    <p:extLst>
+      <p:ext uri="{BB962C8B-B14F-4D97-AF65-F5344CB8AC3E}">
+        <p14:creationId xmlns:p14="http://schemas.microsoft.com/office/powerpoint/2010/main" val="1377813635"/>
+      </p:ext>
+    </p:extLst>
+  </p:cSld>
+  <p:clrMapOvr>
+    <a:masterClrMapping/>
+  </p:clrMapOvr>
+</p:notes>
+</file>
+
+<file path=ppt/notesSlides/notesSlide8.xml><?xml version="1.0" encoding="utf-8"?>
+<p:notes xmlns:a="http://schemas.openxmlformats.org/drawingml/2006/main" xmlns:r="http://schemas.openxmlformats.org/officeDocument/2006/relationships" xmlns:p="http://schemas.openxmlformats.org/presentationml/2006/main">
+  <p:cSld>
+    <p:spTree>
+      <p:nvGrpSpPr>
+        <p:cNvPr id="1" name=""/>
+        <p:cNvGrpSpPr/>
+        <p:nvPr/>
+      </p:nvGrpSpPr>
+      <p:grpSpPr>
+        <a:xfrm>
+          <a:off x="0" y="0"/>
+          <a:ext cx="0" cy="0"/>
+          <a:chOff x="0" y="0"/>
+          <a:chExt cx="0" cy="0"/>
+        </a:xfrm>
+      </p:grpSpPr>
+      <p:sp>
+        <p:nvSpPr>
+          <p:cNvPr id="2" name="Slide Image Placeholder 1"/>
+          <p:cNvSpPr>
+            <a:spLocks noGrp="1" noRot="1" noChangeAspect="1"/>
+          </p:cNvSpPr>
+          <p:nvPr>
+            <p:ph type="sldImg"/>
+          </p:nvPr>
+        </p:nvSpPr>
+        <p:spPr/>
+      </p:sp>
+      <p:sp>
+        <p:nvSpPr>
+          <p:cNvPr id="3" name="Notes Placeholder 2"/>
+          <p:cNvSpPr>
+            <a:spLocks noGrp="1"/>
+          </p:cNvSpPr>
+          <p:nvPr>
+            <p:ph type="body" idx="1"/>
+          </p:nvPr>
+        </p:nvSpPr>
+        <p:spPr/>
+        <p:txBody>
+          <a:bodyPr/>
+          <a:lstStyle/>
+          <a:p>
+            <a:r>
+              <a:rPr lang="en-US" dirty="0"/>
+              <a:t>Scales should start at zero</a:t>
+            </a:r>
+          </a:p>
+          <a:p>
+            <a:r>
+              <a:rPr lang="en-US" dirty="0"/>
+              <a:t>Avoid any trickery with scaling too</a:t>
+            </a:r>
+          </a:p>
+          <a:p>
+            <a:endParaRPr lang="en-US" dirty="0"/>
+          </a:p>
+        </p:txBody>
+      </p:sp>
+      <p:sp>
+        <p:nvSpPr>
+          <p:cNvPr id="4" name="Slide Number Placeholder 3"/>
+          <p:cNvSpPr>
+            <a:spLocks noGrp="1"/>
+          </p:cNvSpPr>
+          <p:nvPr>
+            <p:ph type="sldNum" sz="quarter" idx="10"/>
+          </p:nvPr>
+        </p:nvSpPr>
+        <p:spPr/>
+        <p:txBody>
+          <a:bodyPr/>
+          <a:lstStyle/>
+          <a:p>
+            <a:fld id="{E5A097B1-DDF2-47DB-BEB4-A56B76E0BD07}" type="slidenum">
+              <a:rPr lang="en-US" smtClean="0"/>
+              <a:t>11</a:t>
+            </a:fld>
+            <a:endParaRPr lang="en-US"/>
+          </a:p>
+        </p:txBody>
+      </p:sp>
+    </p:spTree>
+    <p:extLst>
+      <p:ext uri="{BB962C8B-B14F-4D97-AF65-F5344CB8AC3E}">
+        <p14:creationId xmlns:p14="http://schemas.microsoft.com/office/powerpoint/2010/main" val="157090493"/>
+      </p:ext>
+    </p:extLst>
+  </p:cSld>
+  <p:clrMapOvr>
+    <a:masterClrMapping/>
+  </p:clrMapOvr>
+</p:notes>
+</file>
+
+<file path=ppt/notesSlides/notesSlide9.xml><?xml version="1.0" encoding="utf-8"?>
+<p:notes xmlns:a="http://schemas.openxmlformats.org/drawingml/2006/main" xmlns:r="http://schemas.openxmlformats.org/officeDocument/2006/relationships" xmlns:p="http://schemas.openxmlformats.org/presentationml/2006/main">
+  <p:cSld>
+    <p:spTree>
+      <p:nvGrpSpPr>
+        <p:cNvPr id="1" name=""/>
+        <p:cNvGrpSpPr/>
+        <p:nvPr/>
+      </p:nvGrpSpPr>
+      <p:grpSpPr>
+        <a:xfrm>
+          <a:off x="0" y="0"/>
+          <a:ext cx="0" cy="0"/>
+          <a:chOff x="0" y="0"/>
+          <a:chExt cx="0" cy="0"/>
+        </a:xfrm>
+      </p:grpSpPr>
+      <p:sp>
+        <p:nvSpPr>
+          <p:cNvPr id="2" name="Slide Image Placeholder 1"/>
+          <p:cNvSpPr>
+            <a:spLocks noGrp="1" noRot="1" noChangeAspect="1"/>
+          </p:cNvSpPr>
+          <p:nvPr>
+            <p:ph type="sldImg"/>
+          </p:nvPr>
+        </p:nvSpPr>
+        <p:spPr/>
+      </p:sp>
+      <p:sp>
+        <p:nvSpPr>
+          <p:cNvPr id="3" name="Notes Placeholder 2"/>
+          <p:cNvSpPr>
+            <a:spLocks noGrp="1"/>
+          </p:cNvSpPr>
+          <p:nvPr>
+            <p:ph type="body" idx="1"/>
+          </p:nvPr>
+        </p:nvSpPr>
+        <p:spPr/>
+        <p:txBody>
+          <a:bodyPr/>
+          <a:lstStyle/>
+          <a:p>
+            <a:r>
+              <a:rPr lang="en-US" dirty="0"/>
+              <a:t>Dime a dozen…</a:t>
+            </a:r>
+          </a:p>
+          <a:p>
+            <a:endParaRPr lang="en-US" dirty="0"/>
+          </a:p>
+          <a:p>
+            <a:r>
+              <a:rPr lang="en-US" dirty="0"/>
+              <a:t>Usually reasonably easy to use…</a:t>
+            </a:r>
+          </a:p>
+          <a:p>
+            <a:endParaRPr lang="en-US" dirty="0"/>
+          </a:p>
+          <a:p>
+            <a:r>
+              <a:rPr lang="en-US" dirty="0"/>
+              <a:t>http://www.chartjs.org/</a:t>
+            </a:r>
+          </a:p>
+          <a:p>
+            <a:r>
+              <a:rPr lang="en-US" dirty="0"/>
+              <a:t>https://www.highcharts.com/products/highcharts</a:t>
+            </a:r>
+          </a:p>
+          <a:p>
+            <a:r>
+              <a:rPr lang="en-US" dirty="0"/>
+              <a:t>http://docs.telerik.com/kendo-ui/controls/charts/overview</a:t>
+            </a:r>
+          </a:p>
+          <a:p>
+            <a:r>
+              <a:rPr lang="en-US" dirty="0"/>
+              <a:t>https://developers.google.com/chart/</a:t>
+            </a:r>
+          </a:p>
+          <a:p>
+            <a:endParaRPr lang="en-US" dirty="0"/>
+          </a:p>
+          <a:p>
+            <a:endParaRPr lang="en-US" dirty="0"/>
+          </a:p>
+          <a:p>
+            <a:endParaRPr lang="en-US" dirty="0"/>
+          </a:p>
+          <a:p>
+            <a:endParaRPr lang="en-US" dirty="0"/>
+          </a:p>
+        </p:txBody>
+      </p:sp>
+      <p:sp>
+        <p:nvSpPr>
+          <p:cNvPr id="4" name="Slide Number Placeholder 3"/>
+          <p:cNvSpPr>
+            <a:spLocks noGrp="1"/>
+          </p:cNvSpPr>
+          <p:nvPr>
+            <p:ph type="sldNum" sz="quarter" idx="10"/>
+          </p:nvPr>
+        </p:nvSpPr>
+        <p:spPr/>
+        <p:txBody>
+          <a:bodyPr/>
+          <a:lstStyle/>
+          <a:p>
+            <a:fld id="{E5A097B1-DDF2-47DB-BEB4-A56B76E0BD07}" type="slidenum">
+              <a:rPr lang="en-US" smtClean="0"/>
+              <a:t>12</a:t>
+            </a:fld>
+            <a:endParaRPr lang="en-US"/>
+          </a:p>
+        </p:txBody>
+      </p:sp>
+    </p:spTree>
+    <p:extLst>
+      <p:ext uri="{BB962C8B-B14F-4D97-AF65-F5344CB8AC3E}">
+        <p14:creationId xmlns:p14="http://schemas.microsoft.com/office/powerpoint/2010/main" val="1931348248"/>
       </p:ext>
     </p:extLst>
   </p:cSld>
@@ -3557,6 +10280,853 @@
 </p:sld>
 </file>
 
+<file path=ppt/slides/slide10.xml><?xml version="1.0" encoding="utf-8"?>
+<p:sld xmlns:a="http://schemas.openxmlformats.org/drawingml/2006/main" xmlns:r="http://schemas.openxmlformats.org/officeDocument/2006/relationships" xmlns:p="http://schemas.openxmlformats.org/presentationml/2006/main">
+  <p:cSld>
+    <p:spTree>
+      <p:nvGrpSpPr>
+        <p:cNvPr id="1" name=""/>
+        <p:cNvGrpSpPr/>
+        <p:nvPr/>
+      </p:nvGrpSpPr>
+      <p:grpSpPr>
+        <a:xfrm>
+          <a:off x="0" y="0"/>
+          <a:ext cx="0" cy="0"/>
+          <a:chOff x="0" y="0"/>
+          <a:chExt cx="0" cy="0"/>
+        </a:xfrm>
+      </p:grpSpPr>
+      <p:sp>
+        <p:nvSpPr>
+          <p:cNvPr id="2" name="Title 1"/>
+          <p:cNvSpPr>
+            <a:spLocks noGrp="1"/>
+          </p:cNvSpPr>
+          <p:nvPr>
+            <p:ph type="title"/>
+          </p:nvPr>
+        </p:nvSpPr>
+        <p:spPr>
+          <a:xfrm>
+            <a:off x="555171" y="408668"/>
+            <a:ext cx="10515600" cy="690789"/>
+          </a:xfrm>
+        </p:spPr>
+        <p:txBody>
+          <a:bodyPr>
+            <a:normAutofit fontScale="90000"/>
+          </a:bodyPr>
+          <a:lstStyle/>
+          <a:p>
+            <a:r>
+              <a:rPr lang="en-US" dirty="0"/>
+              <a:t>Better</a:t>
+            </a:r>
+          </a:p>
+        </p:txBody>
+      </p:sp>
+      <p:graphicFrame>
+        <p:nvGraphicFramePr>
+          <p:cNvPr id="6" name="Content Placeholder 5"/>
+          <p:cNvGraphicFramePr>
+            <a:graphicFrameLocks noGrp="1"/>
+          </p:cNvGraphicFramePr>
+          <p:nvPr>
+            <p:ph idx="1"/>
+            <p:extLst>
+              <p:ext uri="{D42A27DB-BD31-4B8C-83A1-F6EECF244321}">
+                <p14:modId xmlns:p14="http://schemas.microsoft.com/office/powerpoint/2010/main" val="40737982"/>
+              </p:ext>
+            </p:extLst>
+          </p:nvPr>
+        </p:nvGraphicFramePr>
+        <p:xfrm>
+          <a:off x="555171" y="1317172"/>
+          <a:ext cx="11394772" cy="4715138"/>
+        </p:xfrm>
+        <a:graphic>
+          <a:graphicData uri="http://schemas.openxmlformats.org/drawingml/2006/chart">
+            <c:chart xmlns:c="http://schemas.openxmlformats.org/drawingml/2006/chart" xmlns:r="http://schemas.openxmlformats.org/officeDocument/2006/relationships" r:id="rId3"/>
+          </a:graphicData>
+        </a:graphic>
+      </p:graphicFrame>
+    </p:spTree>
+    <p:extLst>
+      <p:ext uri="{BB962C8B-B14F-4D97-AF65-F5344CB8AC3E}">
+        <p14:creationId xmlns:p14="http://schemas.microsoft.com/office/powerpoint/2010/main" val="451151744"/>
+      </p:ext>
+    </p:extLst>
+  </p:cSld>
+  <p:clrMapOvr>
+    <a:masterClrMapping/>
+  </p:clrMapOvr>
+</p:sld>
+</file>
+
+<file path=ppt/slides/slide11.xml><?xml version="1.0" encoding="utf-8"?>
+<p:sld xmlns:a="http://schemas.openxmlformats.org/drawingml/2006/main" xmlns:r="http://schemas.openxmlformats.org/officeDocument/2006/relationships" xmlns:p="http://schemas.openxmlformats.org/presentationml/2006/main">
+  <p:cSld>
+    <p:spTree>
+      <p:nvGrpSpPr>
+        <p:cNvPr id="1" name=""/>
+        <p:cNvGrpSpPr/>
+        <p:nvPr/>
+      </p:nvGrpSpPr>
+      <p:grpSpPr>
+        <a:xfrm>
+          <a:off x="0" y="0"/>
+          <a:ext cx="0" cy="0"/>
+          <a:chOff x="0" y="0"/>
+          <a:chExt cx="0" cy="0"/>
+        </a:xfrm>
+      </p:grpSpPr>
+      <p:graphicFrame>
+        <p:nvGraphicFramePr>
+          <p:cNvPr id="6" name="Chart 5"/>
+          <p:cNvGraphicFramePr/>
+          <p:nvPr>
+            <p:extLst>
+              <p:ext uri="{D42A27DB-BD31-4B8C-83A1-F6EECF244321}">
+                <p14:modId xmlns:p14="http://schemas.microsoft.com/office/powerpoint/2010/main" val="277804261"/>
+              </p:ext>
+            </p:extLst>
+          </p:nvPr>
+        </p:nvGraphicFramePr>
+        <p:xfrm>
+          <a:off x="109184" y="821860"/>
+          <a:ext cx="5863041" cy="5219306"/>
+        </p:xfrm>
+        <a:graphic>
+          <a:graphicData uri="http://schemas.openxmlformats.org/drawingml/2006/chart">
+            <c:chart xmlns:c="http://schemas.openxmlformats.org/drawingml/2006/chart" xmlns:r="http://schemas.openxmlformats.org/officeDocument/2006/relationships" r:id="rId3"/>
+          </a:graphicData>
+        </a:graphic>
+      </p:graphicFrame>
+      <p:graphicFrame>
+        <p:nvGraphicFramePr>
+          <p:cNvPr id="8" name="Chart 7"/>
+          <p:cNvGraphicFramePr/>
+          <p:nvPr>
+            <p:extLst>
+              <p:ext uri="{D42A27DB-BD31-4B8C-83A1-F6EECF244321}">
+                <p14:modId xmlns:p14="http://schemas.microsoft.com/office/powerpoint/2010/main" val="3253106987"/>
+              </p:ext>
+            </p:extLst>
+          </p:nvPr>
+        </p:nvGraphicFramePr>
+        <p:xfrm>
+          <a:off x="6192479" y="812536"/>
+          <a:ext cx="5863041" cy="5219306"/>
+        </p:xfrm>
+        <a:graphic>
+          <a:graphicData uri="http://schemas.openxmlformats.org/drawingml/2006/chart">
+            <c:chart xmlns:c="http://schemas.openxmlformats.org/drawingml/2006/chart" xmlns:r="http://schemas.openxmlformats.org/officeDocument/2006/relationships" r:id="rId4"/>
+          </a:graphicData>
+        </a:graphic>
+      </p:graphicFrame>
+    </p:spTree>
+    <p:extLst>
+      <p:ext uri="{BB962C8B-B14F-4D97-AF65-F5344CB8AC3E}">
+        <p14:creationId xmlns:p14="http://schemas.microsoft.com/office/powerpoint/2010/main" val="2638903697"/>
+      </p:ext>
+    </p:extLst>
+  </p:cSld>
+  <p:clrMapOvr>
+    <a:masterClrMapping/>
+  </p:clrMapOvr>
+</p:sld>
+</file>
+
+<file path=ppt/slides/slide12.xml><?xml version="1.0" encoding="utf-8"?>
+<p:sld xmlns:a="http://schemas.openxmlformats.org/drawingml/2006/main" xmlns:r="http://schemas.openxmlformats.org/officeDocument/2006/relationships" xmlns:p="http://schemas.openxmlformats.org/presentationml/2006/main">
+  <p:cSld>
+    <p:spTree>
+      <p:nvGrpSpPr>
+        <p:cNvPr id="1" name=""/>
+        <p:cNvGrpSpPr/>
+        <p:nvPr/>
+      </p:nvGrpSpPr>
+      <p:grpSpPr>
+        <a:xfrm>
+          <a:off x="0" y="0"/>
+          <a:ext cx="0" cy="0"/>
+          <a:chOff x="0" y="0"/>
+          <a:chExt cx="0" cy="0"/>
+        </a:xfrm>
+      </p:grpSpPr>
+      <p:sp>
+        <p:nvSpPr>
+          <p:cNvPr id="2" name="Title 1"/>
+          <p:cNvSpPr>
+            <a:spLocks noGrp="1"/>
+          </p:cNvSpPr>
+          <p:nvPr>
+            <p:ph type="title"/>
+          </p:nvPr>
+        </p:nvSpPr>
+        <p:spPr>
+          <a:xfrm>
+            <a:off x="469711" y="242295"/>
+            <a:ext cx="10515600" cy="1325563"/>
+          </a:xfrm>
+        </p:spPr>
+        <p:txBody>
+          <a:bodyPr>
+            <a:normAutofit/>
+          </a:bodyPr>
+          <a:lstStyle/>
+          <a:p>
+            <a:r>
+              <a:rPr lang="en-US" sz="5400" dirty="0"/>
+              <a:t>Web Based Charting Tools</a:t>
+            </a:r>
+          </a:p>
+        </p:txBody>
+      </p:sp>
+      <p:sp>
+        <p:nvSpPr>
+          <p:cNvPr id="3" name="Content Placeholder 2"/>
+          <p:cNvSpPr>
+            <a:spLocks noGrp="1"/>
+          </p:cNvSpPr>
+          <p:nvPr>
+            <p:ph idx="1"/>
+          </p:nvPr>
+        </p:nvSpPr>
+        <p:spPr>
+          <a:xfrm>
+            <a:off x="469711" y="1567858"/>
+            <a:ext cx="10515600" cy="4351338"/>
+          </a:xfrm>
+        </p:spPr>
+        <p:txBody>
+          <a:bodyPr>
+            <a:normAutofit/>
+          </a:bodyPr>
+          <a:lstStyle/>
+          <a:p>
+            <a:pPr marL="0" indent="0">
+              <a:buNone/>
+            </a:pPr>
+            <a:r>
+              <a:rPr lang="en-US" sz="4400" dirty="0"/>
+              <a:t>Kendo UI</a:t>
+            </a:r>
+          </a:p>
+          <a:p>
+            <a:pPr marL="0" indent="0">
+              <a:buNone/>
+            </a:pPr>
+            <a:r>
+              <a:rPr lang="en-US" sz="4400" dirty="0"/>
+              <a:t>Chart.js</a:t>
+            </a:r>
+          </a:p>
+          <a:p>
+            <a:pPr marL="0" indent="0">
+              <a:buNone/>
+            </a:pPr>
+            <a:r>
+              <a:rPr lang="en-US" sz="4400" dirty="0"/>
+              <a:t>Google Charts</a:t>
+            </a:r>
+          </a:p>
+          <a:p>
+            <a:pPr marL="0" indent="0">
+              <a:buNone/>
+            </a:pPr>
+            <a:r>
+              <a:rPr lang="en-US" sz="4400" dirty="0"/>
+              <a:t>High Charts</a:t>
+            </a:r>
+          </a:p>
+        </p:txBody>
+      </p:sp>
+    </p:spTree>
+    <p:extLst>
+      <p:ext uri="{BB962C8B-B14F-4D97-AF65-F5344CB8AC3E}">
+        <p14:creationId xmlns:p14="http://schemas.microsoft.com/office/powerpoint/2010/main" val="1246870793"/>
+      </p:ext>
+    </p:extLst>
+  </p:cSld>
+  <p:clrMapOvr>
+    <a:masterClrMapping/>
+  </p:clrMapOvr>
+</p:sld>
+</file>
+
+<file path=ppt/slides/slide13.xml><?xml version="1.0" encoding="utf-8"?>
+<p:sld xmlns:a="http://schemas.openxmlformats.org/drawingml/2006/main" xmlns:r="http://schemas.openxmlformats.org/officeDocument/2006/relationships" xmlns:p="http://schemas.openxmlformats.org/presentationml/2006/main">
+  <p:cSld>
+    <p:spTree>
+      <p:nvGrpSpPr>
+        <p:cNvPr id="1" name=""/>
+        <p:cNvGrpSpPr/>
+        <p:nvPr/>
+      </p:nvGrpSpPr>
+      <p:grpSpPr>
+        <a:xfrm>
+          <a:off x="0" y="0"/>
+          <a:ext cx="0" cy="0"/>
+          <a:chOff x="0" y="0"/>
+          <a:chExt cx="0" cy="0"/>
+        </a:xfrm>
+      </p:grpSpPr>
+      <p:sp>
+        <p:nvSpPr>
+          <p:cNvPr id="2" name="Title 1"/>
+          <p:cNvSpPr>
+            <a:spLocks noGrp="1"/>
+          </p:cNvSpPr>
+          <p:nvPr>
+            <p:ph type="title"/>
+          </p:nvPr>
+        </p:nvSpPr>
+        <p:spPr/>
+        <p:txBody>
+          <a:bodyPr/>
+          <a:lstStyle/>
+          <a:p>
+            <a:r>
+              <a:rPr lang="en-US" dirty="0"/>
+              <a:t>D3.js</a:t>
+            </a:r>
+          </a:p>
+        </p:txBody>
+      </p:sp>
+      <p:sp>
+        <p:nvSpPr>
+          <p:cNvPr id="3" name="Content Placeholder 2"/>
+          <p:cNvSpPr>
+            <a:spLocks noGrp="1"/>
+          </p:cNvSpPr>
+          <p:nvPr>
+            <p:ph idx="1"/>
+          </p:nvPr>
+        </p:nvSpPr>
+        <p:spPr/>
+        <p:txBody>
+          <a:bodyPr>
+            <a:normAutofit/>
+          </a:bodyPr>
+          <a:lstStyle/>
+          <a:p>
+            <a:pPr marL="0" indent="0">
+              <a:buNone/>
+            </a:pPr>
+            <a:endParaRPr lang="en-US" sz="4400" dirty="0"/>
+          </a:p>
+        </p:txBody>
+      </p:sp>
+    </p:spTree>
+    <p:extLst>
+      <p:ext uri="{BB962C8B-B14F-4D97-AF65-F5344CB8AC3E}">
+        <p14:creationId xmlns:p14="http://schemas.microsoft.com/office/powerpoint/2010/main" val="3097479284"/>
+      </p:ext>
+    </p:extLst>
+  </p:cSld>
+  <p:clrMapOvr>
+    <a:masterClrMapping/>
+  </p:clrMapOvr>
+</p:sld>
+</file>
+
+<file path=ppt/slides/slide14.xml><?xml version="1.0" encoding="utf-8"?>
+<p:sld xmlns:a="http://schemas.openxmlformats.org/drawingml/2006/main" xmlns:r="http://schemas.openxmlformats.org/officeDocument/2006/relationships" xmlns:p="http://schemas.openxmlformats.org/presentationml/2006/main">
+  <p:cSld>
+    <p:spTree>
+      <p:nvGrpSpPr>
+        <p:cNvPr id="1" name=""/>
+        <p:cNvGrpSpPr/>
+        <p:nvPr/>
+      </p:nvGrpSpPr>
+      <p:grpSpPr>
+        <a:xfrm>
+          <a:off x="0" y="0"/>
+          <a:ext cx="0" cy="0"/>
+          <a:chOff x="0" y="0"/>
+          <a:chExt cx="0" cy="0"/>
+        </a:xfrm>
+      </p:grpSpPr>
+      <p:sp>
+        <p:nvSpPr>
+          <p:cNvPr id="2" name="Title 1"/>
+          <p:cNvSpPr>
+            <a:spLocks noGrp="1"/>
+          </p:cNvSpPr>
+          <p:nvPr>
+            <p:ph type="title"/>
+          </p:nvPr>
+        </p:nvSpPr>
+        <p:spPr/>
+        <p:txBody>
+          <a:bodyPr/>
+          <a:lstStyle/>
+          <a:p>
+            <a:endParaRPr lang="en-US"/>
+          </a:p>
+        </p:txBody>
+      </p:sp>
+      <p:pic>
+        <p:nvPicPr>
+          <p:cNvPr id="3074" name="Picture 2" descr="Image result for laser chainsaw weapon"/>
+          <p:cNvPicPr>
+            <a:picLocks noChangeAspect="1" noChangeArrowheads="1"/>
+          </p:cNvPicPr>
+          <p:nvPr/>
+        </p:nvPicPr>
+        <p:blipFill>
+          <a:blip r:embed="rId3">
+            <a:extLst>
+              <a:ext uri="{28A0092B-C50C-407E-A947-70E740481C1C}">
+                <a14:useLocalDpi xmlns:a14="http://schemas.microsoft.com/office/drawing/2010/main" val="0"/>
+              </a:ext>
+            </a:extLst>
+          </a:blip>
+          <a:srcRect/>
+          <a:stretch>
+            <a:fillRect/>
+          </a:stretch>
+        </p:blipFill>
+        <p:spPr bwMode="auto">
+          <a:xfrm>
+            <a:off x="0" y="0"/>
+            <a:ext cx="12192000" cy="6858000"/>
+          </a:xfrm>
+          <a:prstGeom prst="rect">
+            <a:avLst/>
+          </a:prstGeom>
+          <a:noFill/>
+          <a:extLst>
+            <a:ext uri="{909E8E84-426E-40DD-AFC4-6F175D3DCCD1}">
+              <a14:hiddenFill xmlns:a14="http://schemas.microsoft.com/office/drawing/2010/main">
+                <a:solidFill>
+                  <a:srgbClr val="FFFFFF"/>
+                </a:solidFill>
+              </a14:hiddenFill>
+            </a:ext>
+          </a:extLst>
+        </p:spPr>
+      </p:pic>
+    </p:spTree>
+    <p:extLst>
+      <p:ext uri="{BB962C8B-B14F-4D97-AF65-F5344CB8AC3E}">
+        <p14:creationId xmlns:p14="http://schemas.microsoft.com/office/powerpoint/2010/main" val="2203726956"/>
+      </p:ext>
+    </p:extLst>
+  </p:cSld>
+  <p:clrMapOvr>
+    <a:masterClrMapping/>
+  </p:clrMapOvr>
+</p:sld>
+</file>
+
+<file path=ppt/slides/slide15.xml><?xml version="1.0" encoding="utf-8"?>
+<p:sld xmlns:a="http://schemas.openxmlformats.org/drawingml/2006/main" xmlns:r="http://schemas.openxmlformats.org/officeDocument/2006/relationships" xmlns:p="http://schemas.openxmlformats.org/presentationml/2006/main">
+  <p:cSld>
+    <p:spTree>
+      <p:nvGrpSpPr>
+        <p:cNvPr id="1" name=""/>
+        <p:cNvGrpSpPr/>
+        <p:nvPr/>
+      </p:nvGrpSpPr>
+      <p:grpSpPr>
+        <a:xfrm>
+          <a:off x="0" y="0"/>
+          <a:ext cx="0" cy="0"/>
+          <a:chOff x="0" y="0"/>
+          <a:chExt cx="0" cy="0"/>
+        </a:xfrm>
+      </p:grpSpPr>
+      <p:sp>
+        <p:nvSpPr>
+          <p:cNvPr id="2" name="Title 1"/>
+          <p:cNvSpPr>
+            <a:spLocks noGrp="1"/>
+          </p:cNvSpPr>
+          <p:nvPr>
+            <p:ph type="title"/>
+          </p:nvPr>
+        </p:nvSpPr>
+        <p:spPr>
+          <a:xfrm>
+            <a:off x="428767" y="296886"/>
+            <a:ext cx="10515600" cy="1325563"/>
+          </a:xfrm>
+        </p:spPr>
+        <p:txBody>
+          <a:bodyPr>
+            <a:normAutofit/>
+          </a:bodyPr>
+          <a:lstStyle/>
+          <a:p>
+            <a:r>
+              <a:rPr lang="en-US" sz="5400" dirty="0"/>
+              <a:t>When to Use D3.js</a:t>
+            </a:r>
+          </a:p>
+        </p:txBody>
+      </p:sp>
+      <p:sp>
+        <p:nvSpPr>
+          <p:cNvPr id="3" name="Content Placeholder 2"/>
+          <p:cNvSpPr>
+            <a:spLocks noGrp="1"/>
+          </p:cNvSpPr>
+          <p:nvPr>
+            <p:ph idx="1"/>
+          </p:nvPr>
+        </p:nvSpPr>
+        <p:spPr>
+          <a:xfrm>
+            <a:off x="428767" y="1525374"/>
+            <a:ext cx="10515600" cy="4351338"/>
+          </a:xfrm>
+        </p:spPr>
+        <p:txBody>
+          <a:bodyPr>
+            <a:normAutofit/>
+          </a:bodyPr>
+          <a:lstStyle/>
+          <a:p>
+            <a:pPr marL="0" indent="0">
+              <a:buNone/>
+            </a:pPr>
+            <a:r>
+              <a:rPr lang="en-US" sz="4000" dirty="0"/>
+              <a:t>DIY Charting Library</a:t>
+            </a:r>
+          </a:p>
+          <a:p>
+            <a:pPr marL="0" indent="0">
+              <a:buNone/>
+            </a:pPr>
+            <a:endParaRPr lang="en-US" sz="4000" dirty="0"/>
+          </a:p>
+          <a:p>
+            <a:pPr marL="0" indent="0">
+              <a:buNone/>
+            </a:pPr>
+            <a:r>
+              <a:rPr lang="en-US" sz="4000" dirty="0"/>
+              <a:t>Unique Visualizations</a:t>
+            </a:r>
+          </a:p>
+          <a:p>
+            <a:pPr marL="0" indent="0">
+              <a:buNone/>
+            </a:pPr>
+            <a:endParaRPr lang="en-US" sz="4000" dirty="0"/>
+          </a:p>
+          <a:p>
+            <a:pPr marL="0" indent="0">
+              <a:buNone/>
+            </a:pPr>
+            <a:r>
+              <a:rPr lang="en-US" sz="4000" dirty="0"/>
+              <a:t>Need Low Level Control</a:t>
+            </a:r>
+          </a:p>
+        </p:txBody>
+      </p:sp>
+    </p:spTree>
+    <p:extLst>
+      <p:ext uri="{BB962C8B-B14F-4D97-AF65-F5344CB8AC3E}">
+        <p14:creationId xmlns:p14="http://schemas.microsoft.com/office/powerpoint/2010/main" val="1391663493"/>
+      </p:ext>
+    </p:extLst>
+  </p:cSld>
+  <p:clrMapOvr>
+    <a:masterClrMapping/>
+  </p:clrMapOvr>
+</p:sld>
+</file>
+
+<file path=ppt/slides/slide16.xml><?xml version="1.0" encoding="utf-8"?>
+<p:sld xmlns:a="http://schemas.openxmlformats.org/drawingml/2006/main" xmlns:r="http://schemas.openxmlformats.org/officeDocument/2006/relationships" xmlns:p="http://schemas.openxmlformats.org/presentationml/2006/main">
+  <p:cSld>
+    <p:spTree>
+      <p:nvGrpSpPr>
+        <p:cNvPr id="1" name=""/>
+        <p:cNvGrpSpPr/>
+        <p:nvPr/>
+      </p:nvGrpSpPr>
+      <p:grpSpPr>
+        <a:xfrm>
+          <a:off x="0" y="0"/>
+          <a:ext cx="0" cy="0"/>
+          <a:chOff x="0" y="0"/>
+          <a:chExt cx="0" cy="0"/>
+        </a:xfrm>
+      </p:grpSpPr>
+      <p:sp>
+        <p:nvSpPr>
+          <p:cNvPr id="2" name="Title 1"/>
+          <p:cNvSpPr>
+            <a:spLocks noGrp="1"/>
+          </p:cNvSpPr>
+          <p:nvPr>
+            <p:ph type="title"/>
+          </p:nvPr>
+        </p:nvSpPr>
+        <p:spPr/>
+        <p:txBody>
+          <a:bodyPr/>
+          <a:lstStyle/>
+          <a:p>
+            <a:r>
+              <a:rPr lang="en-US" dirty="0"/>
+              <a:t>NVD3.js</a:t>
+            </a:r>
+          </a:p>
+        </p:txBody>
+      </p:sp>
+      <p:sp>
+        <p:nvSpPr>
+          <p:cNvPr id="3" name="Content Placeholder 2"/>
+          <p:cNvSpPr>
+            <a:spLocks noGrp="1"/>
+          </p:cNvSpPr>
+          <p:nvPr>
+            <p:ph idx="1"/>
+          </p:nvPr>
+        </p:nvSpPr>
+        <p:spPr/>
+        <p:txBody>
+          <a:bodyPr/>
+          <a:lstStyle/>
+          <a:p>
+            <a:endParaRPr lang="en-US"/>
+          </a:p>
+        </p:txBody>
+      </p:sp>
+    </p:spTree>
+    <p:extLst>
+      <p:ext uri="{BB962C8B-B14F-4D97-AF65-F5344CB8AC3E}">
+        <p14:creationId xmlns:p14="http://schemas.microsoft.com/office/powerpoint/2010/main" val="1769471323"/>
+      </p:ext>
+    </p:extLst>
+  </p:cSld>
+  <p:clrMapOvr>
+    <a:masterClrMapping/>
+  </p:clrMapOvr>
+</p:sld>
+</file>
+
+<file path=ppt/slides/slide17.xml><?xml version="1.0" encoding="utf-8"?>
+<p:sld xmlns:a="http://schemas.openxmlformats.org/drawingml/2006/main" xmlns:r="http://schemas.openxmlformats.org/officeDocument/2006/relationships" xmlns:p="http://schemas.openxmlformats.org/presentationml/2006/main">
+  <p:cSld>
+    <p:spTree>
+      <p:nvGrpSpPr>
+        <p:cNvPr id="1" name=""/>
+        <p:cNvGrpSpPr/>
+        <p:nvPr/>
+      </p:nvGrpSpPr>
+      <p:grpSpPr>
+        <a:xfrm>
+          <a:off x="0" y="0"/>
+          <a:ext cx="0" cy="0"/>
+          <a:chOff x="0" y="0"/>
+          <a:chExt cx="0" cy="0"/>
+        </a:xfrm>
+      </p:grpSpPr>
+      <p:sp>
+        <p:nvSpPr>
+          <p:cNvPr id="2" name="Title 1"/>
+          <p:cNvSpPr>
+            <a:spLocks noGrp="1"/>
+          </p:cNvSpPr>
+          <p:nvPr>
+            <p:ph type="title"/>
+          </p:nvPr>
+        </p:nvSpPr>
+        <p:spPr/>
+        <p:txBody>
+          <a:bodyPr/>
+          <a:lstStyle/>
+          <a:p>
+            <a:r>
+              <a:rPr lang="en-US" dirty="0"/>
+              <a:t>SVG</a:t>
+            </a:r>
+          </a:p>
+        </p:txBody>
+      </p:sp>
+      <p:sp>
+        <p:nvSpPr>
+          <p:cNvPr id="3" name="Content Placeholder 2"/>
+          <p:cNvSpPr>
+            <a:spLocks noGrp="1"/>
+          </p:cNvSpPr>
+          <p:nvPr>
+            <p:ph idx="1"/>
+          </p:nvPr>
+        </p:nvSpPr>
+        <p:spPr/>
+        <p:txBody>
+          <a:bodyPr/>
+          <a:lstStyle/>
+          <a:p>
+            <a:endParaRPr lang="en-US"/>
+          </a:p>
+        </p:txBody>
+      </p:sp>
+    </p:spTree>
+    <p:extLst>
+      <p:ext uri="{BB962C8B-B14F-4D97-AF65-F5344CB8AC3E}">
+        <p14:creationId xmlns:p14="http://schemas.microsoft.com/office/powerpoint/2010/main" val="2667672937"/>
+      </p:ext>
+    </p:extLst>
+  </p:cSld>
+  <p:clrMapOvr>
+    <a:masterClrMapping/>
+  </p:clrMapOvr>
+</p:sld>
+</file>
+
+<file path=ppt/slides/slide18.xml><?xml version="1.0" encoding="utf-8"?>
+<p:sld xmlns:a="http://schemas.openxmlformats.org/drawingml/2006/main" xmlns:r="http://schemas.openxmlformats.org/officeDocument/2006/relationships" xmlns:p="http://schemas.openxmlformats.org/presentationml/2006/main">
+  <p:cSld>
+    <p:spTree>
+      <p:nvGrpSpPr>
+        <p:cNvPr id="1" name=""/>
+        <p:cNvGrpSpPr/>
+        <p:nvPr/>
+      </p:nvGrpSpPr>
+      <p:grpSpPr>
+        <a:xfrm>
+          <a:off x="0" y="0"/>
+          <a:ext cx="0" cy="0"/>
+          <a:chOff x="0" y="0"/>
+          <a:chExt cx="0" cy="0"/>
+        </a:xfrm>
+      </p:grpSpPr>
+      <p:sp>
+        <p:nvSpPr>
+          <p:cNvPr id="2" name="Title 1"/>
+          <p:cNvSpPr>
+            <a:spLocks noGrp="1"/>
+          </p:cNvSpPr>
+          <p:nvPr>
+            <p:ph type="title"/>
+          </p:nvPr>
+        </p:nvSpPr>
+        <p:spPr/>
+        <p:txBody>
+          <a:bodyPr/>
+          <a:lstStyle/>
+          <a:p>
+            <a:r>
+              <a:rPr lang="en-US" dirty="0"/>
+              <a:t>Data Loading</a:t>
+            </a:r>
+          </a:p>
+        </p:txBody>
+      </p:sp>
+      <p:sp>
+        <p:nvSpPr>
+          <p:cNvPr id="3" name="Content Placeholder 2"/>
+          <p:cNvSpPr>
+            <a:spLocks noGrp="1"/>
+          </p:cNvSpPr>
+          <p:nvPr>
+            <p:ph idx="1"/>
+          </p:nvPr>
+        </p:nvSpPr>
+        <p:spPr/>
+        <p:txBody>
+          <a:bodyPr/>
+          <a:lstStyle/>
+          <a:p>
+            <a:endParaRPr lang="en-US"/>
+          </a:p>
+        </p:txBody>
+      </p:sp>
+    </p:spTree>
+    <p:extLst>
+      <p:ext uri="{BB962C8B-B14F-4D97-AF65-F5344CB8AC3E}">
+        <p14:creationId xmlns:p14="http://schemas.microsoft.com/office/powerpoint/2010/main" val="2512560162"/>
+      </p:ext>
+    </p:extLst>
+  </p:cSld>
+  <p:clrMapOvr>
+    <a:masterClrMapping/>
+  </p:clrMapOvr>
+</p:sld>
+</file>
+
+<file path=ppt/slides/slide19.xml><?xml version="1.0" encoding="utf-8"?>
+<p:sld xmlns:a="http://schemas.openxmlformats.org/drawingml/2006/main" xmlns:r="http://schemas.openxmlformats.org/officeDocument/2006/relationships" xmlns:p="http://schemas.openxmlformats.org/presentationml/2006/main">
+  <p:cSld>
+    <p:spTree>
+      <p:nvGrpSpPr>
+        <p:cNvPr id="1" name=""/>
+        <p:cNvGrpSpPr/>
+        <p:nvPr/>
+      </p:nvGrpSpPr>
+      <p:grpSpPr>
+        <a:xfrm>
+          <a:off x="0" y="0"/>
+          <a:ext cx="0" cy="0"/>
+          <a:chOff x="0" y="0"/>
+          <a:chExt cx="0" cy="0"/>
+        </a:xfrm>
+      </p:grpSpPr>
+      <p:sp>
+        <p:nvSpPr>
+          <p:cNvPr id="2" name="Title 1"/>
+          <p:cNvSpPr>
+            <a:spLocks noGrp="1"/>
+          </p:cNvSpPr>
+          <p:nvPr>
+            <p:ph type="title"/>
+          </p:nvPr>
+        </p:nvSpPr>
+        <p:spPr/>
+        <p:txBody>
+          <a:bodyPr/>
+          <a:lstStyle/>
+          <a:p>
+            <a:r>
+              <a:rPr lang="en-US" dirty="0"/>
+              <a:t>Data Binding</a:t>
+            </a:r>
+          </a:p>
+        </p:txBody>
+      </p:sp>
+      <p:sp>
+        <p:nvSpPr>
+          <p:cNvPr id="3" name="Content Placeholder 2"/>
+          <p:cNvSpPr>
+            <a:spLocks noGrp="1"/>
+          </p:cNvSpPr>
+          <p:nvPr>
+            <p:ph idx="1"/>
+          </p:nvPr>
+        </p:nvSpPr>
+        <p:spPr/>
+        <p:txBody>
+          <a:bodyPr/>
+          <a:lstStyle/>
+          <a:p>
+            <a:endParaRPr lang="en-US"/>
+          </a:p>
+        </p:txBody>
+      </p:sp>
+    </p:spTree>
+    <p:extLst>
+      <p:ext uri="{BB962C8B-B14F-4D97-AF65-F5344CB8AC3E}">
+        <p14:creationId xmlns:p14="http://schemas.microsoft.com/office/powerpoint/2010/main" val="3471197803"/>
+      </p:ext>
+    </p:extLst>
+  </p:cSld>
+  <p:clrMapOvr>
+    <a:masterClrMapping/>
+  </p:clrMapOvr>
+</p:sld>
+</file>
+
 <file path=ppt/slides/slide2.xml><?xml version="1.0" encoding="utf-8"?>
 <p:sld xmlns:a="http://schemas.openxmlformats.org/drawingml/2006/main" xmlns:r="http://schemas.openxmlformats.org/officeDocument/2006/relationships" xmlns:p="http://schemas.openxmlformats.org/presentationml/2006/main">
   <p:cSld>
@@ -3584,7 +11154,12 @@
             <p:ph type="title"/>
           </p:nvPr>
         </p:nvSpPr>
-        <p:spPr/>
+        <p:spPr>
+          <a:xfrm>
+            <a:off x="838200" y="336550"/>
+            <a:ext cx="10515600" cy="1006475"/>
+          </a:xfrm>
+        </p:spPr>
         <p:txBody>
           <a:bodyPr>
             <a:normAutofit/>
@@ -3610,7 +11185,7 @@
         </p:nvSpPr>
         <p:spPr>
           <a:xfrm>
-            <a:off x="838200" y="1825625"/>
+            <a:off x="838200" y="1343025"/>
             <a:ext cx="6327710" cy="4351338"/>
           </a:xfrm>
         </p:spPr>
@@ -3625,7 +11200,7 @@
             </a:pPr>
             <a:r>
               <a:rPr lang="en-US" sz="4400" dirty="0"/>
-              <a:t>Why</a:t>
+              <a:t>Why Bother?</a:t>
             </a:r>
           </a:p>
           <a:p>
@@ -3634,7 +11209,7 @@
             </a:pPr>
             <a:r>
               <a:rPr lang="en-US" sz="4400" dirty="0"/>
-              <a:t>Best Practices</a:t>
+              <a:t>Charting Best Practices</a:t>
             </a:r>
           </a:p>
           <a:p>
@@ -3643,7 +11218,7 @@
             </a:pPr>
             <a:r>
               <a:rPr lang="en-US" sz="4400" dirty="0"/>
-              <a:t>Intro to D3.js</a:t>
+              <a:t>Web Based Charting</a:t>
             </a:r>
           </a:p>
           <a:p>
@@ -3652,7 +11227,7 @@
             </a:pPr>
             <a:r>
               <a:rPr lang="en-US" sz="4400" dirty="0"/>
-              <a:t>NVD3.js (aka. easy mode)</a:t>
+              <a:t>Intro to D3.js</a:t>
             </a:r>
           </a:p>
           <a:p>
@@ -3682,6 +11257,328 @@
     <p:extLst>
       <p:ext uri="{BB962C8B-B14F-4D97-AF65-F5344CB8AC3E}">
         <p14:creationId xmlns:p14="http://schemas.microsoft.com/office/powerpoint/2010/main" val="3802928179"/>
+      </p:ext>
+    </p:extLst>
+  </p:cSld>
+  <p:clrMapOvr>
+    <a:masterClrMapping/>
+  </p:clrMapOvr>
+</p:sld>
+</file>
+
+<file path=ppt/slides/slide20.xml><?xml version="1.0" encoding="utf-8"?>
+<p:sld xmlns:a="http://schemas.openxmlformats.org/drawingml/2006/main" xmlns:r="http://schemas.openxmlformats.org/officeDocument/2006/relationships" xmlns:p="http://schemas.openxmlformats.org/presentationml/2006/main">
+  <p:cSld>
+    <p:spTree>
+      <p:nvGrpSpPr>
+        <p:cNvPr id="1" name=""/>
+        <p:cNvGrpSpPr/>
+        <p:nvPr/>
+      </p:nvGrpSpPr>
+      <p:grpSpPr>
+        <a:xfrm>
+          <a:off x="0" y="0"/>
+          <a:ext cx="0" cy="0"/>
+          <a:chOff x="0" y="0"/>
+          <a:chExt cx="0" cy="0"/>
+        </a:xfrm>
+      </p:grpSpPr>
+      <p:sp>
+        <p:nvSpPr>
+          <p:cNvPr id="2" name="Title 1"/>
+          <p:cNvSpPr>
+            <a:spLocks noGrp="1"/>
+          </p:cNvSpPr>
+          <p:nvPr>
+            <p:ph type="title"/>
+          </p:nvPr>
+        </p:nvSpPr>
+        <p:spPr/>
+        <p:txBody>
+          <a:bodyPr/>
+          <a:lstStyle/>
+          <a:p>
+            <a:r>
+              <a:rPr lang="en-US" dirty="0"/>
+              <a:t>Transformations</a:t>
+            </a:r>
+          </a:p>
+        </p:txBody>
+      </p:sp>
+      <p:sp>
+        <p:nvSpPr>
+          <p:cNvPr id="3" name="Content Placeholder 2"/>
+          <p:cNvSpPr>
+            <a:spLocks noGrp="1"/>
+          </p:cNvSpPr>
+          <p:nvPr>
+            <p:ph idx="1"/>
+          </p:nvPr>
+        </p:nvSpPr>
+        <p:spPr/>
+        <p:txBody>
+          <a:bodyPr/>
+          <a:lstStyle/>
+          <a:p>
+            <a:endParaRPr lang="en-US"/>
+          </a:p>
+        </p:txBody>
+      </p:sp>
+    </p:spTree>
+    <p:extLst>
+      <p:ext uri="{BB962C8B-B14F-4D97-AF65-F5344CB8AC3E}">
+        <p14:creationId xmlns:p14="http://schemas.microsoft.com/office/powerpoint/2010/main" val="3507940921"/>
+      </p:ext>
+    </p:extLst>
+  </p:cSld>
+  <p:clrMapOvr>
+    <a:masterClrMapping/>
+  </p:clrMapOvr>
+</p:sld>
+</file>
+
+<file path=ppt/slides/slide21.xml><?xml version="1.0" encoding="utf-8"?>
+<p:sld xmlns:a="http://schemas.openxmlformats.org/drawingml/2006/main" xmlns:r="http://schemas.openxmlformats.org/officeDocument/2006/relationships" xmlns:p="http://schemas.openxmlformats.org/presentationml/2006/main">
+  <p:cSld>
+    <p:spTree>
+      <p:nvGrpSpPr>
+        <p:cNvPr id="1" name=""/>
+        <p:cNvGrpSpPr/>
+        <p:nvPr/>
+      </p:nvGrpSpPr>
+      <p:grpSpPr>
+        <a:xfrm>
+          <a:off x="0" y="0"/>
+          <a:ext cx="0" cy="0"/>
+          <a:chOff x="0" y="0"/>
+          <a:chExt cx="0" cy="0"/>
+        </a:xfrm>
+      </p:grpSpPr>
+      <p:sp>
+        <p:nvSpPr>
+          <p:cNvPr id="2" name="Title 1"/>
+          <p:cNvSpPr>
+            <a:spLocks noGrp="1"/>
+          </p:cNvSpPr>
+          <p:nvPr>
+            <p:ph type="title"/>
+          </p:nvPr>
+        </p:nvSpPr>
+        <p:spPr/>
+        <p:txBody>
+          <a:bodyPr/>
+          <a:lstStyle/>
+          <a:p>
+            <a:r>
+              <a:rPr lang="en-US" dirty="0"/>
+              <a:t>Extras</a:t>
+            </a:r>
+          </a:p>
+        </p:txBody>
+      </p:sp>
+      <p:sp>
+        <p:nvSpPr>
+          <p:cNvPr id="3" name="Content Placeholder 2"/>
+          <p:cNvSpPr>
+            <a:spLocks noGrp="1"/>
+          </p:cNvSpPr>
+          <p:nvPr>
+            <p:ph idx="1"/>
+          </p:nvPr>
+        </p:nvSpPr>
+        <p:spPr/>
+        <p:txBody>
+          <a:bodyPr/>
+          <a:lstStyle/>
+          <a:p>
+            <a:endParaRPr lang="en-US"/>
+          </a:p>
+        </p:txBody>
+      </p:sp>
+    </p:spTree>
+    <p:extLst>
+      <p:ext uri="{BB962C8B-B14F-4D97-AF65-F5344CB8AC3E}">
+        <p14:creationId xmlns:p14="http://schemas.microsoft.com/office/powerpoint/2010/main" val="2204730907"/>
+      </p:ext>
+    </p:extLst>
+  </p:cSld>
+  <p:clrMapOvr>
+    <a:masterClrMapping/>
+  </p:clrMapOvr>
+</p:sld>
+</file>
+
+<file path=ppt/slides/slide22.xml><?xml version="1.0" encoding="utf-8"?>
+<p:sld xmlns:a="http://schemas.openxmlformats.org/drawingml/2006/main" xmlns:r="http://schemas.openxmlformats.org/officeDocument/2006/relationships" xmlns:p="http://schemas.openxmlformats.org/presentationml/2006/main">
+  <p:cSld>
+    <p:spTree>
+      <p:nvGrpSpPr>
+        <p:cNvPr id="1" name=""/>
+        <p:cNvGrpSpPr/>
+        <p:nvPr/>
+      </p:nvGrpSpPr>
+      <p:grpSpPr>
+        <a:xfrm>
+          <a:off x="0" y="0"/>
+          <a:ext cx="0" cy="0"/>
+          <a:chOff x="0" y="0"/>
+          <a:chExt cx="0" cy="0"/>
+        </a:xfrm>
+      </p:grpSpPr>
+      <p:sp>
+        <p:nvSpPr>
+          <p:cNvPr id="2" name="Title 1"/>
+          <p:cNvSpPr>
+            <a:spLocks noGrp="1"/>
+          </p:cNvSpPr>
+          <p:nvPr>
+            <p:ph type="title"/>
+          </p:nvPr>
+        </p:nvSpPr>
+        <p:spPr>
+          <a:xfrm>
+            <a:off x="838200" y="2602242"/>
+            <a:ext cx="10515600" cy="1325563"/>
+          </a:xfrm>
+        </p:spPr>
+        <p:txBody>
+          <a:bodyPr/>
+          <a:lstStyle/>
+          <a:p>
+            <a:pPr algn="ctr"/>
+            <a:r>
+              <a:rPr lang="en-US" dirty="0"/>
+              <a:t>Demos</a:t>
+            </a:r>
+          </a:p>
+        </p:txBody>
+      </p:sp>
+    </p:spTree>
+    <p:extLst>
+      <p:ext uri="{BB962C8B-B14F-4D97-AF65-F5344CB8AC3E}">
+        <p14:creationId xmlns:p14="http://schemas.microsoft.com/office/powerpoint/2010/main" val="1826147236"/>
+      </p:ext>
+    </p:extLst>
+  </p:cSld>
+  <p:clrMapOvr>
+    <a:masterClrMapping/>
+  </p:clrMapOvr>
+</p:sld>
+</file>
+
+<file path=ppt/slides/slide23.xml><?xml version="1.0" encoding="utf-8"?>
+<p:sld xmlns:a="http://schemas.openxmlformats.org/drawingml/2006/main" xmlns:r="http://schemas.openxmlformats.org/officeDocument/2006/relationships" xmlns:p="http://schemas.openxmlformats.org/presentationml/2006/main">
+  <p:cSld>
+    <p:spTree>
+      <p:nvGrpSpPr>
+        <p:cNvPr id="1" name=""/>
+        <p:cNvGrpSpPr/>
+        <p:nvPr/>
+      </p:nvGrpSpPr>
+      <p:grpSpPr>
+        <a:xfrm>
+          <a:off x="0" y="0"/>
+          <a:ext cx="0" cy="0"/>
+          <a:chOff x="0" y="0"/>
+          <a:chExt cx="0" cy="0"/>
+        </a:xfrm>
+      </p:grpSpPr>
+      <p:sp>
+        <p:nvSpPr>
+          <p:cNvPr id="2" name="Title 1"/>
+          <p:cNvSpPr>
+            <a:spLocks noGrp="1"/>
+          </p:cNvSpPr>
+          <p:nvPr>
+            <p:ph type="title"/>
+          </p:nvPr>
+        </p:nvSpPr>
+        <p:spPr/>
+        <p:txBody>
+          <a:bodyPr/>
+          <a:lstStyle/>
+          <a:p>
+            <a:r>
+              <a:rPr lang="en-US" sz="6000" dirty="0"/>
+              <a:t>Takeaways</a:t>
+            </a:r>
+            <a:endParaRPr lang="en-US" dirty="0"/>
+          </a:p>
+        </p:txBody>
+      </p:sp>
+      <p:sp>
+        <p:nvSpPr>
+          <p:cNvPr id="3" name="Content Placeholder 2"/>
+          <p:cNvSpPr>
+            <a:spLocks noGrp="1"/>
+          </p:cNvSpPr>
+          <p:nvPr>
+            <p:ph idx="1"/>
+          </p:nvPr>
+        </p:nvSpPr>
+        <p:spPr/>
+        <p:txBody>
+          <a:bodyPr>
+            <a:normAutofit/>
+          </a:bodyPr>
+          <a:lstStyle/>
+          <a:p>
+            <a:pPr marL="0" indent="0">
+              <a:buNone/>
+            </a:pPr>
+            <a:r>
+              <a:rPr lang="en-US" sz="3600" dirty="0"/>
+              <a:t>Data Can Be Beautiful</a:t>
+            </a:r>
+          </a:p>
+          <a:p>
+            <a:pPr marL="0" indent="0">
+              <a:buNone/>
+            </a:pPr>
+            <a:endParaRPr lang="en-US" sz="3600" dirty="0"/>
+          </a:p>
+          <a:p>
+            <a:pPr marL="0" indent="0">
+              <a:buNone/>
+            </a:pPr>
+            <a:r>
+              <a:rPr lang="en-US" sz="3600" dirty="0"/>
+              <a:t>D3 is Hard</a:t>
+            </a:r>
+          </a:p>
+          <a:p>
+            <a:pPr marL="0" indent="0">
+              <a:buNone/>
+            </a:pPr>
+            <a:endParaRPr lang="en-US" sz="3600" dirty="0"/>
+          </a:p>
+          <a:p>
+            <a:pPr marL="0" indent="0">
+              <a:buNone/>
+            </a:pPr>
+            <a:r>
+              <a:rPr lang="en-US" sz="3600" dirty="0"/>
+              <a:t>D3 is Powerful</a:t>
+            </a:r>
+          </a:p>
+          <a:p>
+            <a:pPr marL="0" indent="0">
+              <a:buNone/>
+            </a:pPr>
+            <a:endParaRPr lang="en-US" sz="3600" dirty="0"/>
+          </a:p>
+          <a:p>
+            <a:pPr marL="0" indent="0">
+              <a:buNone/>
+            </a:pPr>
+            <a:endParaRPr lang="en-US" sz="3600" dirty="0"/>
+          </a:p>
+        </p:txBody>
+      </p:sp>
+    </p:spTree>
+    <p:extLst>
+      <p:ext uri="{BB962C8B-B14F-4D97-AF65-F5344CB8AC3E}">
+        <p14:creationId xmlns:p14="http://schemas.microsoft.com/office/powerpoint/2010/main" val="289873564"/>
       </p:ext>
     </p:extLst>
   </p:cSld>
@@ -3720,7 +11617,7 @@
         </p:nvSpPr>
         <p:spPr>
           <a:xfrm>
-            <a:off x="838200" y="2602242"/>
+            <a:off x="695325" y="1580356"/>
             <a:ext cx="10515600" cy="1325563"/>
           </a:xfrm>
         </p:spPr>
@@ -3728,10 +11625,9 @@
           <a:bodyPr/>
           <a:lstStyle/>
           <a:p>
-            <a:pPr algn="ctr"/>
             <a:r>
               <a:rPr lang="en-US" dirty="0"/>
-              <a:t>Demos</a:t>
+              <a:t>What’s so great about data visualization anyway?</a:t>
             </a:r>
           </a:p>
         </p:txBody>
@@ -3739,7 +11635,7 @@
     </p:spTree>
     <p:extLst>
       <p:ext uri="{BB962C8B-B14F-4D97-AF65-F5344CB8AC3E}">
-        <p14:creationId xmlns:p14="http://schemas.microsoft.com/office/powerpoint/2010/main" val="1826147236"/>
+        <p14:creationId xmlns:p14="http://schemas.microsoft.com/office/powerpoint/2010/main" val="3886141721"/>
       </p:ext>
     </p:extLst>
   </p:cSld>
@@ -3766,55 +11662,434 @@
           <a:chExt cx="0" cy="0"/>
         </a:xfrm>
       </p:grpSpPr>
-      <p:sp>
-        <p:nvSpPr>
-          <p:cNvPr id="2" name="Title 1"/>
-          <p:cNvSpPr>
-            <a:spLocks noGrp="1"/>
-          </p:cNvSpPr>
-          <p:nvPr>
-            <p:ph type="title"/>
-          </p:nvPr>
-        </p:nvSpPr>
-        <p:spPr/>
-        <p:txBody>
-          <a:bodyPr/>
-          <a:lstStyle/>
-          <a:p>
-            <a:r>
-              <a:rPr lang="en-US" sz="6000" dirty="0"/>
-              <a:t>Takeaways</a:t>
-            </a:r>
-            <a:endParaRPr lang="en-US" dirty="0"/>
-          </a:p>
-        </p:txBody>
-      </p:sp>
-      <p:sp>
-        <p:nvSpPr>
-          <p:cNvPr id="3" name="Content Placeholder 2"/>
-          <p:cNvSpPr>
-            <a:spLocks noGrp="1"/>
-          </p:cNvSpPr>
-          <p:nvPr>
-            <p:ph idx="1"/>
-          </p:nvPr>
-        </p:nvSpPr>
-        <p:spPr/>
-        <p:txBody>
-          <a:bodyPr/>
-          <a:lstStyle/>
-          <a:p>
-            <a:pPr marL="0" indent="0">
-              <a:buNone/>
-            </a:pPr>
-            <a:endParaRPr lang="en-US" dirty="0"/>
-          </a:p>
-        </p:txBody>
-      </p:sp>
+      <p:pic>
+        <p:nvPicPr>
+          <p:cNvPr id="5" name="Picture 4"/>
+          <p:cNvPicPr>
+            <a:picLocks noChangeAspect="1"/>
+          </p:cNvPicPr>
+          <p:nvPr/>
+        </p:nvPicPr>
+        <p:blipFill>
+          <a:blip r:embed="rId3"/>
+          <a:stretch>
+            <a:fillRect/>
+          </a:stretch>
+        </p:blipFill>
+        <p:spPr>
+          <a:xfrm>
+            <a:off x="265973" y="0"/>
+            <a:ext cx="11660053" cy="6858000"/>
+          </a:xfrm>
+          <a:prstGeom prst="rect">
+            <a:avLst/>
+          </a:prstGeom>
+        </p:spPr>
+      </p:pic>
     </p:spTree>
     <p:extLst>
       <p:ext uri="{BB962C8B-B14F-4D97-AF65-F5344CB8AC3E}">
-        <p14:creationId xmlns:p14="http://schemas.microsoft.com/office/powerpoint/2010/main" val="289873564"/>
+        <p14:creationId xmlns:p14="http://schemas.microsoft.com/office/powerpoint/2010/main" val="3635254759"/>
+      </p:ext>
+    </p:extLst>
+  </p:cSld>
+  <p:clrMapOvr>
+    <a:masterClrMapping/>
+  </p:clrMapOvr>
+</p:sld>
+</file>
+
+<file path=ppt/slides/slide5.xml><?xml version="1.0" encoding="utf-8"?>
+<p:sld xmlns:a="http://schemas.openxmlformats.org/drawingml/2006/main" xmlns:r="http://schemas.openxmlformats.org/officeDocument/2006/relationships" xmlns:p="http://schemas.openxmlformats.org/presentationml/2006/main">
+  <p:cSld>
+    <p:spTree>
+      <p:nvGrpSpPr>
+        <p:cNvPr id="1" name=""/>
+        <p:cNvGrpSpPr/>
+        <p:nvPr/>
+      </p:nvGrpSpPr>
+      <p:grpSpPr>
+        <a:xfrm>
+          <a:off x="0" y="0"/>
+          <a:ext cx="0" cy="0"/>
+          <a:chOff x="0" y="0"/>
+          <a:chExt cx="0" cy="0"/>
+        </a:xfrm>
+      </p:grpSpPr>
+      <p:sp>
+        <p:nvSpPr>
+          <p:cNvPr id="2" name="Title 1"/>
+          <p:cNvSpPr>
+            <a:spLocks noGrp="1"/>
+          </p:cNvSpPr>
+          <p:nvPr>
+            <p:ph type="title"/>
+          </p:nvPr>
+        </p:nvSpPr>
+        <p:spPr/>
+        <p:txBody>
+          <a:bodyPr/>
+          <a:lstStyle/>
+          <a:p>
+            <a:endParaRPr lang="en-US"/>
+          </a:p>
+        </p:txBody>
+      </p:sp>
+      <p:sp>
+        <p:nvSpPr>
+          <p:cNvPr id="3" name="Content Placeholder 2"/>
+          <p:cNvSpPr>
+            <a:spLocks noGrp="1"/>
+          </p:cNvSpPr>
+          <p:nvPr>
+            <p:ph idx="1"/>
+          </p:nvPr>
+        </p:nvSpPr>
+        <p:spPr/>
+        <p:txBody>
+          <a:bodyPr/>
+          <a:lstStyle/>
+          <a:p>
+            <a:endParaRPr lang="en-US"/>
+          </a:p>
+        </p:txBody>
+      </p:sp>
+      <p:pic>
+        <p:nvPicPr>
+          <p:cNvPr id="2050" name="Picture 2" descr="https://upload.wikimedia.org/wikipedia/commons/2/29/Minard.png"/>
+          <p:cNvPicPr>
+            <a:picLocks noChangeAspect="1" noChangeArrowheads="1"/>
+          </p:cNvPicPr>
+          <p:nvPr/>
+        </p:nvPicPr>
+        <p:blipFill>
+          <a:blip r:embed="rId3">
+            <a:extLst>
+              <a:ext uri="{28A0092B-C50C-407E-A947-70E740481C1C}">
+                <a14:useLocalDpi xmlns:a14="http://schemas.microsoft.com/office/drawing/2010/main" val="0"/>
+              </a:ext>
+            </a:extLst>
+          </a:blip>
+          <a:srcRect/>
+          <a:stretch>
+            <a:fillRect/>
+          </a:stretch>
+        </p:blipFill>
+        <p:spPr bwMode="auto">
+          <a:xfrm>
+            <a:off x="0" y="522288"/>
+            <a:ext cx="12192000" cy="5813425"/>
+          </a:xfrm>
+          <a:prstGeom prst="rect">
+            <a:avLst/>
+          </a:prstGeom>
+          <a:noFill/>
+          <a:extLst>
+            <a:ext uri="{909E8E84-426E-40DD-AFC4-6F175D3DCCD1}">
+              <a14:hiddenFill xmlns:a14="http://schemas.microsoft.com/office/drawing/2010/main">
+                <a:solidFill>
+                  <a:srgbClr val="FFFFFF"/>
+                </a:solidFill>
+              </a14:hiddenFill>
+            </a:ext>
+          </a:extLst>
+        </p:spPr>
+      </p:pic>
+    </p:spTree>
+    <p:extLst>
+      <p:ext uri="{BB962C8B-B14F-4D97-AF65-F5344CB8AC3E}">
+        <p14:creationId xmlns:p14="http://schemas.microsoft.com/office/powerpoint/2010/main" val="2624369280"/>
+      </p:ext>
+    </p:extLst>
+  </p:cSld>
+  <p:clrMapOvr>
+    <a:masterClrMapping/>
+  </p:clrMapOvr>
+</p:sld>
+</file>
+
+<file path=ppt/slides/slide6.xml><?xml version="1.0" encoding="utf-8"?>
+<p:sld xmlns:a="http://schemas.openxmlformats.org/drawingml/2006/main" xmlns:r="http://schemas.openxmlformats.org/officeDocument/2006/relationships" xmlns:p="http://schemas.openxmlformats.org/presentationml/2006/main">
+  <p:cSld>
+    <p:spTree>
+      <p:nvGrpSpPr>
+        <p:cNvPr id="1" name=""/>
+        <p:cNvGrpSpPr/>
+        <p:nvPr/>
+      </p:nvGrpSpPr>
+      <p:grpSpPr>
+        <a:xfrm>
+          <a:off x="0" y="0"/>
+          <a:ext cx="0" cy="0"/>
+          <a:chOff x="0" y="0"/>
+          <a:chExt cx="0" cy="0"/>
+        </a:xfrm>
+      </p:grpSpPr>
+      <p:pic>
+        <p:nvPicPr>
+          <p:cNvPr id="1026" name="Picture 2" descr="https://i2.wp.com/flowingdata.com/wp-content/uploads/2015/11/Thanksgiving-Flight-Patterns-by-New-York-Times.png?fit=720%2C507&amp;ssl=1"/>
+          <p:cNvPicPr>
+            <a:picLocks noChangeAspect="1" noChangeArrowheads="1"/>
+          </p:cNvPicPr>
+          <p:nvPr/>
+        </p:nvPicPr>
+        <p:blipFill>
+          <a:blip r:embed="rId3">
+            <a:extLst>
+              <a:ext uri="{28A0092B-C50C-407E-A947-70E740481C1C}">
+                <a14:useLocalDpi xmlns:a14="http://schemas.microsoft.com/office/drawing/2010/main" val="0"/>
+              </a:ext>
+            </a:extLst>
+          </a:blip>
+          <a:srcRect/>
+          <a:stretch>
+            <a:fillRect/>
+          </a:stretch>
+        </p:blipFill>
+        <p:spPr bwMode="auto">
+          <a:xfrm>
+            <a:off x="1688123" y="245735"/>
+            <a:ext cx="9003324" cy="6339841"/>
+          </a:xfrm>
+          <a:prstGeom prst="rect">
+            <a:avLst/>
+          </a:prstGeom>
+          <a:noFill/>
+          <a:extLst>
+            <a:ext uri="{909E8E84-426E-40DD-AFC4-6F175D3DCCD1}">
+              <a14:hiddenFill xmlns:a14="http://schemas.microsoft.com/office/drawing/2010/main">
+                <a:solidFill>
+                  <a:srgbClr val="FFFFFF"/>
+                </a:solidFill>
+              </a14:hiddenFill>
+            </a:ext>
+          </a:extLst>
+        </p:spPr>
+      </p:pic>
+    </p:spTree>
+    <p:extLst>
+      <p:ext uri="{BB962C8B-B14F-4D97-AF65-F5344CB8AC3E}">
+        <p14:creationId xmlns:p14="http://schemas.microsoft.com/office/powerpoint/2010/main" val="1534300465"/>
+      </p:ext>
+    </p:extLst>
+  </p:cSld>
+  <p:clrMapOvr>
+    <a:masterClrMapping/>
+  </p:clrMapOvr>
+</p:sld>
+</file>
+
+<file path=ppt/slides/slide7.xml><?xml version="1.0" encoding="utf-8"?>
+<p:sld xmlns:a="http://schemas.openxmlformats.org/drawingml/2006/main" xmlns:r="http://schemas.openxmlformats.org/officeDocument/2006/relationships" xmlns:p="http://schemas.openxmlformats.org/presentationml/2006/main">
+  <p:cSld>
+    <p:spTree>
+      <p:nvGrpSpPr>
+        <p:cNvPr id="1" name=""/>
+        <p:cNvGrpSpPr/>
+        <p:nvPr/>
+      </p:nvGrpSpPr>
+      <p:grpSpPr>
+        <a:xfrm>
+          <a:off x="0" y="0"/>
+          <a:ext cx="0" cy="0"/>
+          <a:chOff x="0" y="0"/>
+          <a:chExt cx="0" cy="0"/>
+        </a:xfrm>
+      </p:grpSpPr>
+      <p:sp>
+        <p:nvSpPr>
+          <p:cNvPr id="6" name="Title 1"/>
+          <p:cNvSpPr>
+            <a:spLocks noGrp="1"/>
+          </p:cNvSpPr>
+          <p:nvPr>
+            <p:ph type="title"/>
+          </p:nvPr>
+        </p:nvSpPr>
+        <p:spPr>
+          <a:xfrm>
+            <a:off x="695325" y="1580356"/>
+            <a:ext cx="10515600" cy="1325563"/>
+          </a:xfrm>
+        </p:spPr>
+        <p:txBody>
+          <a:bodyPr/>
+          <a:lstStyle/>
+          <a:p>
+            <a:r>
+              <a:rPr lang="en-US" dirty="0"/>
+              <a:t>How do we make it not suck?</a:t>
+            </a:r>
+          </a:p>
+        </p:txBody>
+      </p:sp>
+    </p:spTree>
+    <p:extLst>
+      <p:ext uri="{BB962C8B-B14F-4D97-AF65-F5344CB8AC3E}">
+        <p14:creationId xmlns:p14="http://schemas.microsoft.com/office/powerpoint/2010/main" val="3155342170"/>
+      </p:ext>
+    </p:extLst>
+  </p:cSld>
+  <p:clrMapOvr>
+    <a:masterClrMapping/>
+  </p:clrMapOvr>
+</p:sld>
+</file>
+
+<file path=ppt/slides/slide8.xml><?xml version="1.0" encoding="utf-8"?>
+<p:sld xmlns:a="http://schemas.openxmlformats.org/drawingml/2006/main" xmlns:r="http://schemas.openxmlformats.org/officeDocument/2006/relationships" xmlns:p="http://schemas.openxmlformats.org/presentationml/2006/main">
+  <p:cSld>
+    <p:spTree>
+      <p:nvGrpSpPr>
+        <p:cNvPr id="1" name=""/>
+        <p:cNvGrpSpPr/>
+        <p:nvPr/>
+      </p:nvGrpSpPr>
+      <p:grpSpPr>
+        <a:xfrm>
+          <a:off x="0" y="0"/>
+          <a:ext cx="0" cy="0"/>
+          <a:chOff x="0" y="0"/>
+          <a:chExt cx="0" cy="0"/>
+        </a:xfrm>
+      </p:grpSpPr>
+      <p:sp>
+        <p:nvSpPr>
+          <p:cNvPr id="2" name="Title 1"/>
+          <p:cNvSpPr>
+            <a:spLocks noGrp="1"/>
+          </p:cNvSpPr>
+          <p:nvPr>
+            <p:ph type="title"/>
+          </p:nvPr>
+        </p:nvSpPr>
+        <p:spPr>
+          <a:xfrm>
+            <a:off x="468086" y="288926"/>
+            <a:ext cx="10515600" cy="745218"/>
+          </a:xfrm>
+        </p:spPr>
+        <p:txBody>
+          <a:bodyPr/>
+          <a:lstStyle/>
+          <a:p>
+            <a:r>
+              <a:rPr lang="en-US" dirty="0"/>
+              <a:t>Bad</a:t>
+            </a:r>
+          </a:p>
+        </p:txBody>
+      </p:sp>
+      <p:graphicFrame>
+        <p:nvGraphicFramePr>
+          <p:cNvPr id="6" name="Content Placeholder 5"/>
+          <p:cNvGraphicFramePr>
+            <a:graphicFrameLocks noGrp="1"/>
+          </p:cNvGraphicFramePr>
+          <p:nvPr>
+            <p:ph idx="1"/>
+            <p:extLst>
+              <p:ext uri="{D42A27DB-BD31-4B8C-83A1-F6EECF244321}">
+                <p14:modId xmlns:p14="http://schemas.microsoft.com/office/powerpoint/2010/main" val="3587986811"/>
+              </p:ext>
+            </p:extLst>
+          </p:nvPr>
+        </p:nvGraphicFramePr>
+        <p:xfrm>
+          <a:off x="468086" y="1219200"/>
+          <a:ext cx="11309932" cy="5318077"/>
+        </p:xfrm>
+        <a:graphic>
+          <a:graphicData uri="http://schemas.openxmlformats.org/drawingml/2006/chart">
+            <c:chart xmlns:c="http://schemas.openxmlformats.org/drawingml/2006/chart" xmlns:r="http://schemas.openxmlformats.org/officeDocument/2006/relationships" r:id="rId3"/>
+          </a:graphicData>
+        </a:graphic>
+      </p:graphicFrame>
+    </p:spTree>
+    <p:extLst>
+      <p:ext uri="{BB962C8B-B14F-4D97-AF65-F5344CB8AC3E}">
+        <p14:creationId xmlns:p14="http://schemas.microsoft.com/office/powerpoint/2010/main" val="1714447405"/>
+      </p:ext>
+    </p:extLst>
+  </p:cSld>
+  <p:clrMapOvr>
+    <a:masterClrMapping/>
+  </p:clrMapOvr>
+</p:sld>
+</file>
+
+<file path=ppt/slides/slide9.xml><?xml version="1.0" encoding="utf-8"?>
+<p:sld xmlns:a="http://schemas.openxmlformats.org/drawingml/2006/main" xmlns:r="http://schemas.openxmlformats.org/officeDocument/2006/relationships" xmlns:p="http://schemas.openxmlformats.org/presentationml/2006/main">
+  <p:cSld>
+    <p:spTree>
+      <p:nvGrpSpPr>
+        <p:cNvPr id="1" name=""/>
+        <p:cNvGrpSpPr/>
+        <p:nvPr/>
+      </p:nvGrpSpPr>
+      <p:grpSpPr>
+        <a:xfrm>
+          <a:off x="0" y="0"/>
+          <a:ext cx="0" cy="0"/>
+          <a:chOff x="0" y="0"/>
+          <a:chExt cx="0" cy="0"/>
+        </a:xfrm>
+      </p:grpSpPr>
+      <p:sp>
+        <p:nvSpPr>
+          <p:cNvPr id="2" name="Title 1"/>
+          <p:cNvSpPr>
+            <a:spLocks noGrp="1"/>
+          </p:cNvSpPr>
+          <p:nvPr>
+            <p:ph type="title"/>
+          </p:nvPr>
+        </p:nvSpPr>
+        <p:spPr>
+          <a:xfrm>
+            <a:off x="537949" y="351478"/>
+            <a:ext cx="10515600" cy="631162"/>
+          </a:xfrm>
+        </p:spPr>
+        <p:txBody>
+          <a:bodyPr>
+            <a:normAutofit fontScale="90000"/>
+          </a:bodyPr>
+          <a:lstStyle/>
+          <a:p>
+            <a:r>
+              <a:rPr lang="en-US" dirty="0"/>
+              <a:t>Also Bad</a:t>
+            </a:r>
+          </a:p>
+        </p:txBody>
+      </p:sp>
+      <p:graphicFrame>
+        <p:nvGraphicFramePr>
+          <p:cNvPr id="6" name="Chart 5"/>
+          <p:cNvGraphicFramePr/>
+          <p:nvPr>
+            <p:extLst>
+              <p:ext uri="{D42A27DB-BD31-4B8C-83A1-F6EECF244321}">
+                <p14:modId xmlns:p14="http://schemas.microsoft.com/office/powerpoint/2010/main" val="773814717"/>
+              </p:ext>
+            </p:extLst>
+          </p:nvPr>
+        </p:nvGraphicFramePr>
+        <p:xfrm>
+          <a:off x="537949" y="1173708"/>
+          <a:ext cx="11035352" cy="5268035"/>
+        </p:xfrm>
+        <a:graphic>
+          <a:graphicData uri="http://schemas.openxmlformats.org/drawingml/2006/chart">
+            <c:chart xmlns:c="http://schemas.openxmlformats.org/drawingml/2006/chart" xmlns:r="http://schemas.openxmlformats.org/officeDocument/2006/relationships" r:id="rId3"/>
+          </a:graphicData>
+        </a:graphic>
+      </p:graphicFrame>
+    </p:spTree>
+    <p:extLst>
+      <p:ext uri="{BB962C8B-B14F-4D97-AF65-F5344CB8AC3E}">
+        <p14:creationId xmlns:p14="http://schemas.microsoft.com/office/powerpoint/2010/main" val="2690089108"/>
       </p:ext>
     </p:extLst>
   </p:cSld>
